--- a/RBSP.pptx
+++ b/RBSP.pptx
@@ -2,7 +2,7 @@
 <file path=ppt/presentation.xml><?xml version="1.0" encoding="utf-8"?>
 <p:presentation xmlns:a="http://schemas.openxmlformats.org/drawingml/2006/main" xmlns:r="http://schemas.openxmlformats.org/officeDocument/2006/relationships" xmlns:p="http://schemas.openxmlformats.org/presentationml/2006/main" saveSubsetFonts="1">
   <p:sldMasterIdLst>
-    <p:sldMasterId id="2147483648" r:id="rId1"/>
+    <p:sldMasterId id="2147483660" r:id="rId1"/>
   </p:sldMasterIdLst>
   <p:sldIdLst>
     <p:sldId id="256" r:id="rId2"/>
@@ -104,11 +104,16 @@
       </a:defRPr>
     </a:lvl9pPr>
   </p:defaultTextStyle>
+  <p:extLst>
+    <p:ext uri="{EFAFB233-063F-42B5-8137-9DF3F51BA10A}">
+      <p15:sldGuideLst xmlns:p15="http://schemas.microsoft.com/office/powerpoint/2012/main"/>
+    </p:ext>
+  </p:extLst>
 </p:presentation>
 </file>
 
 <file path=ppt/slideLayouts/slideLayout1.xml><?xml version="1.0" encoding="utf-8"?>
-<p:sldLayout xmlns:a="http://schemas.openxmlformats.org/drawingml/2006/main" xmlns:r="http://schemas.openxmlformats.org/officeDocument/2006/relationships" xmlns:p="http://schemas.openxmlformats.org/presentationml/2006/main" type="title" preserve="1">
+<p:sldLayout xmlns:a="http://schemas.openxmlformats.org/drawingml/2006/main" xmlns:r="http://schemas.openxmlformats.org/officeDocument/2006/relationships" xmlns:p="http://schemas.openxmlformats.org/presentationml/2006/main" showMasterSp="0" type="title" preserve="1">
   <p:cSld name="Title Slide">
     <p:spTree>
       <p:nvGrpSpPr>
@@ -124,12 +129,118 @@
           <a:chExt cx="0" cy="0"/>
         </a:xfrm>
       </p:grpSpPr>
+      <p:sp useBgFill="1">
+        <p:nvSpPr>
+          <p:cNvPr id="18" name="Rectangle 17">
+            <a:extLst>
+              <a:ext uri="{FF2B5EF4-FFF2-40B4-BE49-F238E27FC236}">
+                <a16:creationId xmlns:a16="http://schemas.microsoft.com/office/drawing/2014/main" id="{D284A420-F50C-4C2C-B88E-E6F4EF504B6E}"/>
+              </a:ext>
+            </a:extLst>
+          </p:cNvPr>
+          <p:cNvSpPr/>
+          <p:nvPr/>
+        </p:nvSpPr>
+        <p:spPr>
+          <a:xfrm>
+            <a:off x="0" y="0"/>
+            <a:ext cx="12188952" cy="6858000"/>
+          </a:xfrm>
+          <a:prstGeom prst="rect">
+            <a:avLst/>
+          </a:prstGeom>
+          <a:ln>
+            <a:noFill/>
+          </a:ln>
+          <a:effectLst/>
+        </p:spPr>
+        <p:style>
+          <a:lnRef idx="2">
+            <a:schemeClr val="accent1">
+              <a:shade val="50000"/>
+            </a:schemeClr>
+          </a:lnRef>
+          <a:fillRef idx="1">
+            <a:schemeClr val="accent1"/>
+          </a:fillRef>
+          <a:effectRef idx="0">
+            <a:schemeClr val="accent1"/>
+          </a:effectRef>
+          <a:fontRef idx="minor">
+            <a:schemeClr val="lt1"/>
+          </a:fontRef>
+        </p:style>
+        <p:txBody>
+          <a:bodyPr rtlCol="0" anchor="ctr"/>
+          <a:lstStyle/>
+          <a:p>
+            <a:pPr algn="ctr"/>
+            <a:endParaRPr lang="en-US"/>
+          </a:p>
+        </p:txBody>
+      </p:sp>
+      <p:sp useBgFill="1">
+        <p:nvSpPr>
+          <p:cNvPr id="12" name="Rectangle 11">
+            <a:extLst>
+              <a:ext uri="{FF2B5EF4-FFF2-40B4-BE49-F238E27FC236}">
+                <a16:creationId xmlns:a16="http://schemas.microsoft.com/office/drawing/2014/main" id="{893A6D2E-5228-4998-9E24-EFCCA024675E}"/>
+              </a:ext>
+            </a:extLst>
+          </p:cNvPr>
+          <p:cNvSpPr/>
+          <p:nvPr/>
+        </p:nvSpPr>
+        <p:spPr>
+          <a:xfrm>
+            <a:off x="0" y="-2"/>
+            <a:ext cx="12188952" cy="3567547"/>
+          </a:xfrm>
+          <a:prstGeom prst="rect">
+            <a:avLst/>
+          </a:prstGeom>
+          <a:ln>
+            <a:noFill/>
+          </a:ln>
+          <a:effectLst>
+            <a:outerShdw blurRad="228600" dist="152400" dir="5460000" sx="95000" sy="95000" algn="t" rotWithShape="0">
+              <a:srgbClr val="000000">
+                <a:alpha val="30000"/>
+              </a:srgbClr>
+            </a:outerShdw>
+          </a:effectLst>
+        </p:spPr>
+        <p:style>
+          <a:lnRef idx="2">
+            <a:schemeClr val="accent1">
+              <a:shade val="50000"/>
+            </a:schemeClr>
+          </a:lnRef>
+          <a:fillRef idx="1">
+            <a:schemeClr val="accent1"/>
+          </a:fillRef>
+          <a:effectRef idx="0">
+            <a:schemeClr val="accent1"/>
+          </a:effectRef>
+          <a:fontRef idx="minor">
+            <a:schemeClr val="lt1"/>
+          </a:fontRef>
+        </p:style>
+        <p:txBody>
+          <a:bodyPr rtlCol="0" anchor="ctr"/>
+          <a:lstStyle/>
+          <a:p>
+            <a:pPr algn="ctr"/>
+            <a:endParaRPr lang="en-US" dirty="0"/>
+          </a:p>
+        </p:txBody>
+      </p:sp>
       <p:sp>
         <p:nvSpPr>
           <p:cNvPr id="2" name="Title 1">
             <a:extLst>
               <a:ext uri="{FF2B5EF4-FFF2-40B4-BE49-F238E27FC236}">
-                <a16:creationId xmlns:a16="http://schemas.microsoft.com/office/drawing/2014/main" id="{957706E7-B2DF-419E-AF8D-EA794F38C721}"/>
+                <a16:creationId xmlns:a16="http://schemas.microsoft.com/office/drawing/2014/main" id="{C59D878C-9930-44AF-AE18-FCA0DAE10D39}"/>
               </a:ext>
             </a:extLst>
           </p:cNvPr>
@@ -142,15 +253,17 @@
         </p:nvSpPr>
         <p:spPr>
           <a:xfrm>
-            <a:off x="1524000" y="1122363"/>
-            <a:ext cx="9144000" cy="2387600"/>
-          </a:xfrm>
-        </p:spPr>
-        <p:txBody>
-          <a:bodyPr anchor="b"/>
+            <a:off x="761802" y="852055"/>
+            <a:ext cx="10380572" cy="2581463"/>
+          </a:xfrm>
+        </p:spPr>
+        <p:txBody>
+          <a:bodyPr anchor="b">
+            <a:normAutofit/>
+          </a:bodyPr>
           <a:lstStyle>
-            <a:lvl1pPr algn="ctr">
-              <a:defRPr sz="6000"/>
+            <a:lvl1pPr algn="l">
+              <a:defRPr sz="4800"/>
             </a:lvl1pPr>
           </a:lstStyle>
           <a:p>
@@ -158,7 +271,7 @@
               <a:rPr lang="en-US"/>
               <a:t>Click to edit Master title style</a:t>
             </a:r>
-            <a:endParaRPr lang="en-CA"/>
+            <a:endParaRPr lang="en-US" dirty="0"/>
           </a:p>
         </p:txBody>
       </p:sp>
@@ -167,7 +280,7 @@
           <p:cNvPr id="3" name="Subtitle 2">
             <a:extLst>
               <a:ext uri="{FF2B5EF4-FFF2-40B4-BE49-F238E27FC236}">
-                <a16:creationId xmlns:a16="http://schemas.microsoft.com/office/drawing/2014/main" id="{09C6BCD2-9F25-4BE8-AF83-1F67F913166F}"/>
+                <a16:creationId xmlns:a16="http://schemas.microsoft.com/office/drawing/2014/main" id="{CD82D608-1F8D-47BB-B595-43B7BEACA90A}"/>
               </a:ext>
             </a:extLst>
           </p:cNvPr>
@@ -180,14 +293,14 @@
         </p:nvSpPr>
         <p:spPr>
           <a:xfrm>
-            <a:off x="1524000" y="3602038"/>
-            <a:ext cx="9144000" cy="1655762"/>
+            <a:off x="761802" y="3754582"/>
+            <a:ext cx="10380572" cy="2244436"/>
           </a:xfrm>
         </p:spPr>
         <p:txBody>
           <a:bodyPr/>
           <a:lstStyle>
-            <a:lvl1pPr marL="0" indent="0" algn="ctr">
+            <a:lvl1pPr marL="0" indent="0" algn="l">
               <a:buNone/>
               <a:defRPr sz="2400"/>
             </a:lvl1pPr>
@@ -229,7 +342,7 @@
               <a:rPr lang="en-US"/>
               <a:t>Click to edit Master subtitle style</a:t>
             </a:r>
-            <a:endParaRPr lang="en-CA"/>
+            <a:endParaRPr lang="en-US" dirty="0"/>
           </a:p>
         </p:txBody>
       </p:sp>
@@ -238,7 +351,7 @@
           <p:cNvPr id="4" name="Date Placeholder 3">
             <a:extLst>
               <a:ext uri="{FF2B5EF4-FFF2-40B4-BE49-F238E27FC236}">
-                <a16:creationId xmlns:a16="http://schemas.microsoft.com/office/drawing/2014/main" id="{6D8E46A8-C4DD-41F0-8D26-AB54F3A38794}"/>
+                <a16:creationId xmlns:a16="http://schemas.microsoft.com/office/drawing/2014/main" id="{C2D3C1DA-DAC9-422B-9450-54A7E03B3DE0}"/>
               </a:ext>
             </a:extLst>
           </p:cNvPr>
@@ -254,11 +367,11 @@
           <a:bodyPr/>
           <a:lstStyle/>
           <a:p>
-            <a:fld id="{A74F8680-04F4-4DDD-847A-CF9BD3F2E951}" type="datetimeFigureOut">
-              <a:rPr lang="en-CA" smtClean="0"/>
-              <a:t>2022-01-26</a:t>
+            <a:fld id="{3341EE12-F28E-4B03-A404-A8FCAE0F6316}" type="datetime1">
+              <a:rPr lang="en-US" smtClean="0"/>
+              <a:t>5/16/2022</a:t>
             </a:fld>
-            <a:endParaRPr lang="en-CA"/>
+            <a:endParaRPr lang="en-US" dirty="0"/>
           </a:p>
         </p:txBody>
       </p:sp>
@@ -267,7 +380,7 @@
           <p:cNvPr id="5" name="Footer Placeholder 4">
             <a:extLst>
               <a:ext uri="{FF2B5EF4-FFF2-40B4-BE49-F238E27FC236}">
-                <a16:creationId xmlns:a16="http://schemas.microsoft.com/office/drawing/2014/main" id="{E88D07FF-198E-4476-9FD9-105B6A471CAD}"/>
+                <a16:creationId xmlns:a16="http://schemas.microsoft.com/office/drawing/2014/main" id="{6739A2B9-3E23-4C08-A5CE-698861210AA8}"/>
               </a:ext>
             </a:extLst>
           </p:cNvPr>
@@ -283,7 +396,7 @@
           <a:bodyPr/>
           <a:lstStyle/>
           <a:p>
-            <a:endParaRPr lang="en-CA"/>
+            <a:endParaRPr lang="en-US"/>
           </a:p>
         </p:txBody>
       </p:sp>
@@ -292,7 +405,7 @@
           <p:cNvPr id="6" name="Slide Number Placeholder 5">
             <a:extLst>
               <a:ext uri="{FF2B5EF4-FFF2-40B4-BE49-F238E27FC236}">
-                <a16:creationId xmlns:a16="http://schemas.microsoft.com/office/drawing/2014/main" id="{48B025C8-E893-40CD-8724-312C83628CE3}"/>
+                <a16:creationId xmlns:a16="http://schemas.microsoft.com/office/drawing/2014/main" id="{1812E61E-26F7-4369-8F2F-6D3CDF644D94}"/>
               </a:ext>
             </a:extLst>
           </p:cNvPr>
@@ -308,18 +421,104 @@
           <a:bodyPr/>
           <a:lstStyle/>
           <a:p>
-            <a:fld id="{D911CD25-C0B3-4B04-AB7D-DCF18088FF08}" type="slidenum">
-              <a:rPr lang="en-CA" smtClean="0"/>
+            <a:fld id="{B4A918BC-4D43-4B42-B3C0-E7EBE25E6AF0}" type="slidenum">
+              <a:rPr lang="en-US" smtClean="0"/>
               <a:t>‹#›</a:t>
             </a:fld>
-            <a:endParaRPr lang="en-CA"/>
-          </a:p>
-        </p:txBody>
-      </p:sp>
+            <a:endParaRPr lang="en-US" dirty="0"/>
+          </a:p>
+        </p:txBody>
+      </p:sp>
+      <p:cxnSp>
+        <p:nvCxnSpPr>
+          <p:cNvPr id="23" name="Straight Connector 22">
+            <a:extLst>
+              <a:ext uri="{FF2B5EF4-FFF2-40B4-BE49-F238E27FC236}">
+                <a16:creationId xmlns:a16="http://schemas.microsoft.com/office/drawing/2014/main" id="{3ADB48DB-8E25-4F2F-8C02-5B793937255F}"/>
+              </a:ext>
+            </a:extLst>
+          </p:cNvPr>
+          <p:cNvCxnSpPr>
+            <a:cxnSpLocks/>
+          </p:cNvCxnSpPr>
+          <p:nvPr/>
+        </p:nvCxnSpPr>
+        <p:spPr>
+          <a:xfrm>
+            <a:off x="11668155" y="5641010"/>
+            <a:ext cx="0" cy="599069"/>
+          </a:xfrm>
+          <a:prstGeom prst="line">
+            <a:avLst/>
+          </a:prstGeom>
+          <a:ln w="38100">
+            <a:solidFill>
+              <a:schemeClr val="tx1"/>
+            </a:solidFill>
+          </a:ln>
+        </p:spPr>
+        <p:style>
+          <a:lnRef idx="1">
+            <a:schemeClr val="accent1"/>
+          </a:lnRef>
+          <a:fillRef idx="0">
+            <a:schemeClr val="accent1"/>
+          </a:fillRef>
+          <a:effectRef idx="0">
+            <a:schemeClr val="accent1"/>
+          </a:effectRef>
+          <a:fontRef idx="minor">
+            <a:schemeClr val="tx1"/>
+          </a:fontRef>
+        </p:style>
+      </p:cxnSp>
+      <p:cxnSp>
+        <p:nvCxnSpPr>
+          <p:cNvPr id="11" name="Straight Connector 10">
+            <a:extLst>
+              <a:ext uri="{FF2B5EF4-FFF2-40B4-BE49-F238E27FC236}">
+                <a16:creationId xmlns:a16="http://schemas.microsoft.com/office/drawing/2014/main" id="{C32BA7E3-7313-49C8-A245-A85BDEB13EB3}"/>
+              </a:ext>
+            </a:extLst>
+          </p:cNvPr>
+          <p:cNvCxnSpPr>
+            <a:cxnSpLocks/>
+          </p:cNvCxnSpPr>
+          <p:nvPr/>
+        </p:nvCxnSpPr>
+        <p:spPr>
+          <a:xfrm>
+            <a:off x="11668155" y="5641010"/>
+            <a:ext cx="0" cy="599069"/>
+          </a:xfrm>
+          <a:prstGeom prst="line">
+            <a:avLst/>
+          </a:prstGeom>
+          <a:ln w="38100">
+            <a:solidFill>
+              <a:schemeClr val="tx1"/>
+            </a:solidFill>
+          </a:ln>
+        </p:spPr>
+        <p:style>
+          <a:lnRef idx="1">
+            <a:schemeClr val="accent1"/>
+          </a:lnRef>
+          <a:fillRef idx="0">
+            <a:schemeClr val="accent1"/>
+          </a:fillRef>
+          <a:effectRef idx="0">
+            <a:schemeClr val="accent1"/>
+          </a:effectRef>
+          <a:fontRef idx="minor">
+            <a:schemeClr val="tx1"/>
+          </a:fontRef>
+        </p:style>
+      </p:cxnSp>
     </p:spTree>
     <p:extLst>
       <p:ext uri="{BB962C8B-B14F-4D97-AF65-F5344CB8AC3E}">
-        <p14:creationId xmlns:p14="http://schemas.microsoft.com/office/powerpoint/2010/main" val="3701179496"/>
+        <p14:creationId xmlns:p14="http://schemas.microsoft.com/office/powerpoint/2010/main" val="1363973534"/>
       </p:ext>
     </p:extLst>
   </p:cSld>
@@ -351,7 +550,7 @@
           <p:cNvPr id="2" name="Title 1">
             <a:extLst>
               <a:ext uri="{FF2B5EF4-FFF2-40B4-BE49-F238E27FC236}">
-                <a16:creationId xmlns:a16="http://schemas.microsoft.com/office/drawing/2014/main" id="{79D92A1D-CBE1-47B9-93F0-01E5B78D03AB}"/>
+                <a16:creationId xmlns:a16="http://schemas.microsoft.com/office/drawing/2014/main" id="{D64F69F7-12D5-40F0-88F0-33D60AEB0218}"/>
               </a:ext>
             </a:extLst>
           </p:cNvPr>
@@ -371,7 +570,7 @@
               <a:rPr lang="en-US"/>
               <a:t>Click to edit Master title style</a:t>
             </a:r>
-            <a:endParaRPr lang="en-CA"/>
+            <a:endParaRPr lang="en-US" dirty="0"/>
           </a:p>
         </p:txBody>
       </p:sp>
@@ -380,7 +579,7 @@
           <p:cNvPr id="3" name="Vertical Text Placeholder 2">
             <a:extLst>
               <a:ext uri="{FF2B5EF4-FFF2-40B4-BE49-F238E27FC236}">
-                <a16:creationId xmlns:a16="http://schemas.microsoft.com/office/drawing/2014/main" id="{CFDED963-69D6-43BA-9EA0-65B55FFF6F46}"/>
+                <a16:creationId xmlns:a16="http://schemas.microsoft.com/office/drawing/2014/main" id="{765BB511-E79D-41D8-AF91-14A5C803FC8A}"/>
               </a:ext>
             </a:extLst>
           </p:cNvPr>
@@ -429,7 +628,6 @@
               <a:rPr lang="en-US"/>
               <a:t>Fifth level</a:t>
             </a:r>
-            <a:endParaRPr lang="en-CA"/>
           </a:p>
         </p:txBody>
       </p:sp>
@@ -438,7 +636,7 @@
           <p:cNvPr id="4" name="Date Placeholder 3">
             <a:extLst>
               <a:ext uri="{FF2B5EF4-FFF2-40B4-BE49-F238E27FC236}">
-                <a16:creationId xmlns:a16="http://schemas.microsoft.com/office/drawing/2014/main" id="{2AF2243C-4FE3-4F73-A790-9E4E09726A58}"/>
+                <a16:creationId xmlns:a16="http://schemas.microsoft.com/office/drawing/2014/main" id="{1E705DFA-4DAF-4B30-8032-503081AEA4BF}"/>
               </a:ext>
             </a:extLst>
           </p:cNvPr>
@@ -454,11 +652,11 @@
           <a:bodyPr/>
           <a:lstStyle/>
           <a:p>
-            <a:fld id="{A74F8680-04F4-4DDD-847A-CF9BD3F2E951}" type="datetimeFigureOut">
-              <a:rPr lang="en-CA" smtClean="0"/>
-              <a:t>2022-01-26</a:t>
+            <a:fld id="{B68B8189-0D9C-48A6-9FA3-862227B094CE}" type="datetime1">
+              <a:rPr lang="en-US" smtClean="0"/>
+              <a:t>5/16/2022</a:t>
             </a:fld>
-            <a:endParaRPr lang="en-CA"/>
+            <a:endParaRPr lang="en-US"/>
           </a:p>
         </p:txBody>
       </p:sp>
@@ -467,7 +665,7 @@
           <p:cNvPr id="5" name="Footer Placeholder 4">
             <a:extLst>
               <a:ext uri="{FF2B5EF4-FFF2-40B4-BE49-F238E27FC236}">
-                <a16:creationId xmlns:a16="http://schemas.microsoft.com/office/drawing/2014/main" id="{6BBC95E6-A1E6-4864-8D40-6541C4146284}"/>
+                <a16:creationId xmlns:a16="http://schemas.microsoft.com/office/drawing/2014/main" id="{E034FBF5-16C0-46A0-916A-4910C1B61514}"/>
               </a:ext>
             </a:extLst>
           </p:cNvPr>
@@ -483,7 +681,7 @@
           <a:bodyPr/>
           <a:lstStyle/>
           <a:p>
-            <a:endParaRPr lang="en-CA"/>
+            <a:endParaRPr lang="en-US"/>
           </a:p>
         </p:txBody>
       </p:sp>
@@ -492,7 +690,7 @@
           <p:cNvPr id="6" name="Slide Number Placeholder 5">
             <a:extLst>
               <a:ext uri="{FF2B5EF4-FFF2-40B4-BE49-F238E27FC236}">
-                <a16:creationId xmlns:a16="http://schemas.microsoft.com/office/drawing/2014/main" id="{3F1BBB36-0092-491A-AE8E-254C01898961}"/>
+                <a16:creationId xmlns:a16="http://schemas.microsoft.com/office/drawing/2014/main" id="{CB626EA6-7E48-454C-887A-0EF3356F91D5}"/>
               </a:ext>
             </a:extLst>
           </p:cNvPr>
@@ -508,18 +706,18 @@
           <a:bodyPr/>
           <a:lstStyle/>
           <a:p>
-            <a:fld id="{D911CD25-C0B3-4B04-AB7D-DCF18088FF08}" type="slidenum">
-              <a:rPr lang="en-CA" smtClean="0"/>
+            <a:fld id="{B4A918BC-4D43-4B42-B3C0-E7EBE25E6AF0}" type="slidenum">
+              <a:rPr lang="en-US" smtClean="0"/>
               <a:t>‹#›</a:t>
             </a:fld>
-            <a:endParaRPr lang="en-CA"/>
+            <a:endParaRPr lang="en-US"/>
           </a:p>
         </p:txBody>
       </p:sp>
     </p:spTree>
     <p:extLst>
       <p:ext uri="{BB962C8B-B14F-4D97-AF65-F5344CB8AC3E}">
-        <p14:creationId xmlns:p14="http://schemas.microsoft.com/office/powerpoint/2010/main" val="60715261"/>
+        <p14:creationId xmlns:p14="http://schemas.microsoft.com/office/powerpoint/2010/main" val="85885986"/>
       </p:ext>
     </p:extLst>
   </p:cSld>
@@ -530,7 +728,7 @@
 </file>
 
 <file path=ppt/slideLayouts/slideLayout11.xml><?xml version="1.0" encoding="utf-8"?>
-<p:sldLayout xmlns:a="http://schemas.openxmlformats.org/drawingml/2006/main" xmlns:r="http://schemas.openxmlformats.org/officeDocument/2006/relationships" xmlns:p="http://schemas.openxmlformats.org/presentationml/2006/main" type="vertTitleAndTx" preserve="1">
+<p:sldLayout xmlns:a="http://schemas.openxmlformats.org/drawingml/2006/main" xmlns:r="http://schemas.openxmlformats.org/officeDocument/2006/relationships" xmlns:p="http://schemas.openxmlformats.org/presentationml/2006/main" showMasterSp="0" type="vertTitleAndTx" preserve="1">
   <p:cSld name="Vertical Title and Text">
     <p:spTree>
       <p:nvGrpSpPr>
@@ -546,12 +744,161 @@
           <a:chExt cx="0" cy="0"/>
         </a:xfrm>
       </p:grpSpPr>
+      <p:sp useBgFill="1">
+        <p:nvSpPr>
+          <p:cNvPr id="12" name="Rectangle 11">
+            <a:extLst>
+              <a:ext uri="{FF2B5EF4-FFF2-40B4-BE49-F238E27FC236}">
+                <a16:creationId xmlns:a16="http://schemas.microsoft.com/office/drawing/2014/main" id="{BA312BAB-A07B-4FEA-8EB5-A7BD8B24C6DA}"/>
+              </a:ext>
+            </a:extLst>
+          </p:cNvPr>
+          <p:cNvSpPr/>
+          <p:nvPr/>
+        </p:nvSpPr>
+        <p:spPr>
+          <a:xfrm>
+            <a:off x="0" y="0"/>
+            <a:ext cx="12192000" cy="6858000"/>
+          </a:xfrm>
+          <a:prstGeom prst="rect">
+            <a:avLst/>
+          </a:prstGeom>
+          <a:ln>
+            <a:noFill/>
+          </a:ln>
+          <a:effectLst/>
+        </p:spPr>
+        <p:style>
+          <a:lnRef idx="2">
+            <a:schemeClr val="accent1">
+              <a:shade val="50000"/>
+            </a:schemeClr>
+          </a:lnRef>
+          <a:fillRef idx="1">
+            <a:schemeClr val="accent1"/>
+          </a:fillRef>
+          <a:effectRef idx="0">
+            <a:schemeClr val="accent1"/>
+          </a:effectRef>
+          <a:fontRef idx="minor">
+            <a:schemeClr val="lt1"/>
+          </a:fontRef>
+        </p:style>
+        <p:txBody>
+          <a:bodyPr rtlCol="0" anchor="ctr"/>
+          <a:lstStyle/>
+          <a:p>
+            <a:pPr algn="ctr"/>
+            <a:endParaRPr lang="en-US"/>
+          </a:p>
+        </p:txBody>
+      </p:sp>
+      <p:sp useBgFill="1">
+        <p:nvSpPr>
+          <p:cNvPr id="8" name="Rectangle 7">
+            <a:extLst>
+              <a:ext uri="{FF2B5EF4-FFF2-40B4-BE49-F238E27FC236}">
+                <a16:creationId xmlns:a16="http://schemas.microsoft.com/office/drawing/2014/main" id="{F245A432-7E52-48B5-A8BB-13EED592E35A}"/>
+              </a:ext>
+            </a:extLst>
+          </p:cNvPr>
+          <p:cNvSpPr/>
+          <p:nvPr/>
+        </p:nvSpPr>
+        <p:spPr>
+          <a:xfrm>
+            <a:off x="7813964" y="0"/>
+            <a:ext cx="4378036" cy="6858000"/>
+          </a:xfrm>
+          <a:prstGeom prst="rect">
+            <a:avLst/>
+          </a:prstGeom>
+          <a:ln>
+            <a:noFill/>
+          </a:ln>
+          <a:effectLst>
+            <a:outerShdw blurRad="254000" dist="152400" dir="10680000" sx="95000" sy="95000" algn="t" rotWithShape="0">
+              <a:srgbClr val="000000">
+                <a:alpha val="15000"/>
+              </a:srgbClr>
+            </a:outerShdw>
+          </a:effectLst>
+        </p:spPr>
+        <p:style>
+          <a:lnRef idx="2">
+            <a:schemeClr val="accent1">
+              <a:shade val="50000"/>
+            </a:schemeClr>
+          </a:lnRef>
+          <a:fillRef idx="1">
+            <a:schemeClr val="accent1"/>
+          </a:fillRef>
+          <a:effectRef idx="0">
+            <a:schemeClr val="accent1"/>
+          </a:effectRef>
+          <a:fontRef idx="minor">
+            <a:schemeClr val="lt1"/>
+          </a:fontRef>
+        </p:style>
+        <p:txBody>
+          <a:bodyPr rtlCol="0" anchor="ctr"/>
+          <a:lstStyle/>
+          <a:p>
+            <a:pPr algn="ctr"/>
+            <a:endParaRPr lang="en-US"/>
+          </a:p>
+        </p:txBody>
+      </p:sp>
+      <p:cxnSp>
+        <p:nvCxnSpPr>
+          <p:cNvPr id="14" name="Straight Connector 13">
+            <a:extLst>
+              <a:ext uri="{FF2B5EF4-FFF2-40B4-BE49-F238E27FC236}">
+                <a16:creationId xmlns:a16="http://schemas.microsoft.com/office/drawing/2014/main" id="{656288B6-16BD-4DEE-9187-C78963ED1D8A}"/>
+              </a:ext>
+            </a:extLst>
+          </p:cNvPr>
+          <p:cNvCxnSpPr>
+            <a:cxnSpLocks/>
+          </p:cNvCxnSpPr>
+          <p:nvPr/>
+        </p:nvCxnSpPr>
+        <p:spPr>
+          <a:xfrm rot="16200000" flipH="1">
+            <a:off x="10361537" y="120772"/>
+            <a:ext cx="0" cy="599069"/>
+          </a:xfrm>
+          <a:prstGeom prst="line">
+            <a:avLst/>
+          </a:prstGeom>
+          <a:ln w="38100">
+            <a:solidFill>
+              <a:schemeClr val="tx1"/>
+            </a:solidFill>
+          </a:ln>
+        </p:spPr>
+        <p:style>
+          <a:lnRef idx="1">
+            <a:schemeClr val="accent1"/>
+          </a:lnRef>
+          <a:fillRef idx="0">
+            <a:schemeClr val="accent1"/>
+          </a:fillRef>
+          <a:effectRef idx="0">
+            <a:schemeClr val="accent1"/>
+          </a:effectRef>
+          <a:fontRef idx="minor">
+            <a:schemeClr val="tx1"/>
+          </a:fontRef>
+        </p:style>
+      </p:cxnSp>
       <p:sp>
         <p:nvSpPr>
           <p:cNvPr id="2" name="Vertical Title 1">
             <a:extLst>
               <a:ext uri="{FF2B5EF4-FFF2-40B4-BE49-F238E27FC236}">
-                <a16:creationId xmlns:a16="http://schemas.microsoft.com/office/drawing/2014/main" id="{6E4F413E-491F-4BD6-A0F7-40F13C8310B6}"/>
+                <a16:creationId xmlns:a16="http://schemas.microsoft.com/office/drawing/2014/main" id="{F9259F7B-ED77-4251-A424-93712C6F57A0}"/>
               </a:ext>
             </a:extLst>
           </p:cNvPr>
@@ -564,48 +911,48 @@
         </p:nvSpPr>
         <p:spPr>
           <a:xfrm>
-            <a:off x="8724900" y="365125"/>
-            <a:ext cx="2628900" cy="5811838"/>
+            <a:off x="8139544" y="872836"/>
+            <a:ext cx="2521527" cy="5119256"/>
+          </a:xfrm>
+        </p:spPr>
+        <p:txBody>
+          <a:bodyPr vert="eaVert" anchor="t"/>
+          <a:lstStyle/>
+          <a:p>
+            <a:r>
+              <a:rPr lang="en-US"/>
+              <a:t>Click to edit Master title style</a:t>
+            </a:r>
+            <a:endParaRPr lang="en-US" dirty="0"/>
+          </a:p>
+        </p:txBody>
+      </p:sp>
+      <p:sp>
+        <p:nvSpPr>
+          <p:cNvPr id="3" name="Vertical Text Placeholder 2">
+            <a:extLst>
+              <a:ext uri="{FF2B5EF4-FFF2-40B4-BE49-F238E27FC236}">
+                <a16:creationId xmlns:a16="http://schemas.microsoft.com/office/drawing/2014/main" id="{70295692-9BD0-4EB9-B344-9A6945DB0B81}"/>
+              </a:ext>
+            </a:extLst>
+          </p:cNvPr>
+          <p:cNvSpPr>
+            <a:spLocks noGrp="1"/>
+          </p:cNvSpPr>
+          <p:nvPr>
+            <p:ph type="body" orient="vert" idx="1"/>
+          </p:nvPr>
+        </p:nvSpPr>
+        <p:spPr>
+          <a:xfrm>
+            <a:off x="756746" y="872836"/>
+            <a:ext cx="6634169" cy="5119256"/>
           </a:xfrm>
         </p:spPr>
         <p:txBody>
           <a:bodyPr vert="eaVert"/>
           <a:lstStyle/>
           <a:p>
-            <a:r>
-              <a:rPr lang="en-US"/>
-              <a:t>Click to edit Master title style</a:t>
-            </a:r>
-            <a:endParaRPr lang="en-CA"/>
-          </a:p>
-        </p:txBody>
-      </p:sp>
-      <p:sp>
-        <p:nvSpPr>
-          <p:cNvPr id="3" name="Vertical Text Placeholder 2">
-            <a:extLst>
-              <a:ext uri="{FF2B5EF4-FFF2-40B4-BE49-F238E27FC236}">
-                <a16:creationId xmlns:a16="http://schemas.microsoft.com/office/drawing/2014/main" id="{940735FF-AFF7-4677-B31B-7EDB4E428FC3}"/>
-              </a:ext>
-            </a:extLst>
-          </p:cNvPr>
-          <p:cNvSpPr>
-            <a:spLocks noGrp="1"/>
-          </p:cNvSpPr>
-          <p:nvPr>
-            <p:ph type="body" orient="vert" idx="1"/>
-          </p:nvPr>
-        </p:nvSpPr>
-        <p:spPr>
-          <a:xfrm>
-            <a:off x="838200" y="365125"/>
-            <a:ext cx="7734300" cy="5811838"/>
-          </a:xfrm>
-        </p:spPr>
-        <p:txBody>
-          <a:bodyPr vert="eaVert"/>
-          <a:lstStyle/>
-          <a:p>
             <a:pPr lvl="0"/>
             <a:r>
               <a:rPr lang="en-US"/>
@@ -639,7 +986,7 @@
               <a:rPr lang="en-US"/>
               <a:t>Fifth level</a:t>
             </a:r>
-            <a:endParaRPr lang="en-CA"/>
+            <a:endParaRPr lang="en-US" dirty="0"/>
           </a:p>
         </p:txBody>
       </p:sp>
@@ -648,7 +995,7 @@
           <p:cNvPr id="4" name="Date Placeholder 3">
             <a:extLst>
               <a:ext uri="{FF2B5EF4-FFF2-40B4-BE49-F238E27FC236}">
-                <a16:creationId xmlns:a16="http://schemas.microsoft.com/office/drawing/2014/main" id="{325BA903-AC98-46BC-85A4-0F0CAF7E3AE6}"/>
+                <a16:creationId xmlns:a16="http://schemas.microsoft.com/office/drawing/2014/main" id="{9B128527-7CED-4CF3-A260-649685D2E6D3}"/>
               </a:ext>
             </a:extLst>
           </p:cNvPr>
@@ -659,16 +1006,21 @@
             <p:ph type="dt" sz="half" idx="10"/>
           </p:nvPr>
         </p:nvSpPr>
-        <p:spPr/>
+        <p:spPr>
+          <a:xfrm>
+            <a:off x="329184" y="6236208"/>
+            <a:ext cx="3037459" cy="365125"/>
+          </a:xfrm>
+        </p:spPr>
         <p:txBody>
           <a:bodyPr/>
           <a:lstStyle/>
           <a:p>
-            <a:fld id="{A74F8680-04F4-4DDD-847A-CF9BD3F2E951}" type="datetimeFigureOut">
-              <a:rPr lang="en-CA" smtClean="0"/>
-              <a:t>2022-01-26</a:t>
+            <a:fld id="{26ADDCAE-6443-42C3-9C19-F95985500186}" type="datetime1">
+              <a:rPr lang="en-US" smtClean="0"/>
+              <a:t>5/16/2022</a:t>
             </a:fld>
-            <a:endParaRPr lang="en-CA"/>
+            <a:endParaRPr lang="en-US" dirty="0"/>
           </a:p>
         </p:txBody>
       </p:sp>
@@ -677,7 +1029,7 @@
           <p:cNvPr id="5" name="Footer Placeholder 4">
             <a:extLst>
               <a:ext uri="{FF2B5EF4-FFF2-40B4-BE49-F238E27FC236}">
-                <a16:creationId xmlns:a16="http://schemas.microsoft.com/office/drawing/2014/main" id="{4FF32940-E645-4469-82A4-FA650C378B04}"/>
+                <a16:creationId xmlns:a16="http://schemas.microsoft.com/office/drawing/2014/main" id="{20517F65-E517-4B50-B559-FD7D59F3E8B5}"/>
               </a:ext>
             </a:extLst>
           </p:cNvPr>
@@ -688,12 +1040,17 @@
             <p:ph type="ftr" sz="quarter" idx="11"/>
           </p:nvPr>
         </p:nvSpPr>
-        <p:spPr/>
+        <p:spPr>
+          <a:xfrm>
+            <a:off x="329184" y="237744"/>
+            <a:ext cx="3581400" cy="365125"/>
+          </a:xfrm>
+        </p:spPr>
         <p:txBody>
           <a:bodyPr/>
           <a:lstStyle/>
           <a:p>
-            <a:endParaRPr lang="en-CA"/>
+            <a:endParaRPr lang="en-US" dirty="0"/>
           </a:p>
         </p:txBody>
       </p:sp>
@@ -702,7 +1059,7 @@
           <p:cNvPr id="6" name="Slide Number Placeholder 5">
             <a:extLst>
               <a:ext uri="{FF2B5EF4-FFF2-40B4-BE49-F238E27FC236}">
-                <a16:creationId xmlns:a16="http://schemas.microsoft.com/office/drawing/2014/main" id="{F8BC9898-7BCC-4054-A56D-68524A1CF940}"/>
+                <a16:creationId xmlns:a16="http://schemas.microsoft.com/office/drawing/2014/main" id="{CAED40B7-46EE-49D9-BE89-7E101F80A497}"/>
               </a:ext>
             </a:extLst>
           </p:cNvPr>
@@ -713,23 +1070,71 @@
             <p:ph type="sldNum" sz="quarter" idx="12"/>
           </p:nvPr>
         </p:nvSpPr>
-        <p:spPr/>
+        <p:spPr>
+          <a:xfrm>
+            <a:off x="11292840" y="237744"/>
+            <a:ext cx="756746" cy="365760"/>
+          </a:xfrm>
+        </p:spPr>
         <p:txBody>
           <a:bodyPr/>
           <a:lstStyle/>
           <a:p>
-            <a:fld id="{D911CD25-C0B3-4B04-AB7D-DCF18088FF08}" type="slidenum">
-              <a:rPr lang="en-CA" smtClean="0"/>
+            <a:fld id="{B4A918BC-4D43-4B42-B3C0-E7EBE25E6AF0}" type="slidenum">
+              <a:rPr lang="en-US" smtClean="0"/>
               <a:t>‹#›</a:t>
             </a:fld>
-            <a:endParaRPr lang="en-CA"/>
-          </a:p>
-        </p:txBody>
-      </p:sp>
+            <a:endParaRPr lang="en-US" dirty="0"/>
+          </a:p>
+        </p:txBody>
+      </p:sp>
+      <p:cxnSp>
+        <p:nvCxnSpPr>
+          <p:cNvPr id="16" name="Straight Connector 15">
+            <a:extLst>
+              <a:ext uri="{FF2B5EF4-FFF2-40B4-BE49-F238E27FC236}">
+                <a16:creationId xmlns:a16="http://schemas.microsoft.com/office/drawing/2014/main" id="{E05031BF-2EA5-4128-B6AF-2D0F5A101095}"/>
+              </a:ext>
+            </a:extLst>
+          </p:cNvPr>
+          <p:cNvCxnSpPr>
+            <a:cxnSpLocks/>
+          </p:cNvCxnSpPr>
+          <p:nvPr/>
+        </p:nvCxnSpPr>
+        <p:spPr>
+          <a:xfrm rot="16200000" flipH="1">
+            <a:off x="10361537" y="120772"/>
+            <a:ext cx="0" cy="599069"/>
+          </a:xfrm>
+          <a:prstGeom prst="line">
+            <a:avLst/>
+          </a:prstGeom>
+          <a:ln w="38100">
+            <a:solidFill>
+              <a:schemeClr val="tx1"/>
+            </a:solidFill>
+          </a:ln>
+        </p:spPr>
+        <p:style>
+          <a:lnRef idx="1">
+            <a:schemeClr val="accent1"/>
+          </a:lnRef>
+          <a:fillRef idx="0">
+            <a:schemeClr val="accent1"/>
+          </a:fillRef>
+          <a:effectRef idx="0">
+            <a:schemeClr val="accent1"/>
+          </a:effectRef>
+          <a:fontRef idx="minor">
+            <a:schemeClr val="tx1"/>
+          </a:fontRef>
+        </p:style>
+      </p:cxnSp>
     </p:spTree>
     <p:extLst>
       <p:ext uri="{BB962C8B-B14F-4D97-AF65-F5344CB8AC3E}">
-        <p14:creationId xmlns:p14="http://schemas.microsoft.com/office/powerpoint/2010/main" val="2930059538"/>
+        <p14:creationId xmlns:p14="http://schemas.microsoft.com/office/powerpoint/2010/main" val="958042062"/>
       </p:ext>
     </p:extLst>
   </p:cSld>
@@ -761,7 +1166,7 @@
           <p:cNvPr id="2" name="Title 1">
             <a:extLst>
               <a:ext uri="{FF2B5EF4-FFF2-40B4-BE49-F238E27FC236}">
-                <a16:creationId xmlns:a16="http://schemas.microsoft.com/office/drawing/2014/main" id="{A83DE7AC-15EA-4396-9E99-10F7AC249F04}"/>
+                <a16:creationId xmlns:a16="http://schemas.microsoft.com/office/drawing/2014/main" id="{8DC62CCA-8D32-44C3-809A-54D0245B8ABF}"/>
               </a:ext>
             </a:extLst>
           </p:cNvPr>
@@ -772,33 +1177,129 @@
             <p:ph type="title"/>
           </p:nvPr>
         </p:nvSpPr>
+        <p:spPr>
+          <a:xfrm>
+            <a:off x="761801" y="858982"/>
+            <a:ext cx="10380573" cy="1432273"/>
+          </a:xfrm>
+        </p:spPr>
+        <p:txBody>
+          <a:bodyPr/>
+          <a:lstStyle/>
+          <a:p>
+            <a:r>
+              <a:rPr lang="en-US"/>
+              <a:t>Click to edit Master title style</a:t>
+            </a:r>
+            <a:endParaRPr lang="en-US" dirty="0"/>
+          </a:p>
+        </p:txBody>
+      </p:sp>
+      <p:sp>
+        <p:nvSpPr>
+          <p:cNvPr id="3" name="Content Placeholder 2">
+            <a:extLst>
+              <a:ext uri="{FF2B5EF4-FFF2-40B4-BE49-F238E27FC236}">
+                <a16:creationId xmlns:a16="http://schemas.microsoft.com/office/drawing/2014/main" id="{10689041-349C-49F8-B155-6F5862873736}"/>
+              </a:ext>
+            </a:extLst>
+          </p:cNvPr>
+          <p:cNvSpPr>
+            <a:spLocks noGrp="1"/>
+          </p:cNvSpPr>
+          <p:nvPr>
+            <p:ph idx="1"/>
+          </p:nvPr>
+        </p:nvSpPr>
+        <p:spPr>
+          <a:xfrm>
+            <a:off x="761799" y="2750126"/>
+            <a:ext cx="10381205" cy="3261789"/>
+          </a:xfrm>
+        </p:spPr>
+        <p:txBody>
+          <a:bodyPr/>
+          <a:lstStyle/>
+          <a:p>
+            <a:pPr lvl="0"/>
+            <a:r>
+              <a:rPr lang="en-US"/>
+              <a:t>Click to edit Master text styles</a:t>
+            </a:r>
+          </a:p>
+          <a:p>
+            <a:pPr lvl="1"/>
+            <a:r>
+              <a:rPr lang="en-US"/>
+              <a:t>Second level</a:t>
+            </a:r>
+          </a:p>
+          <a:p>
+            <a:pPr lvl="2"/>
+            <a:r>
+              <a:rPr lang="en-US"/>
+              <a:t>Third level</a:t>
+            </a:r>
+          </a:p>
+          <a:p>
+            <a:pPr lvl="3"/>
+            <a:r>
+              <a:rPr lang="en-US"/>
+              <a:t>Fourth level</a:t>
+            </a:r>
+          </a:p>
+          <a:p>
+            <a:pPr lvl="4"/>
+            <a:r>
+              <a:rPr lang="en-US"/>
+              <a:t>Fifth level</a:t>
+            </a:r>
+          </a:p>
+        </p:txBody>
+      </p:sp>
+      <p:sp>
+        <p:nvSpPr>
+          <p:cNvPr id="4" name="Date Placeholder 3">
+            <a:extLst>
+              <a:ext uri="{FF2B5EF4-FFF2-40B4-BE49-F238E27FC236}">
+                <a16:creationId xmlns:a16="http://schemas.microsoft.com/office/drawing/2014/main" id="{B235E088-72B1-425B-B53B-81B134826169}"/>
+              </a:ext>
+            </a:extLst>
+          </p:cNvPr>
+          <p:cNvSpPr>
+            <a:spLocks noGrp="1"/>
+          </p:cNvSpPr>
+          <p:nvPr>
+            <p:ph type="dt" sz="half" idx="10"/>
+          </p:nvPr>
+        </p:nvSpPr>
         <p:spPr/>
         <p:txBody>
           <a:bodyPr/>
           <a:lstStyle/>
           <a:p>
-            <a:r>
-              <a:rPr lang="en-US"/>
-              <a:t>Click to edit Master title style</a:t>
-            </a:r>
-            <a:endParaRPr lang="en-CA"/>
-          </a:p>
-        </p:txBody>
-      </p:sp>
-      <p:sp>
-        <p:nvSpPr>
-          <p:cNvPr id="3" name="Content Placeholder 2">
-            <a:extLst>
-              <a:ext uri="{FF2B5EF4-FFF2-40B4-BE49-F238E27FC236}">
-                <a16:creationId xmlns:a16="http://schemas.microsoft.com/office/drawing/2014/main" id="{ABA4C6F4-1F2C-4EC9-9190-09098B5C4951}"/>
-              </a:ext>
-            </a:extLst>
-          </p:cNvPr>
-          <p:cNvSpPr>
-            <a:spLocks noGrp="1"/>
-          </p:cNvSpPr>
-          <p:nvPr>
-            <p:ph idx="1"/>
+            <a:fld id="{1962799E-EB8E-4038-8063-81BB57C732D4}" type="datetime1">
+              <a:rPr lang="en-US" smtClean="0"/>
+              <a:t>5/16/2022</a:t>
+            </a:fld>
+            <a:endParaRPr lang="en-US"/>
+          </a:p>
+        </p:txBody>
+      </p:sp>
+      <p:sp>
+        <p:nvSpPr>
+          <p:cNvPr id="5" name="Footer Placeholder 4">
+            <a:extLst>
+              <a:ext uri="{FF2B5EF4-FFF2-40B4-BE49-F238E27FC236}">
+                <a16:creationId xmlns:a16="http://schemas.microsoft.com/office/drawing/2014/main" id="{89180451-8BF9-48B2-8E6A-9E15C8335726}"/>
+              </a:ext>
+            </a:extLst>
+          </p:cNvPr>
+          <p:cNvSpPr>
+            <a:spLocks noGrp="1"/>
+          </p:cNvSpPr>
+          <p:nvPr>
+            <p:ph type="ftr" sz="quarter" idx="11"/>
           </p:nvPr>
         </p:nvSpPr>
         <p:spPr/>
@@ -806,57 +1307,24 @@
           <a:bodyPr/>
           <a:lstStyle/>
           <a:p>
-            <a:pPr lvl="0"/>
-            <a:r>
-              <a:rPr lang="en-US"/>
-              <a:t>Click to edit Master text styles</a:t>
-            </a:r>
-          </a:p>
-          <a:p>
-            <a:pPr lvl="1"/>
-            <a:r>
-              <a:rPr lang="en-US"/>
-              <a:t>Second level</a:t>
-            </a:r>
-          </a:p>
-          <a:p>
-            <a:pPr lvl="2"/>
-            <a:r>
-              <a:rPr lang="en-US"/>
-              <a:t>Third level</a:t>
-            </a:r>
-          </a:p>
-          <a:p>
-            <a:pPr lvl="3"/>
-            <a:r>
-              <a:rPr lang="en-US"/>
-              <a:t>Fourth level</a:t>
-            </a:r>
-          </a:p>
-          <a:p>
-            <a:pPr lvl="4"/>
-            <a:r>
-              <a:rPr lang="en-US"/>
-              <a:t>Fifth level</a:t>
-            </a:r>
-            <a:endParaRPr lang="en-CA"/>
-          </a:p>
-        </p:txBody>
-      </p:sp>
-      <p:sp>
-        <p:nvSpPr>
-          <p:cNvPr id="4" name="Date Placeholder 3">
-            <a:extLst>
-              <a:ext uri="{FF2B5EF4-FFF2-40B4-BE49-F238E27FC236}">
-                <a16:creationId xmlns:a16="http://schemas.microsoft.com/office/drawing/2014/main" id="{DBABA967-E8C3-44E1-89C5-9A8DE061469E}"/>
-              </a:ext>
-            </a:extLst>
-          </p:cNvPr>
-          <p:cNvSpPr>
-            <a:spLocks noGrp="1"/>
-          </p:cNvSpPr>
-          <p:nvPr>
-            <p:ph type="dt" sz="half" idx="10"/>
+            <a:endParaRPr lang="en-US"/>
+          </a:p>
+        </p:txBody>
+      </p:sp>
+      <p:sp>
+        <p:nvSpPr>
+          <p:cNvPr id="6" name="Slide Number Placeholder 5">
+            <a:extLst>
+              <a:ext uri="{FF2B5EF4-FFF2-40B4-BE49-F238E27FC236}">
+                <a16:creationId xmlns:a16="http://schemas.microsoft.com/office/drawing/2014/main" id="{1A68196E-3A76-4417-BFD8-4400D16E07EA}"/>
+              </a:ext>
+            </a:extLst>
+          </p:cNvPr>
+          <p:cNvSpPr>
+            <a:spLocks noGrp="1"/>
+          </p:cNvSpPr>
+          <p:nvPr>
+            <p:ph type="sldNum" sz="quarter" idx="12"/>
           </p:nvPr>
         </p:nvSpPr>
         <p:spPr/>
@@ -864,72 +1332,18 @@
           <a:bodyPr/>
           <a:lstStyle/>
           <a:p>
-            <a:fld id="{A74F8680-04F4-4DDD-847A-CF9BD3F2E951}" type="datetimeFigureOut">
-              <a:rPr lang="en-CA" smtClean="0"/>
-              <a:t>2022-01-26</a:t>
-            </a:fld>
-            <a:endParaRPr lang="en-CA"/>
-          </a:p>
-        </p:txBody>
-      </p:sp>
-      <p:sp>
-        <p:nvSpPr>
-          <p:cNvPr id="5" name="Footer Placeholder 4">
-            <a:extLst>
-              <a:ext uri="{FF2B5EF4-FFF2-40B4-BE49-F238E27FC236}">
-                <a16:creationId xmlns:a16="http://schemas.microsoft.com/office/drawing/2014/main" id="{1C3898A2-C44A-4E9D-82AD-D1864A37E85B}"/>
-              </a:ext>
-            </a:extLst>
-          </p:cNvPr>
-          <p:cNvSpPr>
-            <a:spLocks noGrp="1"/>
-          </p:cNvSpPr>
-          <p:nvPr>
-            <p:ph type="ftr" sz="quarter" idx="11"/>
-          </p:nvPr>
-        </p:nvSpPr>
-        <p:spPr/>
-        <p:txBody>
-          <a:bodyPr/>
-          <a:lstStyle/>
-          <a:p>
-            <a:endParaRPr lang="en-CA"/>
-          </a:p>
-        </p:txBody>
-      </p:sp>
-      <p:sp>
-        <p:nvSpPr>
-          <p:cNvPr id="6" name="Slide Number Placeholder 5">
-            <a:extLst>
-              <a:ext uri="{FF2B5EF4-FFF2-40B4-BE49-F238E27FC236}">
-                <a16:creationId xmlns:a16="http://schemas.microsoft.com/office/drawing/2014/main" id="{38ABF043-C23F-41F6-B6FF-D49E82EF5501}"/>
-              </a:ext>
-            </a:extLst>
-          </p:cNvPr>
-          <p:cNvSpPr>
-            <a:spLocks noGrp="1"/>
-          </p:cNvSpPr>
-          <p:nvPr>
-            <p:ph type="sldNum" sz="quarter" idx="12"/>
-          </p:nvPr>
-        </p:nvSpPr>
-        <p:spPr/>
-        <p:txBody>
-          <a:bodyPr/>
-          <a:lstStyle/>
-          <a:p>
-            <a:fld id="{D911CD25-C0B3-4B04-AB7D-DCF18088FF08}" type="slidenum">
-              <a:rPr lang="en-CA" smtClean="0"/>
+            <a:fld id="{B4A918BC-4D43-4B42-B3C0-E7EBE25E6AF0}" type="slidenum">
+              <a:rPr lang="en-US" smtClean="0"/>
               <a:t>‹#›</a:t>
             </a:fld>
-            <a:endParaRPr lang="en-CA"/>
+            <a:endParaRPr lang="en-US"/>
           </a:p>
         </p:txBody>
       </p:sp>
     </p:spTree>
     <p:extLst>
       <p:ext uri="{BB962C8B-B14F-4D97-AF65-F5344CB8AC3E}">
-        <p14:creationId xmlns:p14="http://schemas.microsoft.com/office/powerpoint/2010/main" val="1248440524"/>
+        <p14:creationId xmlns:p14="http://schemas.microsoft.com/office/powerpoint/2010/main" val="109379995"/>
       </p:ext>
     </p:extLst>
   </p:cSld>
@@ -940,7 +1354,7 @@
 </file>
 
 <file path=ppt/slideLayouts/slideLayout3.xml><?xml version="1.0" encoding="utf-8"?>
-<p:sldLayout xmlns:a="http://schemas.openxmlformats.org/drawingml/2006/main" xmlns:r="http://schemas.openxmlformats.org/officeDocument/2006/relationships" xmlns:p="http://schemas.openxmlformats.org/presentationml/2006/main" type="secHead" preserve="1">
+<p:sldLayout xmlns:a="http://schemas.openxmlformats.org/drawingml/2006/main" xmlns:r="http://schemas.openxmlformats.org/officeDocument/2006/relationships" xmlns:p="http://schemas.openxmlformats.org/presentationml/2006/main" showMasterSp="0" type="secHead" preserve="1">
   <p:cSld name="Section Header">
     <p:spTree>
       <p:nvGrpSpPr>
@@ -956,12 +1370,161 @@
           <a:chExt cx="0" cy="0"/>
         </a:xfrm>
       </p:grpSpPr>
+      <p:sp useBgFill="1">
+        <p:nvSpPr>
+          <p:cNvPr id="10" name="Rectangle 9">
+            <a:extLst>
+              <a:ext uri="{FF2B5EF4-FFF2-40B4-BE49-F238E27FC236}">
+                <a16:creationId xmlns:a16="http://schemas.microsoft.com/office/drawing/2014/main" id="{7CFB183B-99B9-4420-AB2D-070568510522}"/>
+              </a:ext>
+            </a:extLst>
+          </p:cNvPr>
+          <p:cNvSpPr/>
+          <p:nvPr/>
+        </p:nvSpPr>
+        <p:spPr>
+          <a:xfrm>
+            <a:off x="0" y="0"/>
+            <a:ext cx="12192000" cy="6858000"/>
+          </a:xfrm>
+          <a:prstGeom prst="rect">
+            <a:avLst/>
+          </a:prstGeom>
+          <a:ln>
+            <a:noFill/>
+          </a:ln>
+          <a:effectLst/>
+        </p:spPr>
+        <p:style>
+          <a:lnRef idx="2">
+            <a:schemeClr val="accent1">
+              <a:shade val="50000"/>
+            </a:schemeClr>
+          </a:lnRef>
+          <a:fillRef idx="1">
+            <a:schemeClr val="accent1"/>
+          </a:fillRef>
+          <a:effectRef idx="0">
+            <a:schemeClr val="accent1"/>
+          </a:effectRef>
+          <a:fontRef idx="minor">
+            <a:schemeClr val="lt1"/>
+          </a:fontRef>
+        </p:style>
+        <p:txBody>
+          <a:bodyPr rtlCol="0" anchor="ctr"/>
+          <a:lstStyle/>
+          <a:p>
+            <a:pPr algn="ctr"/>
+            <a:endParaRPr lang="en-US"/>
+          </a:p>
+        </p:txBody>
+      </p:sp>
+      <p:sp useBgFill="1">
+        <p:nvSpPr>
+          <p:cNvPr id="12" name="Rectangle 11">
+            <a:extLst>
+              <a:ext uri="{FF2B5EF4-FFF2-40B4-BE49-F238E27FC236}">
+                <a16:creationId xmlns:a16="http://schemas.microsoft.com/office/drawing/2014/main" id="{76DF62B9-1876-4EEB-929D-B46F98265E34}"/>
+              </a:ext>
+            </a:extLst>
+          </p:cNvPr>
+          <p:cNvSpPr/>
+          <p:nvPr/>
+        </p:nvSpPr>
+        <p:spPr>
+          <a:xfrm>
+            <a:off x="0" y="-2"/>
+            <a:ext cx="12192000" cy="3862064"/>
+          </a:xfrm>
+          <a:prstGeom prst="rect">
+            <a:avLst/>
+          </a:prstGeom>
+          <a:ln>
+            <a:noFill/>
+          </a:ln>
+          <a:effectLst>
+            <a:outerShdw blurRad="203200" dist="127000" dir="5460000" sx="96000" sy="96000" algn="t" rotWithShape="0">
+              <a:srgbClr val="000000">
+                <a:alpha val="30000"/>
+              </a:srgbClr>
+            </a:outerShdw>
+          </a:effectLst>
+        </p:spPr>
+        <p:style>
+          <a:lnRef idx="2">
+            <a:schemeClr val="accent1">
+              <a:shade val="50000"/>
+            </a:schemeClr>
+          </a:lnRef>
+          <a:fillRef idx="1">
+            <a:schemeClr val="accent1"/>
+          </a:fillRef>
+          <a:effectRef idx="0">
+            <a:schemeClr val="accent1"/>
+          </a:effectRef>
+          <a:fontRef idx="minor">
+            <a:schemeClr val="lt1"/>
+          </a:fontRef>
+        </p:style>
+        <p:txBody>
+          <a:bodyPr rtlCol="0" anchor="ctr"/>
+          <a:lstStyle/>
+          <a:p>
+            <a:pPr algn="ctr"/>
+            <a:endParaRPr lang="en-US" dirty="0"/>
+          </a:p>
+        </p:txBody>
+      </p:sp>
+      <p:cxnSp>
+        <p:nvCxnSpPr>
+          <p:cNvPr id="14" name="Straight Connector 13">
+            <a:extLst>
+              <a:ext uri="{FF2B5EF4-FFF2-40B4-BE49-F238E27FC236}">
+                <a16:creationId xmlns:a16="http://schemas.microsoft.com/office/drawing/2014/main" id="{B5F0E4DD-839A-4BD2-B5FA-FF319E87D037}"/>
+              </a:ext>
+            </a:extLst>
+          </p:cNvPr>
+          <p:cNvCxnSpPr>
+            <a:cxnSpLocks/>
+          </p:cNvCxnSpPr>
+          <p:nvPr/>
+        </p:nvCxnSpPr>
+        <p:spPr>
+          <a:xfrm>
+            <a:off x="11668155" y="852056"/>
+            <a:ext cx="0" cy="599069"/>
+          </a:xfrm>
+          <a:prstGeom prst="line">
+            <a:avLst/>
+          </a:prstGeom>
+          <a:ln w="38100">
+            <a:solidFill>
+              <a:schemeClr val="tx1"/>
+            </a:solidFill>
+          </a:ln>
+        </p:spPr>
+        <p:style>
+          <a:lnRef idx="1">
+            <a:schemeClr val="accent1"/>
+          </a:lnRef>
+          <a:fillRef idx="0">
+            <a:schemeClr val="accent1"/>
+          </a:fillRef>
+          <a:effectRef idx="0">
+            <a:schemeClr val="accent1"/>
+          </a:effectRef>
+          <a:fontRef idx="minor">
+            <a:schemeClr val="tx1"/>
+          </a:fontRef>
+        </p:style>
+      </p:cxnSp>
       <p:sp>
         <p:nvSpPr>
           <p:cNvPr id="2" name="Title 1">
             <a:extLst>
               <a:ext uri="{FF2B5EF4-FFF2-40B4-BE49-F238E27FC236}">
-                <a16:creationId xmlns:a16="http://schemas.microsoft.com/office/drawing/2014/main" id="{E4A9A466-7EDF-4191-AED4-7AF9D7F3BA47}"/>
+                <a16:creationId xmlns:a16="http://schemas.microsoft.com/office/drawing/2014/main" id="{7692C2FB-E558-4132-AAF5-EFCED0144BA2}"/>
               </a:ext>
             </a:extLst>
           </p:cNvPr>
@@ -974,15 +1537,17 @@
         </p:nvSpPr>
         <p:spPr>
           <a:xfrm>
-            <a:off x="831850" y="1709738"/>
-            <a:ext cx="10515600" cy="2852737"/>
-          </a:xfrm>
-        </p:spPr>
-        <p:txBody>
-          <a:bodyPr anchor="b"/>
+            <a:off x="761801" y="852056"/>
+            <a:ext cx="10380572" cy="2576944"/>
+          </a:xfrm>
+        </p:spPr>
+        <p:txBody>
+          <a:bodyPr anchor="b">
+            <a:normAutofit/>
+          </a:bodyPr>
           <a:lstStyle>
             <a:lvl1pPr>
-              <a:defRPr sz="6000"/>
+              <a:defRPr sz="5400"/>
             </a:lvl1pPr>
           </a:lstStyle>
           <a:p>
@@ -990,7 +1555,7 @@
               <a:rPr lang="en-US"/>
               <a:t>Click to edit Master title style</a:t>
             </a:r>
-            <a:endParaRPr lang="en-CA"/>
+            <a:endParaRPr lang="en-US" dirty="0"/>
           </a:p>
         </p:txBody>
       </p:sp>
@@ -999,7 +1564,7 @@
           <p:cNvPr id="3" name="Text Placeholder 2">
             <a:extLst>
               <a:ext uri="{FF2B5EF4-FFF2-40B4-BE49-F238E27FC236}">
-                <a16:creationId xmlns:a16="http://schemas.microsoft.com/office/drawing/2014/main" id="{79EB10F2-5EC7-4C36-9FF3-80FAAF8AD601}"/>
+                <a16:creationId xmlns:a16="http://schemas.microsoft.com/office/drawing/2014/main" id="{9AA20424-DA4E-467F-AC0A-D44192A54F64}"/>
               </a:ext>
             </a:extLst>
           </p:cNvPr>
@@ -1012,8 +1577,8 @@
         </p:nvSpPr>
         <p:spPr>
           <a:xfrm>
-            <a:off x="831850" y="4589463"/>
-            <a:ext cx="10515600" cy="1500187"/>
+            <a:off x="761797" y="4202832"/>
+            <a:ext cx="10395116" cy="1789260"/>
           </a:xfrm>
         </p:spPr>
         <p:txBody>
@@ -1023,9 +1588,7 @@
               <a:buNone/>
               <a:defRPr sz="2400">
                 <a:solidFill>
-                  <a:schemeClr val="tx1">
-                    <a:tint val="75000"/>
-                  </a:schemeClr>
+                  <a:schemeClr val="tx1"/>
                 </a:solidFill>
               </a:defRPr>
             </a:lvl1pPr>
@@ -1124,7 +1687,7 @@
           <p:cNvPr id="4" name="Date Placeholder 3">
             <a:extLst>
               <a:ext uri="{FF2B5EF4-FFF2-40B4-BE49-F238E27FC236}">
-                <a16:creationId xmlns:a16="http://schemas.microsoft.com/office/drawing/2014/main" id="{AAB64B04-7401-478F-AB56-F0E995711429}"/>
+                <a16:creationId xmlns:a16="http://schemas.microsoft.com/office/drawing/2014/main" id="{33B39F9C-ADA9-4225-9D74-193A8894ED7A}"/>
               </a:ext>
             </a:extLst>
           </p:cNvPr>
@@ -1135,16 +1698,21 @@
             <p:ph type="dt" sz="half" idx="10"/>
           </p:nvPr>
         </p:nvSpPr>
-        <p:spPr/>
+        <p:spPr>
+          <a:xfrm>
+            <a:off x="332481" y="6236208"/>
+            <a:ext cx="3037459" cy="365125"/>
+          </a:xfrm>
+        </p:spPr>
         <p:txBody>
           <a:bodyPr/>
           <a:lstStyle/>
           <a:p>
-            <a:fld id="{A74F8680-04F4-4DDD-847A-CF9BD3F2E951}" type="datetimeFigureOut">
-              <a:rPr lang="en-CA" smtClean="0"/>
-              <a:t>2022-01-26</a:t>
+            <a:fld id="{217A73C3-B243-44D3-809D-EF8FDFBD85D4}" type="datetime1">
+              <a:rPr lang="en-US" smtClean="0"/>
+              <a:t>5/16/2022</a:t>
             </a:fld>
-            <a:endParaRPr lang="en-CA"/>
+            <a:endParaRPr lang="en-US" dirty="0"/>
           </a:p>
         </p:txBody>
       </p:sp>
@@ -1153,7 +1721,7 @@
           <p:cNvPr id="5" name="Footer Placeholder 4">
             <a:extLst>
               <a:ext uri="{FF2B5EF4-FFF2-40B4-BE49-F238E27FC236}">
-                <a16:creationId xmlns:a16="http://schemas.microsoft.com/office/drawing/2014/main" id="{41E1DA9F-F57A-485C-B7F9-F5B7B6E7D2C0}"/>
+                <a16:creationId xmlns:a16="http://schemas.microsoft.com/office/drawing/2014/main" id="{84057DEC-B96B-4D69-8B62-5156FDA6D9BB}"/>
               </a:ext>
             </a:extLst>
           </p:cNvPr>
@@ -1164,12 +1732,17 @@
             <p:ph type="ftr" sz="quarter" idx="11"/>
           </p:nvPr>
         </p:nvSpPr>
-        <p:spPr/>
+        <p:spPr>
+          <a:xfrm>
+            <a:off x="332481" y="237744"/>
+            <a:ext cx="4114800" cy="365125"/>
+          </a:xfrm>
+        </p:spPr>
         <p:txBody>
           <a:bodyPr/>
           <a:lstStyle/>
           <a:p>
-            <a:endParaRPr lang="en-CA"/>
+            <a:endParaRPr lang="en-US" dirty="0"/>
           </a:p>
         </p:txBody>
       </p:sp>
@@ -1178,7 +1751,7 @@
           <p:cNvPr id="6" name="Slide Number Placeholder 5">
             <a:extLst>
               <a:ext uri="{FF2B5EF4-FFF2-40B4-BE49-F238E27FC236}">
-                <a16:creationId xmlns:a16="http://schemas.microsoft.com/office/drawing/2014/main" id="{2BCF045E-4600-4ED3-8BDE-71157DF81A33}"/>
+                <a16:creationId xmlns:a16="http://schemas.microsoft.com/office/drawing/2014/main" id="{A0BF4AC1-9934-43DC-B9AC-322612A74656}"/>
               </a:ext>
             </a:extLst>
           </p:cNvPr>
@@ -1189,23 +1762,71 @@
             <p:ph type="sldNum" sz="quarter" idx="12"/>
           </p:nvPr>
         </p:nvSpPr>
-        <p:spPr/>
+        <p:spPr>
+          <a:xfrm>
+            <a:off x="11289782" y="237744"/>
+            <a:ext cx="756746" cy="365760"/>
+          </a:xfrm>
+        </p:spPr>
         <p:txBody>
           <a:bodyPr/>
           <a:lstStyle/>
           <a:p>
-            <a:fld id="{D911CD25-C0B3-4B04-AB7D-DCF18088FF08}" type="slidenum">
-              <a:rPr lang="en-CA" smtClean="0"/>
+            <a:fld id="{B4A918BC-4D43-4B42-B3C0-E7EBE25E6AF0}" type="slidenum">
+              <a:rPr lang="en-US" smtClean="0"/>
               <a:t>‹#›</a:t>
             </a:fld>
-            <a:endParaRPr lang="en-CA"/>
-          </a:p>
-        </p:txBody>
-      </p:sp>
+            <a:endParaRPr lang="en-US"/>
+          </a:p>
+        </p:txBody>
+      </p:sp>
+      <p:cxnSp>
+        <p:nvCxnSpPr>
+          <p:cNvPr id="11" name="Straight Connector 10">
+            <a:extLst>
+              <a:ext uri="{FF2B5EF4-FFF2-40B4-BE49-F238E27FC236}">
+                <a16:creationId xmlns:a16="http://schemas.microsoft.com/office/drawing/2014/main" id="{4CBDA60A-39CD-41D4-8AE5-0FB7FD78559C}"/>
+              </a:ext>
+            </a:extLst>
+          </p:cNvPr>
+          <p:cNvCxnSpPr>
+            <a:cxnSpLocks/>
+          </p:cNvCxnSpPr>
+          <p:nvPr/>
+        </p:nvCxnSpPr>
+        <p:spPr>
+          <a:xfrm>
+            <a:off x="11668155" y="852056"/>
+            <a:ext cx="0" cy="599069"/>
+          </a:xfrm>
+          <a:prstGeom prst="line">
+            <a:avLst/>
+          </a:prstGeom>
+          <a:ln w="38100">
+            <a:solidFill>
+              <a:schemeClr val="tx1"/>
+            </a:solidFill>
+          </a:ln>
+        </p:spPr>
+        <p:style>
+          <a:lnRef idx="1">
+            <a:schemeClr val="accent1"/>
+          </a:lnRef>
+          <a:fillRef idx="0">
+            <a:schemeClr val="accent1"/>
+          </a:fillRef>
+          <a:effectRef idx="0">
+            <a:schemeClr val="accent1"/>
+          </a:effectRef>
+          <a:fontRef idx="minor">
+            <a:schemeClr val="tx1"/>
+          </a:fontRef>
+        </p:style>
+      </p:cxnSp>
     </p:spTree>
     <p:extLst>
       <p:ext uri="{BB962C8B-B14F-4D97-AF65-F5344CB8AC3E}">
-        <p14:creationId xmlns:p14="http://schemas.microsoft.com/office/powerpoint/2010/main" val="2568640859"/>
+        <p14:creationId xmlns:p14="http://schemas.microsoft.com/office/powerpoint/2010/main" val="1941992092"/>
       </p:ext>
     </p:extLst>
   </p:cSld>
@@ -1237,7 +1858,7 @@
           <p:cNvPr id="2" name="Title 1">
             <a:extLst>
               <a:ext uri="{FF2B5EF4-FFF2-40B4-BE49-F238E27FC236}">
-                <a16:creationId xmlns:a16="http://schemas.microsoft.com/office/drawing/2014/main" id="{AACEE260-C67B-43E1-9FC1-981F5C29925F}"/>
+                <a16:creationId xmlns:a16="http://schemas.microsoft.com/office/drawing/2014/main" id="{E41CAF84-4A19-4D9A-9B82-46BCBED4F7BD}"/>
               </a:ext>
             </a:extLst>
           </p:cNvPr>
@@ -1248,7 +1869,12 @@
             <p:ph type="title"/>
           </p:nvPr>
         </p:nvSpPr>
-        <p:spPr/>
+        <p:spPr>
+          <a:xfrm>
+            <a:off x="761801" y="858982"/>
+            <a:ext cx="10380573" cy="1432273"/>
+          </a:xfrm>
+        </p:spPr>
         <p:txBody>
           <a:bodyPr/>
           <a:lstStyle/>
@@ -1257,7 +1883,7 @@
               <a:rPr lang="en-US"/>
               <a:t>Click to edit Master title style</a:t>
             </a:r>
-            <a:endParaRPr lang="en-CA"/>
+            <a:endParaRPr lang="en-US" dirty="0"/>
           </a:p>
         </p:txBody>
       </p:sp>
@@ -1266,7 +1892,7 @@
           <p:cNvPr id="3" name="Content Placeholder 2">
             <a:extLst>
               <a:ext uri="{FF2B5EF4-FFF2-40B4-BE49-F238E27FC236}">
-                <a16:creationId xmlns:a16="http://schemas.microsoft.com/office/drawing/2014/main" id="{2D2901B7-A899-419B-85A8-639A4B09C4DF}"/>
+                <a16:creationId xmlns:a16="http://schemas.microsoft.com/office/drawing/2014/main" id="{A5A373DD-26AC-4E69-A17C-538D9C7C6854}"/>
               </a:ext>
             </a:extLst>
           </p:cNvPr>
@@ -1279,8 +1905,8 @@
         </p:nvSpPr>
         <p:spPr>
           <a:xfrm>
-            <a:off x="838200" y="1825625"/>
-            <a:ext cx="5181600" cy="4351338"/>
+            <a:off x="761800" y="2833255"/>
+            <a:ext cx="5045281" cy="3165763"/>
           </a:xfrm>
         </p:spPr>
         <p:txBody>
@@ -1320,7 +1946,7 @@
               <a:rPr lang="en-US"/>
               <a:t>Fifth level</a:t>
             </a:r>
-            <a:endParaRPr lang="en-CA"/>
+            <a:endParaRPr lang="en-US" dirty="0"/>
           </a:p>
         </p:txBody>
       </p:sp>
@@ -1329,7 +1955,7 @@
           <p:cNvPr id="4" name="Content Placeholder 3">
             <a:extLst>
               <a:ext uri="{FF2B5EF4-FFF2-40B4-BE49-F238E27FC236}">
-                <a16:creationId xmlns:a16="http://schemas.microsoft.com/office/drawing/2014/main" id="{3CD07DD6-0FAD-4130-88B9-91CF61342D5A}"/>
+                <a16:creationId xmlns:a16="http://schemas.microsoft.com/office/drawing/2014/main" id="{EAD30C23-A75F-45DF-BCCF-760C533AC7FA}"/>
               </a:ext>
             </a:extLst>
           </p:cNvPr>
@@ -1342,8 +1968,8 @@
         </p:nvSpPr>
         <p:spPr>
           <a:xfrm>
-            <a:off x="6172200" y="1825625"/>
-            <a:ext cx="5181600" cy="4351338"/>
+            <a:off x="6097092" y="2833255"/>
+            <a:ext cx="5045281" cy="3165763"/>
           </a:xfrm>
         </p:spPr>
         <p:txBody>
@@ -1383,7 +2009,7 @@
               <a:rPr lang="en-US"/>
               <a:t>Fifth level</a:t>
             </a:r>
-            <a:endParaRPr lang="en-CA"/>
+            <a:endParaRPr lang="en-US" dirty="0"/>
           </a:p>
         </p:txBody>
       </p:sp>
@@ -1392,7 +2018,7 @@
           <p:cNvPr id="5" name="Date Placeholder 4">
             <a:extLst>
               <a:ext uri="{FF2B5EF4-FFF2-40B4-BE49-F238E27FC236}">
-                <a16:creationId xmlns:a16="http://schemas.microsoft.com/office/drawing/2014/main" id="{31038016-F129-4804-AF94-D4FAF664A8A3}"/>
+                <a16:creationId xmlns:a16="http://schemas.microsoft.com/office/drawing/2014/main" id="{082C3974-73EC-4F1B-9E92-0E279ABEE5CD}"/>
               </a:ext>
             </a:extLst>
           </p:cNvPr>
@@ -1403,16 +2029,21 @@
             <p:ph type="dt" sz="half" idx="10"/>
           </p:nvPr>
         </p:nvSpPr>
-        <p:spPr/>
+        <p:spPr>
+          <a:xfrm>
+            <a:off x="332481" y="6236208"/>
+            <a:ext cx="3037459" cy="365125"/>
+          </a:xfrm>
+        </p:spPr>
         <p:txBody>
           <a:bodyPr/>
           <a:lstStyle/>
           <a:p>
-            <a:fld id="{A74F8680-04F4-4DDD-847A-CF9BD3F2E951}" type="datetimeFigureOut">
-              <a:rPr lang="en-CA" smtClean="0"/>
-              <a:t>2022-01-26</a:t>
+            <a:fld id="{C9B6D3E3-28E2-4380-A113-67698215C5F8}" type="datetime1">
+              <a:rPr lang="en-US" smtClean="0"/>
+              <a:t>5/16/2022</a:t>
             </a:fld>
-            <a:endParaRPr lang="en-CA"/>
+            <a:endParaRPr lang="en-US" dirty="0"/>
           </a:p>
         </p:txBody>
       </p:sp>
@@ -1421,7 +2052,7 @@
           <p:cNvPr id="6" name="Footer Placeholder 5">
             <a:extLst>
               <a:ext uri="{FF2B5EF4-FFF2-40B4-BE49-F238E27FC236}">
-                <a16:creationId xmlns:a16="http://schemas.microsoft.com/office/drawing/2014/main" id="{F57990C7-061B-4BF6-9AEB-853D12494F51}"/>
+                <a16:creationId xmlns:a16="http://schemas.microsoft.com/office/drawing/2014/main" id="{CC70B3F2-3F28-42A3-9701-A6F01F1B185A}"/>
               </a:ext>
             </a:extLst>
           </p:cNvPr>
@@ -1432,12 +2063,17 @@
             <p:ph type="ftr" sz="quarter" idx="11"/>
           </p:nvPr>
         </p:nvSpPr>
-        <p:spPr/>
+        <p:spPr>
+          <a:xfrm>
+            <a:off x="332481" y="237744"/>
+            <a:ext cx="4114800" cy="365125"/>
+          </a:xfrm>
+        </p:spPr>
         <p:txBody>
           <a:bodyPr/>
           <a:lstStyle/>
           <a:p>
-            <a:endParaRPr lang="en-CA"/>
+            <a:endParaRPr lang="en-US" dirty="0"/>
           </a:p>
         </p:txBody>
       </p:sp>
@@ -1446,7 +2082,7 @@
           <p:cNvPr id="7" name="Slide Number Placeholder 6">
             <a:extLst>
               <a:ext uri="{FF2B5EF4-FFF2-40B4-BE49-F238E27FC236}">
-                <a16:creationId xmlns:a16="http://schemas.microsoft.com/office/drawing/2014/main" id="{7A063649-1329-434E-983F-2BAD473C5FE0}"/>
+                <a16:creationId xmlns:a16="http://schemas.microsoft.com/office/drawing/2014/main" id="{E5E7A2FC-50E7-4972-9F28-E3AC4EF93D44}"/>
               </a:ext>
             </a:extLst>
           </p:cNvPr>
@@ -1457,23 +2093,28 @@
             <p:ph type="sldNum" sz="quarter" idx="12"/>
           </p:nvPr>
         </p:nvSpPr>
-        <p:spPr/>
+        <p:spPr>
+          <a:xfrm>
+            <a:off x="11289782" y="237744"/>
+            <a:ext cx="756746" cy="365760"/>
+          </a:xfrm>
+        </p:spPr>
         <p:txBody>
           <a:bodyPr/>
           <a:lstStyle/>
           <a:p>
-            <a:fld id="{D911CD25-C0B3-4B04-AB7D-DCF18088FF08}" type="slidenum">
-              <a:rPr lang="en-CA" smtClean="0"/>
+            <a:fld id="{B4A918BC-4D43-4B42-B3C0-E7EBE25E6AF0}" type="slidenum">
+              <a:rPr lang="en-US" smtClean="0"/>
               <a:t>‹#›</a:t>
             </a:fld>
-            <a:endParaRPr lang="en-CA"/>
+            <a:endParaRPr lang="en-US"/>
           </a:p>
         </p:txBody>
       </p:sp>
     </p:spTree>
     <p:extLst>
       <p:ext uri="{BB962C8B-B14F-4D97-AF65-F5344CB8AC3E}">
-        <p14:creationId xmlns:p14="http://schemas.microsoft.com/office/powerpoint/2010/main" val="541693003"/>
+        <p14:creationId xmlns:p14="http://schemas.microsoft.com/office/powerpoint/2010/main" val="3960077183"/>
       </p:ext>
     </p:extLst>
   </p:cSld>
@@ -1505,7 +2146,7 @@
           <p:cNvPr id="2" name="Title 1">
             <a:extLst>
               <a:ext uri="{FF2B5EF4-FFF2-40B4-BE49-F238E27FC236}">
-                <a16:creationId xmlns:a16="http://schemas.microsoft.com/office/drawing/2014/main" id="{30ACA06A-36A8-496C-9A36-EEB6A9F47458}"/>
+                <a16:creationId xmlns:a16="http://schemas.microsoft.com/office/drawing/2014/main" id="{16865F85-77E6-4F6D-9FFA-5D76201B13E5}"/>
               </a:ext>
             </a:extLst>
           </p:cNvPr>
@@ -1518,8 +2159,8 @@
         </p:nvSpPr>
         <p:spPr>
           <a:xfrm>
-            <a:off x="839788" y="365125"/>
-            <a:ext cx="10515600" cy="1325563"/>
+            <a:off x="761802" y="872836"/>
+            <a:ext cx="10380572" cy="1427019"/>
           </a:xfrm>
         </p:spPr>
         <p:txBody>
@@ -1530,7 +2171,7 @@
               <a:rPr lang="en-US"/>
               <a:t>Click to edit Master title style</a:t>
             </a:r>
-            <a:endParaRPr lang="en-CA"/>
+            <a:endParaRPr lang="en-US" dirty="0"/>
           </a:p>
         </p:txBody>
       </p:sp>
@@ -1539,7 +2180,7 @@
           <p:cNvPr id="3" name="Text Placeholder 2">
             <a:extLst>
               <a:ext uri="{FF2B5EF4-FFF2-40B4-BE49-F238E27FC236}">
-                <a16:creationId xmlns:a16="http://schemas.microsoft.com/office/drawing/2014/main" id="{6E006F59-9B09-44BC-B3D9-9ED3CF19E87A}"/>
+                <a16:creationId xmlns:a16="http://schemas.microsoft.com/office/drawing/2014/main" id="{DC6C0DAE-58D1-45D9-9FC4-B0864E332C08}"/>
               </a:ext>
             </a:extLst>
           </p:cNvPr>
@@ -1552,16 +2193,18 @@
         </p:nvSpPr>
         <p:spPr>
           <a:xfrm>
-            <a:off x="839788" y="1681163"/>
-            <a:ext cx="5157787" cy="823912"/>
-          </a:xfrm>
-        </p:spPr>
-        <p:txBody>
-          <a:bodyPr anchor="b"/>
+            <a:off x="761801" y="2713326"/>
+            <a:ext cx="5023424" cy="823912"/>
+          </a:xfrm>
+        </p:spPr>
+        <p:txBody>
+          <a:bodyPr anchor="b">
+            <a:normAutofit/>
+          </a:bodyPr>
           <a:lstStyle>
             <a:lvl1pPr marL="0" indent="0">
               <a:buNone/>
-              <a:defRPr sz="2400" b="1"/>
+              <a:defRPr sz="2400" b="0" i="1" u="none"/>
             </a:lvl1pPr>
             <a:lvl2pPr marL="457200" indent="0">
               <a:buNone/>
@@ -1610,7 +2253,7 @@
           <p:cNvPr id="4" name="Content Placeholder 3">
             <a:extLst>
               <a:ext uri="{FF2B5EF4-FFF2-40B4-BE49-F238E27FC236}">
-                <a16:creationId xmlns:a16="http://schemas.microsoft.com/office/drawing/2014/main" id="{8B7F8AF1-FF6B-4B67-9E60-DC485E892F16}"/>
+                <a16:creationId xmlns:a16="http://schemas.microsoft.com/office/drawing/2014/main" id="{FD1E63D7-9812-4EA1-A0A2-14D974311FAD}"/>
               </a:ext>
             </a:extLst>
           </p:cNvPr>
@@ -1623,8 +2266,8 @@
         </p:nvSpPr>
         <p:spPr>
           <a:xfrm>
-            <a:off x="839788" y="2505075"/>
-            <a:ext cx="5157787" cy="3684588"/>
+            <a:off x="761801" y="3706091"/>
+            <a:ext cx="5023424" cy="2334491"/>
           </a:xfrm>
         </p:spPr>
         <p:txBody>
@@ -1664,7 +2307,7 @@
               <a:rPr lang="en-US"/>
               <a:t>Fifth level</a:t>
             </a:r>
-            <a:endParaRPr lang="en-CA"/>
+            <a:endParaRPr lang="en-US" dirty="0"/>
           </a:p>
         </p:txBody>
       </p:sp>
@@ -1673,7 +2316,7 @@
           <p:cNvPr id="5" name="Text Placeholder 4">
             <a:extLst>
               <a:ext uri="{FF2B5EF4-FFF2-40B4-BE49-F238E27FC236}">
-                <a16:creationId xmlns:a16="http://schemas.microsoft.com/office/drawing/2014/main" id="{52FE3D3B-10D9-4A49-923F-D8D553871EA1}"/>
+                <a16:creationId xmlns:a16="http://schemas.microsoft.com/office/drawing/2014/main" id="{E4C5055B-04A0-47D3-90ED-135025F857F9}"/>
               </a:ext>
             </a:extLst>
           </p:cNvPr>
@@ -1686,16 +2329,18 @@
         </p:nvSpPr>
         <p:spPr>
           <a:xfrm>
-            <a:off x="6172200" y="1681163"/>
-            <a:ext cx="5183188" cy="823912"/>
-          </a:xfrm>
-        </p:spPr>
-        <p:txBody>
-          <a:bodyPr anchor="b"/>
+            <a:off x="6094211" y="2713326"/>
+            <a:ext cx="5048163" cy="823912"/>
+          </a:xfrm>
+        </p:spPr>
+        <p:txBody>
+          <a:bodyPr anchor="b">
+            <a:normAutofit/>
+          </a:bodyPr>
           <a:lstStyle>
             <a:lvl1pPr marL="0" indent="0">
               <a:buNone/>
-              <a:defRPr sz="2400" b="1"/>
+              <a:defRPr sz="2400" b="0" i="1" u="none"/>
             </a:lvl1pPr>
             <a:lvl2pPr marL="457200" indent="0">
               <a:buNone/>
@@ -1744,7 +2389,7 @@
           <p:cNvPr id="6" name="Content Placeholder 5">
             <a:extLst>
               <a:ext uri="{FF2B5EF4-FFF2-40B4-BE49-F238E27FC236}">
-                <a16:creationId xmlns:a16="http://schemas.microsoft.com/office/drawing/2014/main" id="{D2294B29-1294-4DAE-B278-DA3DA201A56C}"/>
+                <a16:creationId xmlns:a16="http://schemas.microsoft.com/office/drawing/2014/main" id="{D8936E6E-8F64-49E6-B57C-86CF92D1689E}"/>
               </a:ext>
             </a:extLst>
           </p:cNvPr>
@@ -1757,8 +2402,8 @@
         </p:nvSpPr>
         <p:spPr>
           <a:xfrm>
-            <a:off x="6172200" y="2505075"/>
-            <a:ext cx="5183188" cy="3684588"/>
+            <a:off x="6094211" y="3706091"/>
+            <a:ext cx="5048163" cy="2334491"/>
           </a:xfrm>
         </p:spPr>
         <p:txBody>
@@ -1798,7 +2443,6 @@
               <a:rPr lang="en-US"/>
               <a:t>Fifth level</a:t>
             </a:r>
-            <a:endParaRPr lang="en-CA"/>
           </a:p>
         </p:txBody>
       </p:sp>
@@ -1807,7 +2451,7 @@
           <p:cNvPr id="7" name="Date Placeholder 6">
             <a:extLst>
               <a:ext uri="{FF2B5EF4-FFF2-40B4-BE49-F238E27FC236}">
-                <a16:creationId xmlns:a16="http://schemas.microsoft.com/office/drawing/2014/main" id="{2EFC44E3-F239-4244-96CE-656C17EA9ED7}"/>
+                <a16:creationId xmlns:a16="http://schemas.microsoft.com/office/drawing/2014/main" id="{5CFFBEAD-2827-40DA-8338-2D691325F1B3}"/>
               </a:ext>
             </a:extLst>
           </p:cNvPr>
@@ -1818,16 +2462,21 @@
             <p:ph type="dt" sz="half" idx="10"/>
           </p:nvPr>
         </p:nvSpPr>
-        <p:spPr/>
+        <p:spPr>
+          <a:xfrm>
+            <a:off x="332481" y="6236208"/>
+            <a:ext cx="3037459" cy="365125"/>
+          </a:xfrm>
+        </p:spPr>
         <p:txBody>
           <a:bodyPr/>
           <a:lstStyle/>
           <a:p>
-            <a:fld id="{A74F8680-04F4-4DDD-847A-CF9BD3F2E951}" type="datetimeFigureOut">
-              <a:rPr lang="en-CA" smtClean="0"/>
-              <a:t>2022-01-26</a:t>
+            <a:fld id="{A9EFCB61-04AD-47C9-BF79-2BD8B9CEC07A}" type="datetime1">
+              <a:rPr lang="en-US" smtClean="0"/>
+              <a:t>5/16/2022</a:t>
             </a:fld>
-            <a:endParaRPr lang="en-CA"/>
+            <a:endParaRPr lang="en-US" dirty="0"/>
           </a:p>
         </p:txBody>
       </p:sp>
@@ -1836,7 +2485,7 @@
           <p:cNvPr id="8" name="Footer Placeholder 7">
             <a:extLst>
               <a:ext uri="{FF2B5EF4-FFF2-40B4-BE49-F238E27FC236}">
-                <a16:creationId xmlns:a16="http://schemas.microsoft.com/office/drawing/2014/main" id="{12E0B055-1FA2-4589-ABE7-E577466D8374}"/>
+                <a16:creationId xmlns:a16="http://schemas.microsoft.com/office/drawing/2014/main" id="{DF34B88D-9C6E-4A88-985C-3ED5057A1F65}"/>
               </a:ext>
             </a:extLst>
           </p:cNvPr>
@@ -1847,12 +2496,17 @@
             <p:ph type="ftr" sz="quarter" idx="11"/>
           </p:nvPr>
         </p:nvSpPr>
-        <p:spPr/>
+        <p:spPr>
+          <a:xfrm>
+            <a:off x="332481" y="237744"/>
+            <a:ext cx="4114800" cy="365125"/>
+          </a:xfrm>
+        </p:spPr>
         <p:txBody>
           <a:bodyPr/>
           <a:lstStyle/>
           <a:p>
-            <a:endParaRPr lang="en-CA"/>
+            <a:endParaRPr lang="en-US" dirty="0"/>
           </a:p>
         </p:txBody>
       </p:sp>
@@ -1861,7 +2515,7 @@
           <p:cNvPr id="9" name="Slide Number Placeholder 8">
             <a:extLst>
               <a:ext uri="{FF2B5EF4-FFF2-40B4-BE49-F238E27FC236}">
-                <a16:creationId xmlns:a16="http://schemas.microsoft.com/office/drawing/2014/main" id="{1DFA9738-4BAE-4452-B457-7E36B7053769}"/>
+                <a16:creationId xmlns:a16="http://schemas.microsoft.com/office/drawing/2014/main" id="{880B6A32-2D15-425F-B6A9-146AFB5C1ACB}"/>
               </a:ext>
             </a:extLst>
           </p:cNvPr>
@@ -1872,23 +2526,28 @@
             <p:ph type="sldNum" sz="quarter" idx="12"/>
           </p:nvPr>
         </p:nvSpPr>
-        <p:spPr/>
+        <p:spPr>
+          <a:xfrm>
+            <a:off x="11289782" y="237744"/>
+            <a:ext cx="756746" cy="365760"/>
+          </a:xfrm>
+        </p:spPr>
         <p:txBody>
           <a:bodyPr/>
           <a:lstStyle/>
           <a:p>
-            <a:fld id="{D911CD25-C0B3-4B04-AB7D-DCF18088FF08}" type="slidenum">
-              <a:rPr lang="en-CA" smtClean="0"/>
+            <a:fld id="{B4A918BC-4D43-4B42-B3C0-E7EBE25E6AF0}" type="slidenum">
+              <a:rPr lang="en-US" smtClean="0"/>
               <a:t>‹#›</a:t>
             </a:fld>
-            <a:endParaRPr lang="en-CA"/>
+            <a:endParaRPr lang="en-US"/>
           </a:p>
         </p:txBody>
       </p:sp>
     </p:spTree>
     <p:extLst>
       <p:ext uri="{BB962C8B-B14F-4D97-AF65-F5344CB8AC3E}">
-        <p14:creationId xmlns:p14="http://schemas.microsoft.com/office/powerpoint/2010/main" val="1060484865"/>
+        <p14:creationId xmlns:p14="http://schemas.microsoft.com/office/powerpoint/2010/main" val="2586840068"/>
       </p:ext>
     </p:extLst>
   </p:cSld>
@@ -1920,7 +2579,7 @@
           <p:cNvPr id="2" name="Title 1">
             <a:extLst>
               <a:ext uri="{FF2B5EF4-FFF2-40B4-BE49-F238E27FC236}">
-                <a16:creationId xmlns:a16="http://schemas.microsoft.com/office/drawing/2014/main" id="{D6778506-5D5B-4B2A-ADED-3CBEB05A713F}"/>
+                <a16:creationId xmlns:a16="http://schemas.microsoft.com/office/drawing/2014/main" id="{8EC81B7C-9BD5-4CF8-BAEB-A6CB78DA2F89}"/>
               </a:ext>
             </a:extLst>
           </p:cNvPr>
@@ -1940,7 +2599,7 @@
               <a:rPr lang="en-US"/>
               <a:t>Click to edit Master title style</a:t>
             </a:r>
-            <a:endParaRPr lang="en-CA"/>
+            <a:endParaRPr lang="en-US" dirty="0"/>
           </a:p>
         </p:txBody>
       </p:sp>
@@ -1949,7 +2608,7 @@
           <p:cNvPr id="3" name="Date Placeholder 2">
             <a:extLst>
               <a:ext uri="{FF2B5EF4-FFF2-40B4-BE49-F238E27FC236}">
-                <a16:creationId xmlns:a16="http://schemas.microsoft.com/office/drawing/2014/main" id="{169EBC41-0267-493F-8916-8B141DF266C5}"/>
+                <a16:creationId xmlns:a16="http://schemas.microsoft.com/office/drawing/2014/main" id="{AD85F1D3-3353-4FC6-8854-51B0BFFD6D5A}"/>
               </a:ext>
             </a:extLst>
           </p:cNvPr>
@@ -1965,11 +2624,11 @@
           <a:bodyPr/>
           <a:lstStyle/>
           <a:p>
-            <a:fld id="{A74F8680-04F4-4DDD-847A-CF9BD3F2E951}" type="datetimeFigureOut">
-              <a:rPr lang="en-CA" smtClean="0"/>
-              <a:t>2022-01-26</a:t>
+            <a:fld id="{A4535E0C-D585-492F-8146-7493F4086301}" type="datetime1">
+              <a:rPr lang="en-US" smtClean="0"/>
+              <a:t>5/16/2022</a:t>
             </a:fld>
-            <a:endParaRPr lang="en-CA"/>
+            <a:endParaRPr lang="en-US"/>
           </a:p>
         </p:txBody>
       </p:sp>
@@ -1978,7 +2637,7 @@
           <p:cNvPr id="4" name="Footer Placeholder 3">
             <a:extLst>
               <a:ext uri="{FF2B5EF4-FFF2-40B4-BE49-F238E27FC236}">
-                <a16:creationId xmlns:a16="http://schemas.microsoft.com/office/drawing/2014/main" id="{72F09C5E-439B-4562-82E3-58D594102ADB}"/>
+                <a16:creationId xmlns:a16="http://schemas.microsoft.com/office/drawing/2014/main" id="{F7226CE6-6BEB-46DB-BD4B-9B8AE89A1A83}"/>
               </a:ext>
             </a:extLst>
           </p:cNvPr>
@@ -1994,7 +2653,7 @@
           <a:bodyPr/>
           <a:lstStyle/>
           <a:p>
-            <a:endParaRPr lang="en-CA"/>
+            <a:endParaRPr lang="en-US"/>
           </a:p>
         </p:txBody>
       </p:sp>
@@ -2003,7 +2662,7 @@
           <p:cNvPr id="5" name="Slide Number Placeholder 4">
             <a:extLst>
               <a:ext uri="{FF2B5EF4-FFF2-40B4-BE49-F238E27FC236}">
-                <a16:creationId xmlns:a16="http://schemas.microsoft.com/office/drawing/2014/main" id="{DAF86B6F-4721-47EC-9663-9F30D49ED70B}"/>
+                <a16:creationId xmlns:a16="http://schemas.microsoft.com/office/drawing/2014/main" id="{1181BCCC-8B3F-40B3-91D5-52E53B2AAE11}"/>
               </a:ext>
             </a:extLst>
           </p:cNvPr>
@@ -2019,18 +2678,18 @@
           <a:bodyPr/>
           <a:lstStyle/>
           <a:p>
-            <a:fld id="{D911CD25-C0B3-4B04-AB7D-DCF18088FF08}" type="slidenum">
-              <a:rPr lang="en-CA" smtClean="0"/>
+            <a:fld id="{B4A918BC-4D43-4B42-B3C0-E7EBE25E6AF0}" type="slidenum">
+              <a:rPr lang="en-US" smtClean="0"/>
               <a:t>‹#›</a:t>
             </a:fld>
-            <a:endParaRPr lang="en-CA"/>
+            <a:endParaRPr lang="en-US"/>
           </a:p>
         </p:txBody>
       </p:sp>
     </p:spTree>
     <p:extLst>
       <p:ext uri="{BB962C8B-B14F-4D97-AF65-F5344CB8AC3E}">
-        <p14:creationId xmlns:p14="http://schemas.microsoft.com/office/powerpoint/2010/main" val="3043774945"/>
+        <p14:creationId xmlns:p14="http://schemas.microsoft.com/office/powerpoint/2010/main" val="719181973"/>
       </p:ext>
     </p:extLst>
   </p:cSld>
@@ -2041,7 +2700,7 @@
 </file>
 
 <file path=ppt/slideLayouts/slideLayout7.xml><?xml version="1.0" encoding="utf-8"?>
-<p:sldLayout xmlns:a="http://schemas.openxmlformats.org/drawingml/2006/main" xmlns:r="http://schemas.openxmlformats.org/officeDocument/2006/relationships" xmlns:p="http://schemas.openxmlformats.org/presentationml/2006/main" type="blank" preserve="1">
+<p:sldLayout xmlns:a="http://schemas.openxmlformats.org/drawingml/2006/main" xmlns:r="http://schemas.openxmlformats.org/officeDocument/2006/relationships" xmlns:p="http://schemas.openxmlformats.org/presentationml/2006/main" showMasterSp="0" type="blank" preserve="1">
   <p:cSld name="Blank">
     <p:spTree>
       <p:nvGrpSpPr>
@@ -2057,12 +2716,62 @@
           <a:chExt cx="0" cy="0"/>
         </a:xfrm>
       </p:grpSpPr>
+      <p:sp useBgFill="1">
+        <p:nvSpPr>
+          <p:cNvPr id="8" name="Rectangle 7">
+            <a:extLst>
+              <a:ext uri="{FF2B5EF4-FFF2-40B4-BE49-F238E27FC236}">
+                <a16:creationId xmlns:a16="http://schemas.microsoft.com/office/drawing/2014/main" id="{62C0FBB6-4CCA-4358-9DD5-CDF2173E63C8}"/>
+              </a:ext>
+            </a:extLst>
+          </p:cNvPr>
+          <p:cNvSpPr/>
+          <p:nvPr/>
+        </p:nvSpPr>
+        <p:spPr>
+          <a:xfrm>
+            <a:off x="0" y="0"/>
+            <a:ext cx="12192000" cy="6858000"/>
+          </a:xfrm>
+          <a:prstGeom prst="rect">
+            <a:avLst/>
+          </a:prstGeom>
+          <a:ln>
+            <a:noFill/>
+          </a:ln>
+          <a:effectLst/>
+        </p:spPr>
+        <p:style>
+          <a:lnRef idx="2">
+            <a:schemeClr val="accent1">
+              <a:shade val="50000"/>
+            </a:schemeClr>
+          </a:lnRef>
+          <a:fillRef idx="1">
+            <a:schemeClr val="accent1"/>
+          </a:fillRef>
+          <a:effectRef idx="0">
+            <a:schemeClr val="accent1"/>
+          </a:effectRef>
+          <a:fontRef idx="minor">
+            <a:schemeClr val="lt1"/>
+          </a:fontRef>
+        </p:style>
+        <p:txBody>
+          <a:bodyPr rtlCol="0" anchor="ctr"/>
+          <a:lstStyle/>
+          <a:p>
+            <a:pPr algn="ctr"/>
+            <a:endParaRPr lang="en-US"/>
+          </a:p>
+        </p:txBody>
+      </p:sp>
       <p:sp>
         <p:nvSpPr>
           <p:cNvPr id="2" name="Date Placeholder 1">
             <a:extLst>
               <a:ext uri="{FF2B5EF4-FFF2-40B4-BE49-F238E27FC236}">
-                <a16:creationId xmlns:a16="http://schemas.microsoft.com/office/drawing/2014/main" id="{C0810F36-E193-4460-B546-61A7F4AAA1AE}"/>
+                <a16:creationId xmlns:a16="http://schemas.microsoft.com/office/drawing/2014/main" id="{8902559A-671A-4FDE-82C3-1CF8CFCF18EC}"/>
               </a:ext>
             </a:extLst>
           </p:cNvPr>
@@ -2078,11 +2787,11 @@
           <a:bodyPr/>
           <a:lstStyle/>
           <a:p>
-            <a:fld id="{A74F8680-04F4-4DDD-847A-CF9BD3F2E951}" type="datetimeFigureOut">
-              <a:rPr lang="en-CA" smtClean="0"/>
-              <a:t>2022-01-26</a:t>
+            <a:fld id="{8CE48390-48B5-49AB-B019-A7C8FB8C31F6}" type="datetime1">
+              <a:rPr lang="en-US" smtClean="0"/>
+              <a:t>5/16/2022</a:t>
             </a:fld>
-            <a:endParaRPr lang="en-CA"/>
+            <a:endParaRPr lang="en-US"/>
           </a:p>
         </p:txBody>
       </p:sp>
@@ -2091,7 +2800,7 @@
           <p:cNvPr id="3" name="Footer Placeholder 2">
             <a:extLst>
               <a:ext uri="{FF2B5EF4-FFF2-40B4-BE49-F238E27FC236}">
-                <a16:creationId xmlns:a16="http://schemas.microsoft.com/office/drawing/2014/main" id="{DC78EF3F-A7E5-4E97-8F67-B3D0D440BF5B}"/>
+                <a16:creationId xmlns:a16="http://schemas.microsoft.com/office/drawing/2014/main" id="{78A14275-250D-437E-BAF1-5BB3CDE64AC4}"/>
               </a:ext>
             </a:extLst>
           </p:cNvPr>
@@ -2107,7 +2816,7 @@
           <a:bodyPr/>
           <a:lstStyle/>
           <a:p>
-            <a:endParaRPr lang="en-CA"/>
+            <a:endParaRPr lang="en-US" dirty="0"/>
           </a:p>
         </p:txBody>
       </p:sp>
@@ -2116,7 +2825,7 @@
           <p:cNvPr id="4" name="Slide Number Placeholder 3">
             <a:extLst>
               <a:ext uri="{FF2B5EF4-FFF2-40B4-BE49-F238E27FC236}">
-                <a16:creationId xmlns:a16="http://schemas.microsoft.com/office/drawing/2014/main" id="{977E8EC6-1F9E-457B-989F-AA4140B52BB6}"/>
+                <a16:creationId xmlns:a16="http://schemas.microsoft.com/office/drawing/2014/main" id="{EFD93BDE-2A52-4AA7-B222-0F25570EBF77}"/>
               </a:ext>
             </a:extLst>
           </p:cNvPr>
@@ -2132,18 +2841,61 @@
           <a:bodyPr/>
           <a:lstStyle/>
           <a:p>
-            <a:fld id="{D911CD25-C0B3-4B04-AB7D-DCF18088FF08}" type="slidenum">
-              <a:rPr lang="en-CA" smtClean="0"/>
+            <a:fld id="{B4A918BC-4D43-4B42-B3C0-E7EBE25E6AF0}" type="slidenum">
+              <a:rPr lang="en-US" smtClean="0"/>
               <a:t>‹#›</a:t>
             </a:fld>
-            <a:endParaRPr lang="en-CA"/>
-          </a:p>
-        </p:txBody>
-      </p:sp>
+            <a:endParaRPr lang="en-US"/>
+          </a:p>
+        </p:txBody>
+      </p:sp>
+      <p:cxnSp>
+        <p:nvCxnSpPr>
+          <p:cNvPr id="5" name="Straight Connector 4">
+            <a:extLst>
+              <a:ext uri="{FF2B5EF4-FFF2-40B4-BE49-F238E27FC236}">
+                <a16:creationId xmlns:a16="http://schemas.microsoft.com/office/drawing/2014/main" id="{9E6B771E-DDF7-430C-9462-BA1D3742C84E}"/>
+              </a:ext>
+            </a:extLst>
+          </p:cNvPr>
+          <p:cNvCxnSpPr>
+            <a:cxnSpLocks/>
+          </p:cNvCxnSpPr>
+          <p:nvPr/>
+        </p:nvCxnSpPr>
+        <p:spPr>
+          <a:xfrm>
+            <a:off x="11668155" y="5641010"/>
+            <a:ext cx="0" cy="599069"/>
+          </a:xfrm>
+          <a:prstGeom prst="line">
+            <a:avLst/>
+          </a:prstGeom>
+          <a:ln w="38100">
+            <a:solidFill>
+              <a:schemeClr val="tx1"/>
+            </a:solidFill>
+          </a:ln>
+        </p:spPr>
+        <p:style>
+          <a:lnRef idx="1">
+            <a:schemeClr val="accent1"/>
+          </a:lnRef>
+          <a:fillRef idx="0">
+            <a:schemeClr val="accent1"/>
+          </a:fillRef>
+          <a:effectRef idx="0">
+            <a:schemeClr val="accent1"/>
+          </a:effectRef>
+          <a:fontRef idx="minor">
+            <a:schemeClr val="tx1"/>
+          </a:fontRef>
+        </p:style>
+      </p:cxnSp>
     </p:spTree>
     <p:extLst>
       <p:ext uri="{BB962C8B-B14F-4D97-AF65-F5344CB8AC3E}">
-        <p14:creationId xmlns:p14="http://schemas.microsoft.com/office/powerpoint/2010/main" val="3503498342"/>
+        <p14:creationId xmlns:p14="http://schemas.microsoft.com/office/powerpoint/2010/main" val="921034274"/>
       </p:ext>
     </p:extLst>
   </p:cSld>
@@ -2154,7 +2906,7 @@
 </file>
 
 <file path=ppt/slideLayouts/slideLayout8.xml><?xml version="1.0" encoding="utf-8"?>
-<p:sldLayout xmlns:a="http://schemas.openxmlformats.org/drawingml/2006/main" xmlns:r="http://schemas.openxmlformats.org/officeDocument/2006/relationships" xmlns:p="http://schemas.openxmlformats.org/presentationml/2006/main" type="objTx" preserve="1">
+<p:sldLayout xmlns:a="http://schemas.openxmlformats.org/drawingml/2006/main" xmlns:r="http://schemas.openxmlformats.org/officeDocument/2006/relationships" xmlns:p="http://schemas.openxmlformats.org/presentationml/2006/main" showMasterSp="0" type="objTx" preserve="1">
   <p:cSld name="Content with Caption">
     <p:spTree>
       <p:nvGrpSpPr>
@@ -2170,12 +2922,174 @@
           <a:chExt cx="0" cy="0"/>
         </a:xfrm>
       </p:grpSpPr>
+      <p:sp useBgFill="1">
+        <p:nvSpPr>
+          <p:cNvPr id="17" name="Rectangle 16">
+            <a:extLst>
+              <a:ext uri="{FF2B5EF4-FFF2-40B4-BE49-F238E27FC236}">
+                <a16:creationId xmlns:a16="http://schemas.microsoft.com/office/drawing/2014/main" id="{DF9A0B00-F6ED-4C3A-97DC-C2AF9D62EE8B}"/>
+              </a:ext>
+            </a:extLst>
+          </p:cNvPr>
+          <p:cNvSpPr/>
+          <p:nvPr/>
+        </p:nvSpPr>
+        <p:spPr>
+          <a:xfrm>
+            <a:off x="79067" y="0"/>
+            <a:ext cx="4998624" cy="6858000"/>
+          </a:xfrm>
+          <a:prstGeom prst="rect">
+            <a:avLst/>
+          </a:prstGeom>
+          <a:ln>
+            <a:noFill/>
+          </a:ln>
+          <a:effectLst>
+            <a:outerShdw blurRad="228600" dist="114300" dir="21540000" sx="96000" sy="96000" algn="t" rotWithShape="0">
+              <a:srgbClr val="000000">
+                <a:alpha val="10000"/>
+              </a:srgbClr>
+            </a:outerShdw>
+          </a:effectLst>
+        </p:spPr>
+        <p:style>
+          <a:lnRef idx="2">
+            <a:schemeClr val="accent1">
+              <a:shade val="50000"/>
+            </a:schemeClr>
+          </a:lnRef>
+          <a:fillRef idx="1">
+            <a:schemeClr val="accent1"/>
+          </a:fillRef>
+          <a:effectRef idx="0">
+            <a:schemeClr val="accent1"/>
+          </a:effectRef>
+          <a:fontRef idx="minor">
+            <a:schemeClr val="lt1"/>
+          </a:fontRef>
+        </p:style>
+        <p:txBody>
+          <a:bodyPr rtlCol="0" anchor="ctr"/>
+          <a:lstStyle/>
+          <a:p>
+            <a:pPr algn="ctr"/>
+            <a:endParaRPr lang="en-US"/>
+          </a:p>
+        </p:txBody>
+      </p:sp>
+      <p:sp useBgFill="1">
+        <p:nvSpPr>
+          <p:cNvPr id="123" name="Rectangle 122">
+            <a:extLst>
+              <a:ext uri="{FF2B5EF4-FFF2-40B4-BE49-F238E27FC236}">
+                <a16:creationId xmlns:a16="http://schemas.microsoft.com/office/drawing/2014/main" id="{3B025FD9-B9EF-4F5C-B67D-3485253B7A6A}"/>
+              </a:ext>
+            </a:extLst>
+          </p:cNvPr>
+          <p:cNvSpPr/>
+          <p:nvPr/>
+        </p:nvSpPr>
+        <p:spPr>
+          <a:xfrm>
+            <a:off x="0" y="0"/>
+            <a:ext cx="12188952" cy="6858000"/>
+          </a:xfrm>
+          <a:prstGeom prst="rect">
+            <a:avLst/>
+          </a:prstGeom>
+          <a:ln>
+            <a:noFill/>
+          </a:ln>
+          <a:effectLst/>
+        </p:spPr>
+        <p:style>
+          <a:lnRef idx="2">
+            <a:schemeClr val="accent1">
+              <a:shade val="50000"/>
+            </a:schemeClr>
+          </a:lnRef>
+          <a:fillRef idx="1">
+            <a:schemeClr val="accent1"/>
+          </a:fillRef>
+          <a:effectRef idx="0">
+            <a:schemeClr val="accent1"/>
+          </a:effectRef>
+          <a:fontRef idx="minor">
+            <a:schemeClr val="lt1"/>
+          </a:fontRef>
+        </p:style>
+        <p:txBody>
+          <a:bodyPr rtlCol="0" anchor="ctr"/>
+          <a:lstStyle/>
+          <a:p>
+            <a:pPr algn="ctr"/>
+            <a:endParaRPr lang="en-US"/>
+          </a:p>
+        </p:txBody>
+      </p:sp>
+      <p:sp useBgFill="1">
+        <p:nvSpPr>
+          <p:cNvPr id="8" name="Rectangle 7">
+            <a:extLst>
+              <a:ext uri="{FF2B5EF4-FFF2-40B4-BE49-F238E27FC236}">
+                <a16:creationId xmlns:a16="http://schemas.microsoft.com/office/drawing/2014/main" id="{47F545CD-A200-4C66-BF9A-9B839D0CE648}"/>
+              </a:ext>
+            </a:extLst>
+          </p:cNvPr>
+          <p:cNvSpPr/>
+          <p:nvPr/>
+        </p:nvSpPr>
+        <p:spPr>
+          <a:xfrm>
+            <a:off x="0" y="0"/>
+            <a:ext cx="6096000" cy="6858000"/>
+          </a:xfrm>
+          <a:prstGeom prst="rect">
+            <a:avLst/>
+          </a:prstGeom>
+          <a:ln>
+            <a:noFill/>
+          </a:ln>
+          <a:effectLst>
+            <a:outerShdw blurRad="228600" dist="152400" dir="21540000" sx="96000" sy="96000" algn="t" rotWithShape="0">
+              <a:srgbClr val="000000">
+                <a:alpha val="10000"/>
+              </a:srgbClr>
+            </a:outerShdw>
+          </a:effectLst>
+        </p:spPr>
+        <p:style>
+          <a:lnRef idx="2">
+            <a:schemeClr val="accent1">
+              <a:shade val="50000"/>
+            </a:schemeClr>
+          </a:lnRef>
+          <a:fillRef idx="1">
+            <a:schemeClr val="accent1"/>
+          </a:fillRef>
+          <a:effectRef idx="0">
+            <a:schemeClr val="accent1"/>
+          </a:effectRef>
+          <a:fontRef idx="minor">
+            <a:schemeClr val="lt1"/>
+          </a:fontRef>
+        </p:style>
+        <p:txBody>
+          <a:bodyPr rtlCol="0" anchor="ctr"/>
+          <a:lstStyle/>
+          <a:p>
+            <a:pPr algn="ctr"/>
+            <a:endParaRPr lang="en-US"/>
+          </a:p>
+        </p:txBody>
+      </p:sp>
       <p:sp>
         <p:nvSpPr>
           <p:cNvPr id="2" name="Title 1">
             <a:extLst>
               <a:ext uri="{FF2B5EF4-FFF2-40B4-BE49-F238E27FC236}">
-                <a16:creationId xmlns:a16="http://schemas.microsoft.com/office/drawing/2014/main" id="{DA31BC2F-092E-4894-97BC-7EEB0BEA8991}"/>
+                <a16:creationId xmlns:a16="http://schemas.microsoft.com/office/drawing/2014/main" id="{46110916-EEE9-418C-B24A-EC09A6D22859}"/>
               </a:ext>
             </a:extLst>
           </p:cNvPr>
@@ -2188,15 +3102,17 @@
         </p:nvSpPr>
         <p:spPr>
           <a:xfrm>
-            <a:off x="839788" y="457200"/>
-            <a:ext cx="3932237" cy="1600200"/>
-          </a:xfrm>
-        </p:spPr>
-        <p:txBody>
-          <a:bodyPr anchor="b"/>
+            <a:off x="770537" y="872836"/>
+            <a:ext cx="4560525" cy="2281050"/>
+          </a:xfrm>
+        </p:spPr>
+        <p:txBody>
+          <a:bodyPr anchor="b">
+            <a:noAutofit/>
+          </a:bodyPr>
           <a:lstStyle>
             <a:lvl1pPr>
-              <a:defRPr sz="3200"/>
+              <a:defRPr sz="3600"/>
             </a:lvl1pPr>
           </a:lstStyle>
           <a:p>
@@ -2204,7 +3120,7 @@
               <a:rPr lang="en-US"/>
               <a:t>Click to edit Master title style</a:t>
             </a:r>
-            <a:endParaRPr lang="en-CA"/>
+            <a:endParaRPr lang="en-US" dirty="0"/>
           </a:p>
         </p:txBody>
       </p:sp>
@@ -2213,7 +3129,7 @@
           <p:cNvPr id="3" name="Content Placeholder 2">
             <a:extLst>
               <a:ext uri="{FF2B5EF4-FFF2-40B4-BE49-F238E27FC236}">
-                <a16:creationId xmlns:a16="http://schemas.microsoft.com/office/drawing/2014/main" id="{F9AA80DF-07BF-4E5D-80D9-F12B46091A8D}"/>
+                <a16:creationId xmlns:a16="http://schemas.microsoft.com/office/drawing/2014/main" id="{B9C3A0F4-FD98-409E-B41A-5F4352C6A8E5}"/>
               </a:ext>
             </a:extLst>
           </p:cNvPr>
@@ -2226,27 +3142,29 @@
         </p:nvSpPr>
         <p:spPr>
           <a:xfrm>
-            <a:off x="5183188" y="987425"/>
-            <a:ext cx="6172200" cy="4873625"/>
-          </a:xfrm>
-        </p:spPr>
-        <p:txBody>
-          <a:bodyPr/>
+            <a:off x="6621781" y="872837"/>
+            <a:ext cx="4520593" cy="5140036"/>
+          </a:xfrm>
+        </p:spPr>
+        <p:txBody>
+          <a:bodyPr>
+            <a:normAutofit/>
+          </a:bodyPr>
           <a:lstStyle>
-            <a:lvl1pPr>
-              <a:defRPr sz="3200"/>
+            <a:lvl1pPr algn="l">
+              <a:defRPr sz="2800"/>
             </a:lvl1pPr>
-            <a:lvl2pPr>
-              <a:defRPr sz="2800"/>
+            <a:lvl2pPr algn="l">
+              <a:defRPr sz="2400"/>
             </a:lvl2pPr>
-            <a:lvl3pPr>
-              <a:defRPr sz="2400"/>
+            <a:lvl3pPr algn="l">
+              <a:defRPr sz="2000"/>
             </a:lvl3pPr>
-            <a:lvl4pPr>
-              <a:defRPr sz="2000"/>
+            <a:lvl4pPr algn="l">
+              <a:defRPr sz="1800"/>
             </a:lvl4pPr>
-            <a:lvl5pPr>
-              <a:defRPr sz="2000"/>
+            <a:lvl5pPr algn="l">
+              <a:defRPr sz="1800"/>
             </a:lvl5pPr>
             <a:lvl6pPr>
               <a:defRPr sz="2000"/>
@@ -2295,7 +3213,7 @@
               <a:rPr lang="en-US"/>
               <a:t>Fifth level</a:t>
             </a:r>
-            <a:endParaRPr lang="en-CA"/>
+            <a:endParaRPr lang="en-US" dirty="0"/>
           </a:p>
         </p:txBody>
       </p:sp>
@@ -2304,7 +3222,7 @@
           <p:cNvPr id="4" name="Text Placeholder 3">
             <a:extLst>
               <a:ext uri="{FF2B5EF4-FFF2-40B4-BE49-F238E27FC236}">
-                <a16:creationId xmlns:a16="http://schemas.microsoft.com/office/drawing/2014/main" id="{4EF3D753-8AAE-4B7B-A31B-BCC60116E01A}"/>
+                <a16:creationId xmlns:a16="http://schemas.microsoft.com/office/drawing/2014/main" id="{3EFABF6F-6E7C-4B3F-B205-09361DA5898B}"/>
               </a:ext>
             </a:extLst>
           </p:cNvPr>
@@ -2317,16 +3235,18 @@
         </p:nvSpPr>
         <p:spPr>
           <a:xfrm>
-            <a:off x="839788" y="2057400"/>
-            <a:ext cx="3932237" cy="3811588"/>
-          </a:xfrm>
-        </p:spPr>
-        <p:txBody>
-          <a:bodyPr/>
+            <a:off x="770537" y="3442854"/>
+            <a:ext cx="4560525" cy="2576945"/>
+          </a:xfrm>
+        </p:spPr>
+        <p:txBody>
+          <a:bodyPr>
+            <a:normAutofit/>
+          </a:bodyPr>
           <a:lstStyle>
             <a:lvl1pPr marL="0" indent="0">
               <a:buNone/>
-              <a:defRPr sz="1600"/>
+              <a:defRPr sz="2400"/>
             </a:lvl1pPr>
             <a:lvl2pPr marL="457200" indent="0">
               <a:buNone/>
@@ -2375,7 +3295,7 @@
           <p:cNvPr id="5" name="Date Placeholder 4">
             <a:extLst>
               <a:ext uri="{FF2B5EF4-FFF2-40B4-BE49-F238E27FC236}">
-                <a16:creationId xmlns:a16="http://schemas.microsoft.com/office/drawing/2014/main" id="{C50BC954-BFE3-472E-ABA9-2DA919A097B0}"/>
+                <a16:creationId xmlns:a16="http://schemas.microsoft.com/office/drawing/2014/main" id="{6625198D-8500-4277-AA5D-3C3D8FDDCF4B}"/>
               </a:ext>
             </a:extLst>
           </p:cNvPr>
@@ -2386,16 +3306,21 @@
             <p:ph type="dt" sz="half" idx="10"/>
           </p:nvPr>
         </p:nvSpPr>
-        <p:spPr/>
+        <p:spPr>
+          <a:xfrm>
+            <a:off x="329184" y="6236208"/>
+            <a:ext cx="3037459" cy="365125"/>
+          </a:xfrm>
+        </p:spPr>
         <p:txBody>
           <a:bodyPr/>
           <a:lstStyle/>
           <a:p>
-            <a:fld id="{A74F8680-04F4-4DDD-847A-CF9BD3F2E951}" type="datetimeFigureOut">
-              <a:rPr lang="en-CA" smtClean="0"/>
-              <a:t>2022-01-26</a:t>
+            <a:fld id="{962E767E-8A14-4E70-91B9-2101CBC4D7BD}" type="datetime1">
+              <a:rPr lang="en-US" smtClean="0"/>
+              <a:t>5/16/2022</a:t>
             </a:fld>
-            <a:endParaRPr lang="en-CA"/>
+            <a:endParaRPr lang="en-US" dirty="0"/>
           </a:p>
         </p:txBody>
       </p:sp>
@@ -2404,7 +3329,7 @@
           <p:cNvPr id="6" name="Footer Placeholder 5">
             <a:extLst>
               <a:ext uri="{FF2B5EF4-FFF2-40B4-BE49-F238E27FC236}">
-                <a16:creationId xmlns:a16="http://schemas.microsoft.com/office/drawing/2014/main" id="{B3767983-9851-4206-B76A-06252A12DC22}"/>
+                <a16:creationId xmlns:a16="http://schemas.microsoft.com/office/drawing/2014/main" id="{F98D219F-027A-4632-9FB0-BD098D5693DB}"/>
               </a:ext>
             </a:extLst>
           </p:cNvPr>
@@ -2415,12 +3340,21 @@
             <p:ph type="ftr" sz="quarter" idx="11"/>
           </p:nvPr>
         </p:nvSpPr>
-        <p:spPr/>
+        <p:spPr>
+          <a:xfrm>
+            <a:off x="329184" y="237744"/>
+            <a:ext cx="3792532" cy="365125"/>
+          </a:xfrm>
+        </p:spPr>
         <p:txBody>
           <a:bodyPr/>
-          <a:lstStyle/>
-          <a:p>
-            <a:endParaRPr lang="en-CA"/>
+          <a:lstStyle>
+            <a:lvl1pPr algn="l">
+              <a:defRPr/>
+            </a:lvl1pPr>
+          </a:lstStyle>
+          <a:p>
+            <a:endParaRPr lang="en-US" dirty="0"/>
           </a:p>
         </p:txBody>
       </p:sp>
@@ -2429,7 +3363,7 @@
           <p:cNvPr id="7" name="Slide Number Placeholder 6">
             <a:extLst>
               <a:ext uri="{FF2B5EF4-FFF2-40B4-BE49-F238E27FC236}">
-                <a16:creationId xmlns:a16="http://schemas.microsoft.com/office/drawing/2014/main" id="{7F2C778B-B1BD-467F-9991-CB219FC595B9}"/>
+                <a16:creationId xmlns:a16="http://schemas.microsoft.com/office/drawing/2014/main" id="{CA30C82B-C7DC-434D-8768-DE9D1176715B}"/>
               </a:ext>
             </a:extLst>
           </p:cNvPr>
@@ -2440,23 +3374,114 @@
             <p:ph type="sldNum" sz="quarter" idx="12"/>
           </p:nvPr>
         </p:nvSpPr>
-        <p:spPr/>
+        <p:spPr>
+          <a:xfrm>
+            <a:off x="11292840" y="237744"/>
+            <a:ext cx="756746" cy="365760"/>
+          </a:xfrm>
+        </p:spPr>
         <p:txBody>
           <a:bodyPr/>
           <a:lstStyle/>
           <a:p>
-            <a:fld id="{D911CD25-C0B3-4B04-AB7D-DCF18088FF08}" type="slidenum">
-              <a:rPr lang="en-CA" smtClean="0"/>
+            <a:fld id="{B4A918BC-4D43-4B42-B3C0-E7EBE25E6AF0}" type="slidenum">
+              <a:rPr lang="en-US" smtClean="0"/>
               <a:t>‹#›</a:t>
             </a:fld>
-            <a:endParaRPr lang="en-CA"/>
-          </a:p>
-        </p:txBody>
-      </p:sp>
+            <a:endParaRPr lang="en-US" dirty="0"/>
+          </a:p>
+        </p:txBody>
+      </p:sp>
+      <p:cxnSp>
+        <p:nvCxnSpPr>
+          <p:cNvPr id="129" name="Straight Connector 128">
+            <a:extLst>
+              <a:ext uri="{FF2B5EF4-FFF2-40B4-BE49-F238E27FC236}">
+                <a16:creationId xmlns:a16="http://schemas.microsoft.com/office/drawing/2014/main" id="{A8CCC603-9605-46C8-9034-8DAE6AC40DD9}"/>
+              </a:ext>
+            </a:extLst>
+          </p:cNvPr>
+          <p:cNvCxnSpPr>
+            <a:cxnSpLocks/>
+          </p:cNvCxnSpPr>
+          <p:nvPr/>
+        </p:nvCxnSpPr>
+        <p:spPr>
+          <a:xfrm>
+            <a:off x="11668155" y="5641010"/>
+            <a:ext cx="0" cy="599069"/>
+          </a:xfrm>
+          <a:prstGeom prst="line">
+            <a:avLst/>
+          </a:prstGeom>
+          <a:ln w="38100">
+            <a:solidFill>
+              <a:schemeClr val="tx1"/>
+            </a:solidFill>
+          </a:ln>
+        </p:spPr>
+        <p:style>
+          <a:lnRef idx="1">
+            <a:schemeClr val="accent1"/>
+          </a:lnRef>
+          <a:fillRef idx="0">
+            <a:schemeClr val="accent1"/>
+          </a:fillRef>
+          <a:effectRef idx="0">
+            <a:schemeClr val="accent1"/>
+          </a:effectRef>
+          <a:fontRef idx="minor">
+            <a:schemeClr val="tx1"/>
+          </a:fontRef>
+        </p:style>
+      </p:cxnSp>
+      <p:cxnSp>
+        <p:nvCxnSpPr>
+          <p:cNvPr id="15" name="Straight Connector 14">
+            <a:extLst>
+              <a:ext uri="{FF2B5EF4-FFF2-40B4-BE49-F238E27FC236}">
+                <a16:creationId xmlns:a16="http://schemas.microsoft.com/office/drawing/2014/main" id="{6CBBF1D9-8F8F-45A3-BDB4-952D0FB20A4D}"/>
+              </a:ext>
+            </a:extLst>
+          </p:cNvPr>
+          <p:cNvCxnSpPr>
+            <a:cxnSpLocks/>
+          </p:cNvCxnSpPr>
+          <p:nvPr/>
+        </p:nvCxnSpPr>
+        <p:spPr>
+          <a:xfrm>
+            <a:off x="11668155" y="5641010"/>
+            <a:ext cx="0" cy="599069"/>
+          </a:xfrm>
+          <a:prstGeom prst="line">
+            <a:avLst/>
+          </a:prstGeom>
+          <a:ln w="38100">
+            <a:solidFill>
+              <a:schemeClr val="tx1"/>
+            </a:solidFill>
+          </a:ln>
+        </p:spPr>
+        <p:style>
+          <a:lnRef idx="1">
+            <a:schemeClr val="accent1"/>
+          </a:lnRef>
+          <a:fillRef idx="0">
+            <a:schemeClr val="accent1"/>
+          </a:fillRef>
+          <a:effectRef idx="0">
+            <a:schemeClr val="accent1"/>
+          </a:effectRef>
+          <a:fontRef idx="minor">
+            <a:schemeClr val="tx1"/>
+          </a:fontRef>
+        </p:style>
+      </p:cxnSp>
     </p:spTree>
     <p:extLst>
       <p:ext uri="{BB962C8B-B14F-4D97-AF65-F5344CB8AC3E}">
-        <p14:creationId xmlns:p14="http://schemas.microsoft.com/office/powerpoint/2010/main" val="428859242"/>
+        <p14:creationId xmlns:p14="http://schemas.microsoft.com/office/powerpoint/2010/main" val="8626406"/>
       </p:ext>
     </p:extLst>
   </p:cSld>
@@ -2467,7 +3492,7 @@
 </file>
 
 <file path=ppt/slideLayouts/slideLayout9.xml><?xml version="1.0" encoding="utf-8"?>
-<p:sldLayout xmlns:a="http://schemas.openxmlformats.org/drawingml/2006/main" xmlns:r="http://schemas.openxmlformats.org/officeDocument/2006/relationships" xmlns:p="http://schemas.openxmlformats.org/presentationml/2006/main" type="picTx" preserve="1">
+<p:sldLayout xmlns:a="http://schemas.openxmlformats.org/drawingml/2006/main" xmlns:r="http://schemas.openxmlformats.org/officeDocument/2006/relationships" xmlns:p="http://schemas.openxmlformats.org/presentationml/2006/main" showMasterSp="0" type="picTx" preserve="1">
   <p:cSld name="Picture with Caption">
     <p:spTree>
       <p:nvGrpSpPr>
@@ -2483,12 +3508,121 @@
           <a:chExt cx="0" cy="0"/>
         </a:xfrm>
       </p:grpSpPr>
+      <p:sp useBgFill="1">
+        <p:nvSpPr>
+          <p:cNvPr id="72" name="Rectangle 71">
+            <a:extLst>
+              <a:ext uri="{FF2B5EF4-FFF2-40B4-BE49-F238E27FC236}">
+                <a16:creationId xmlns:a16="http://schemas.microsoft.com/office/drawing/2014/main" id="{CBEB8797-B080-41A6-B14E-8DC7F0F27E4E}"/>
+              </a:ext>
+            </a:extLst>
+          </p:cNvPr>
+          <p:cNvSpPr/>
+          <p:nvPr/>
+        </p:nvSpPr>
+        <p:spPr>
+          <a:xfrm>
+            <a:off x="0" y="0"/>
+            <a:ext cx="12188952" cy="6858000"/>
+          </a:xfrm>
+          <a:prstGeom prst="rect">
+            <a:avLst/>
+          </a:prstGeom>
+          <a:ln>
+            <a:noFill/>
+          </a:ln>
+          <a:effectLst/>
+        </p:spPr>
+        <p:style>
+          <a:lnRef idx="2">
+            <a:schemeClr val="accent1">
+              <a:shade val="50000"/>
+            </a:schemeClr>
+          </a:lnRef>
+          <a:fillRef idx="1">
+            <a:schemeClr val="accent1"/>
+          </a:fillRef>
+          <a:effectRef idx="0">
+            <a:schemeClr val="accent1"/>
+          </a:effectRef>
+          <a:fontRef idx="minor">
+            <a:schemeClr val="lt1"/>
+          </a:fontRef>
+        </p:style>
+        <p:txBody>
+          <a:bodyPr rtlCol="0" anchor="ctr"/>
+          <a:lstStyle/>
+          <a:p>
+            <a:pPr algn="ctr"/>
+            <a:endParaRPr lang="en-US"/>
+          </a:p>
+        </p:txBody>
+      </p:sp>
+      <p:sp useBgFill="1">
+        <p:nvSpPr>
+          <p:cNvPr id="13" name="Rectangle 12">
+            <a:extLst>
+              <a:ext uri="{FF2B5EF4-FFF2-40B4-BE49-F238E27FC236}">
+                <a16:creationId xmlns:a16="http://schemas.microsoft.com/office/drawing/2014/main" id="{0C6C7272-A552-46B3-992F-F5ADD5AA2443}"/>
+              </a:ext>
+            </a:extLst>
+          </p:cNvPr>
+          <p:cNvSpPr/>
+          <p:nvPr/>
+        </p:nvSpPr>
+        <p:spPr>
+          <a:xfrm>
+            <a:off x="-1" y="0"/>
+            <a:ext cx="6087677" cy="6858000"/>
+          </a:xfrm>
+          <a:prstGeom prst="rect">
+            <a:avLst/>
+          </a:prstGeom>
+          <a:solidFill>
+            <a:schemeClr val="bg1"/>
+          </a:solidFill>
+          <a:ln>
+            <a:noFill/>
+          </a:ln>
+          <a:effectLst>
+            <a:outerShdw blurRad="228600" dist="152400" dir="21540000" sx="96000" sy="96000" algn="t" rotWithShape="0">
+              <a:srgbClr val="000000">
+                <a:alpha val="10000"/>
+              </a:srgbClr>
+            </a:outerShdw>
+          </a:effectLst>
+        </p:spPr>
+        <p:style>
+          <a:lnRef idx="2">
+            <a:schemeClr val="accent1">
+              <a:shade val="50000"/>
+            </a:schemeClr>
+          </a:lnRef>
+          <a:fillRef idx="1">
+            <a:schemeClr val="accent1"/>
+          </a:fillRef>
+          <a:effectRef idx="0">
+            <a:schemeClr val="accent1"/>
+          </a:effectRef>
+          <a:fontRef idx="minor">
+            <a:schemeClr val="lt1"/>
+          </a:fontRef>
+        </p:style>
+        <p:txBody>
+          <a:bodyPr rtlCol="0" anchor="ctr"/>
+          <a:lstStyle/>
+          <a:p>
+            <a:pPr lvl="0" algn="ctr"/>
+            <a:endParaRPr lang="en-US"/>
+          </a:p>
+        </p:txBody>
+      </p:sp>
       <p:sp>
         <p:nvSpPr>
           <p:cNvPr id="2" name="Title 1">
             <a:extLst>
               <a:ext uri="{FF2B5EF4-FFF2-40B4-BE49-F238E27FC236}">
-                <a16:creationId xmlns:a16="http://schemas.microsoft.com/office/drawing/2014/main" id="{FEFFA64F-B662-4DD5-A149-30DAC17C2CC7}"/>
+                <a16:creationId xmlns:a16="http://schemas.microsoft.com/office/drawing/2014/main" id="{C25F6AD1-1E6C-46AF-8431-6627180FFD2E}"/>
               </a:ext>
             </a:extLst>
           </p:cNvPr>
@@ -2501,15 +3635,22 @@
         </p:nvSpPr>
         <p:spPr>
           <a:xfrm>
-            <a:off x="839788" y="457200"/>
-            <a:ext cx="3932237" cy="1600200"/>
+            <a:off x="768733" y="858981"/>
+            <a:ext cx="4556749" cy="2281052"/>
           </a:xfrm>
         </p:spPr>
         <p:txBody>
           <a:bodyPr anchor="b"/>
           <a:lstStyle>
             <a:lvl1pPr>
-              <a:defRPr sz="3200"/>
+              <a:defRPr lang="en-US" sz="3600" kern="1200" dirty="0">
+                <a:solidFill>
+                  <a:schemeClr val="tx1"/>
+                </a:solidFill>
+                <a:latin typeface="+mj-lt"/>
+                <a:ea typeface="+mj-ea"/>
+                <a:cs typeface="+mj-cs"/>
+              </a:defRPr>
             </a:lvl1pPr>
           </a:lstStyle>
           <a:p>
@@ -2517,7 +3658,7 @@
               <a:rPr lang="en-US"/>
               <a:t>Click to edit Master title style</a:t>
             </a:r>
-            <a:endParaRPr lang="en-CA"/>
+            <a:endParaRPr lang="en-US" dirty="0"/>
           </a:p>
         </p:txBody>
       </p:sp>
@@ -2526,7 +3667,7 @@
           <p:cNvPr id="3" name="Picture Placeholder 2">
             <a:extLst>
               <a:ext uri="{FF2B5EF4-FFF2-40B4-BE49-F238E27FC236}">
-                <a16:creationId xmlns:a16="http://schemas.microsoft.com/office/drawing/2014/main" id="{54CCC467-868B-4D0A-99A5-9911B3EC2B70}"/>
+                <a16:creationId xmlns:a16="http://schemas.microsoft.com/office/drawing/2014/main" id="{E88A91F9-760E-4CF4-8A03-FA1482C35EB7}"/>
               </a:ext>
             </a:extLst>
           </p:cNvPr>
@@ -2539,8 +3680,8 @@
         </p:nvSpPr>
         <p:spPr>
           <a:xfrm>
-            <a:off x="5183188" y="987425"/>
-            <a:ext cx="6172200" cy="4873625"/>
+            <a:off x="6559826" y="865909"/>
+            <a:ext cx="4582548" cy="5126182"/>
           </a:xfrm>
         </p:spPr>
         <p:txBody>
@@ -2584,7 +3725,11 @@
             </a:lvl9pPr>
           </a:lstStyle>
           <a:p>
-            <a:endParaRPr lang="en-CA"/>
+            <a:r>
+              <a:rPr lang="en-US"/>
+              <a:t>Click icon to add picture</a:t>
+            </a:r>
+            <a:endParaRPr lang="en-US" dirty="0"/>
           </a:p>
         </p:txBody>
       </p:sp>
@@ -2593,7 +3738,7 @@
           <p:cNvPr id="4" name="Text Placeholder 3">
             <a:extLst>
               <a:ext uri="{FF2B5EF4-FFF2-40B4-BE49-F238E27FC236}">
-                <a16:creationId xmlns:a16="http://schemas.microsoft.com/office/drawing/2014/main" id="{BFCDDAAE-1E26-4C75-9242-35EEE804577C}"/>
+                <a16:creationId xmlns:a16="http://schemas.microsoft.com/office/drawing/2014/main" id="{D149A9D5-BA6E-4C4A-88A0-5BB86958B8E6}"/>
               </a:ext>
             </a:extLst>
           </p:cNvPr>
@@ -2606,8 +3751,8 @@
         </p:nvSpPr>
         <p:spPr>
           <a:xfrm>
-            <a:off x="839788" y="2057400"/>
-            <a:ext cx="3932237" cy="3811588"/>
+            <a:off x="768733" y="3429000"/>
+            <a:ext cx="4556749" cy="2590800"/>
           </a:xfrm>
         </p:spPr>
         <p:txBody>
@@ -2615,7 +3760,14 @@
           <a:lstStyle>
             <a:lvl1pPr marL="0" indent="0">
               <a:buNone/>
-              <a:defRPr sz="1600"/>
+              <a:defRPr lang="en-US" sz="2400" kern="1200" dirty="0">
+                <a:solidFill>
+                  <a:schemeClr val="tx1"/>
+                </a:solidFill>
+                <a:latin typeface="+mn-lt"/>
+                <a:ea typeface="+mn-ea"/>
+                <a:cs typeface="+mn-cs"/>
+              </a:defRPr>
             </a:lvl1pPr>
             <a:lvl2pPr marL="457200" indent="0">
               <a:buNone/>
@@ -2664,7 +3816,7 @@
           <p:cNvPr id="5" name="Date Placeholder 4">
             <a:extLst>
               <a:ext uri="{FF2B5EF4-FFF2-40B4-BE49-F238E27FC236}">
-                <a16:creationId xmlns:a16="http://schemas.microsoft.com/office/drawing/2014/main" id="{40AE7E7A-A3CE-4B82-BCA5-A47E98AAEF19}"/>
+                <a16:creationId xmlns:a16="http://schemas.microsoft.com/office/drawing/2014/main" id="{3756899E-70A1-4EFB-87EC-6C4F3BC0360B}"/>
               </a:ext>
             </a:extLst>
           </p:cNvPr>
@@ -2675,16 +3827,21 @@
             <p:ph type="dt" sz="half" idx="10"/>
           </p:nvPr>
         </p:nvSpPr>
-        <p:spPr/>
+        <p:spPr>
+          <a:xfrm>
+            <a:off x="329184" y="6236208"/>
+            <a:ext cx="3037459" cy="365125"/>
+          </a:xfrm>
+        </p:spPr>
         <p:txBody>
           <a:bodyPr/>
           <a:lstStyle/>
           <a:p>
-            <a:fld id="{A74F8680-04F4-4DDD-847A-CF9BD3F2E951}" type="datetimeFigureOut">
-              <a:rPr lang="en-CA" smtClean="0"/>
-              <a:t>2022-01-26</a:t>
+            <a:fld id="{01AF0C4B-5A4A-45CA-ABEC-10F107160D33}" type="datetime1">
+              <a:rPr lang="en-US" smtClean="0"/>
+              <a:t>5/16/2022</a:t>
             </a:fld>
-            <a:endParaRPr lang="en-CA"/>
+            <a:endParaRPr lang="en-US" dirty="0"/>
           </a:p>
         </p:txBody>
       </p:sp>
@@ -2693,7 +3850,7 @@
           <p:cNvPr id="6" name="Footer Placeholder 5">
             <a:extLst>
               <a:ext uri="{FF2B5EF4-FFF2-40B4-BE49-F238E27FC236}">
-                <a16:creationId xmlns:a16="http://schemas.microsoft.com/office/drawing/2014/main" id="{C150B4E1-E3C4-48CF-9214-D76FF9E79143}"/>
+                <a16:creationId xmlns:a16="http://schemas.microsoft.com/office/drawing/2014/main" id="{5FC34B05-4931-4BC8-BD43-9E6B944B3069}"/>
               </a:ext>
             </a:extLst>
           </p:cNvPr>
@@ -2704,12 +3861,21 @@
             <p:ph type="ftr" sz="quarter" idx="11"/>
           </p:nvPr>
         </p:nvSpPr>
-        <p:spPr/>
+        <p:spPr>
+          <a:xfrm>
+            <a:off x="329184" y="237744"/>
+            <a:ext cx="4114800" cy="365125"/>
+          </a:xfrm>
+        </p:spPr>
         <p:txBody>
           <a:bodyPr/>
-          <a:lstStyle/>
-          <a:p>
-            <a:endParaRPr lang="en-CA"/>
+          <a:lstStyle>
+            <a:lvl1pPr algn="l">
+              <a:defRPr/>
+            </a:lvl1pPr>
+          </a:lstStyle>
+          <a:p>
+            <a:endParaRPr lang="en-US" dirty="0"/>
           </a:p>
         </p:txBody>
       </p:sp>
@@ -2718,7 +3884,7 @@
           <p:cNvPr id="7" name="Slide Number Placeholder 6">
             <a:extLst>
               <a:ext uri="{FF2B5EF4-FFF2-40B4-BE49-F238E27FC236}">
-                <a16:creationId xmlns:a16="http://schemas.microsoft.com/office/drawing/2014/main" id="{AE7E4DF4-3614-4319-BFCD-4613F9E43328}"/>
+                <a16:creationId xmlns:a16="http://schemas.microsoft.com/office/drawing/2014/main" id="{AD4ABE5D-7EA4-4D33-B23E-52E640CBF217}"/>
               </a:ext>
             </a:extLst>
           </p:cNvPr>
@@ -2729,23 +3895,114 @@
             <p:ph type="sldNum" sz="quarter" idx="12"/>
           </p:nvPr>
         </p:nvSpPr>
-        <p:spPr/>
+        <p:spPr>
+          <a:xfrm>
+            <a:off x="11292840" y="237744"/>
+            <a:ext cx="756746" cy="365760"/>
+          </a:xfrm>
+        </p:spPr>
         <p:txBody>
           <a:bodyPr/>
           <a:lstStyle/>
           <a:p>
-            <a:fld id="{D911CD25-C0B3-4B04-AB7D-DCF18088FF08}" type="slidenum">
-              <a:rPr lang="en-CA" smtClean="0"/>
+            <a:fld id="{B4A918BC-4D43-4B42-B3C0-E7EBE25E6AF0}" type="slidenum">
+              <a:rPr lang="en-US" smtClean="0"/>
               <a:t>‹#›</a:t>
             </a:fld>
-            <a:endParaRPr lang="en-CA"/>
-          </a:p>
-        </p:txBody>
-      </p:sp>
+            <a:endParaRPr lang="en-US" dirty="0"/>
+          </a:p>
+        </p:txBody>
+      </p:sp>
+      <p:cxnSp>
+        <p:nvCxnSpPr>
+          <p:cNvPr id="74" name="Straight Connector 73">
+            <a:extLst>
+              <a:ext uri="{FF2B5EF4-FFF2-40B4-BE49-F238E27FC236}">
+                <a16:creationId xmlns:a16="http://schemas.microsoft.com/office/drawing/2014/main" id="{DF0DB5EA-94EC-4DB5-B8E5-B454005C1552}"/>
+              </a:ext>
+            </a:extLst>
+          </p:cNvPr>
+          <p:cNvCxnSpPr>
+            <a:cxnSpLocks/>
+          </p:cNvCxnSpPr>
+          <p:nvPr/>
+        </p:nvCxnSpPr>
+        <p:spPr>
+          <a:xfrm>
+            <a:off x="11668155" y="5641010"/>
+            <a:ext cx="0" cy="599069"/>
+          </a:xfrm>
+          <a:prstGeom prst="line">
+            <a:avLst/>
+          </a:prstGeom>
+          <a:ln w="38100">
+            <a:solidFill>
+              <a:schemeClr val="tx1"/>
+            </a:solidFill>
+          </a:ln>
+        </p:spPr>
+        <p:style>
+          <a:lnRef idx="1">
+            <a:schemeClr val="accent1"/>
+          </a:lnRef>
+          <a:fillRef idx="0">
+            <a:schemeClr val="accent1"/>
+          </a:fillRef>
+          <a:effectRef idx="0">
+            <a:schemeClr val="accent1"/>
+          </a:effectRef>
+          <a:fontRef idx="minor">
+            <a:schemeClr val="tx1"/>
+          </a:fontRef>
+        </p:style>
+      </p:cxnSp>
+      <p:cxnSp>
+        <p:nvCxnSpPr>
+          <p:cNvPr id="16" name="Straight Connector 15">
+            <a:extLst>
+              <a:ext uri="{FF2B5EF4-FFF2-40B4-BE49-F238E27FC236}">
+                <a16:creationId xmlns:a16="http://schemas.microsoft.com/office/drawing/2014/main" id="{2699FF82-B951-46E6-AEA7-0993C867FB6D}"/>
+              </a:ext>
+            </a:extLst>
+          </p:cNvPr>
+          <p:cNvCxnSpPr>
+            <a:cxnSpLocks/>
+          </p:cNvCxnSpPr>
+          <p:nvPr/>
+        </p:nvCxnSpPr>
+        <p:spPr>
+          <a:xfrm>
+            <a:off x="11668155" y="5641010"/>
+            <a:ext cx="0" cy="599069"/>
+          </a:xfrm>
+          <a:prstGeom prst="line">
+            <a:avLst/>
+          </a:prstGeom>
+          <a:ln w="38100">
+            <a:solidFill>
+              <a:schemeClr val="tx1"/>
+            </a:solidFill>
+          </a:ln>
+        </p:spPr>
+        <p:style>
+          <a:lnRef idx="1">
+            <a:schemeClr val="accent1"/>
+          </a:lnRef>
+          <a:fillRef idx="0">
+            <a:schemeClr val="accent1"/>
+          </a:fillRef>
+          <a:effectRef idx="0">
+            <a:schemeClr val="accent1"/>
+          </a:effectRef>
+          <a:fontRef idx="minor">
+            <a:schemeClr val="tx1"/>
+          </a:fontRef>
+        </p:style>
+      </p:cxnSp>
     </p:spTree>
     <p:extLst>
       <p:ext uri="{BB962C8B-B14F-4D97-AF65-F5344CB8AC3E}">
-        <p14:creationId xmlns:p14="http://schemas.microsoft.com/office/powerpoint/2010/main" val="2784378267"/>
+        <p14:creationId xmlns:p14="http://schemas.microsoft.com/office/powerpoint/2010/main" val="2025434951"/>
       </p:ext>
     </p:extLst>
   </p:cSld>
@@ -2777,30 +4034,239 @@
           <a:chExt cx="0" cy="0"/>
         </a:xfrm>
       </p:grpSpPr>
-      <p:sp>
-        <p:nvSpPr>
-          <p:cNvPr id="2" name="Title Placeholder 1">
-            <a:extLst>
-              <a:ext uri="{FF2B5EF4-FFF2-40B4-BE49-F238E27FC236}">
-                <a16:creationId xmlns:a16="http://schemas.microsoft.com/office/drawing/2014/main" id="{DC3AFC5D-92C8-4314-AD87-D76D2749134F}"/>
-              </a:ext>
-            </a:extLst>
-          </p:cNvPr>
-          <p:cNvSpPr>
-            <a:spLocks noGrp="1"/>
-          </p:cNvSpPr>
-          <p:nvPr>
-            <p:ph type="title"/>
-          </p:nvPr>
-        </p:nvSpPr>
-        <p:spPr>
-          <a:xfrm>
-            <a:off x="838200" y="365125"/>
-            <a:ext cx="10515600" cy="1325563"/>
+      <p:sp useBgFill="1">
+        <p:nvSpPr>
+          <p:cNvPr id="9" name="Rectangle 8">
+            <a:extLst>
+              <a:ext uri="{FF2B5EF4-FFF2-40B4-BE49-F238E27FC236}">
+                <a16:creationId xmlns:a16="http://schemas.microsoft.com/office/drawing/2014/main" id="{038E7D36-B1C9-463C-983F-AEA5810A60D0}"/>
+              </a:ext>
+            </a:extLst>
+          </p:cNvPr>
+          <p:cNvSpPr/>
+          <p:nvPr/>
+        </p:nvSpPr>
+        <p:spPr>
+          <a:xfrm>
+            <a:off x="0" y="0"/>
+            <a:ext cx="12188952" cy="6858000"/>
           </a:xfrm>
           <a:prstGeom prst="rect">
             <a:avLst/>
           </a:prstGeom>
+          <a:ln>
+            <a:noFill/>
+          </a:ln>
+        </p:spPr>
+        <p:style>
+          <a:lnRef idx="2">
+            <a:schemeClr val="accent1">
+              <a:shade val="50000"/>
+            </a:schemeClr>
+          </a:lnRef>
+          <a:fillRef idx="1">
+            <a:schemeClr val="accent1"/>
+          </a:fillRef>
+          <a:effectRef idx="0">
+            <a:schemeClr val="accent1"/>
+          </a:effectRef>
+          <a:fontRef idx="minor">
+            <a:schemeClr val="lt1"/>
+          </a:fontRef>
+        </p:style>
+        <p:txBody>
+          <a:bodyPr rtlCol="0" anchor="ctr"/>
+          <a:lstStyle/>
+          <a:p>
+            <a:pPr algn="ctr"/>
+            <a:endParaRPr lang="en-US" dirty="0"/>
+          </a:p>
+        </p:txBody>
+      </p:sp>
+      <p:sp>
+        <p:nvSpPr>
+          <p:cNvPr id="7" name="Rectangle 6">
+            <a:extLst>
+              <a:ext uri="{FF2B5EF4-FFF2-40B4-BE49-F238E27FC236}">
+                <a16:creationId xmlns:a16="http://schemas.microsoft.com/office/drawing/2014/main" id="{37B9A221-B33F-47C2-85FF-2C8F363D797B}"/>
+              </a:ext>
+            </a:extLst>
+          </p:cNvPr>
+          <p:cNvSpPr/>
+          <p:nvPr/>
+        </p:nvSpPr>
+        <p:spPr>
+          <a:xfrm>
+            <a:off x="0" y="0"/>
+            <a:ext cx="12188952" cy="6858000"/>
+          </a:xfrm>
+          <a:prstGeom prst="rect">
+            <a:avLst/>
+          </a:prstGeom>
+          <a:solidFill>
+            <a:schemeClr val="bg2">
+              <a:alpha val="40000"/>
+            </a:schemeClr>
+          </a:solidFill>
+          <a:ln>
+            <a:noFill/>
+          </a:ln>
+        </p:spPr>
+        <p:style>
+          <a:lnRef idx="2">
+            <a:schemeClr val="accent1">
+              <a:shade val="50000"/>
+            </a:schemeClr>
+          </a:lnRef>
+          <a:fillRef idx="1">
+            <a:schemeClr val="accent1"/>
+          </a:fillRef>
+          <a:effectRef idx="0">
+            <a:schemeClr val="accent1"/>
+          </a:effectRef>
+          <a:fontRef idx="minor">
+            <a:schemeClr val="lt1"/>
+          </a:fontRef>
+        </p:style>
+        <p:txBody>
+          <a:bodyPr rtlCol="0" anchor="ctr"/>
+          <a:lstStyle/>
+          <a:p>
+            <a:pPr algn="ctr"/>
+            <a:endParaRPr lang="en-US" dirty="0"/>
+          </a:p>
+        </p:txBody>
+      </p:sp>
+      <p:sp useBgFill="1">
+        <p:nvSpPr>
+          <p:cNvPr id="8" name="Rectangle 7">
+            <a:extLst>
+              <a:ext uri="{FF2B5EF4-FFF2-40B4-BE49-F238E27FC236}">
+                <a16:creationId xmlns:a16="http://schemas.microsoft.com/office/drawing/2014/main" id="{CD0E0EF1-7626-4514-9337-271DD661B1EB}"/>
+              </a:ext>
+            </a:extLst>
+          </p:cNvPr>
+          <p:cNvSpPr/>
+          <p:nvPr/>
+        </p:nvSpPr>
+        <p:spPr>
+          <a:xfrm>
+            <a:off x="0" y="0"/>
+            <a:ext cx="12188952" cy="6858000"/>
+          </a:xfrm>
+          <a:prstGeom prst="rect">
+            <a:avLst/>
+          </a:prstGeom>
+          <a:ln>
+            <a:noFill/>
+          </a:ln>
+          <a:effectLst/>
+        </p:spPr>
+        <p:style>
+          <a:lnRef idx="2">
+            <a:schemeClr val="accent1">
+              <a:shade val="50000"/>
+            </a:schemeClr>
+          </a:lnRef>
+          <a:fillRef idx="1">
+            <a:schemeClr val="accent1"/>
+          </a:fillRef>
+          <a:effectRef idx="0">
+            <a:schemeClr val="accent1"/>
+          </a:effectRef>
+          <a:fontRef idx="minor">
+            <a:schemeClr val="lt1"/>
+          </a:fontRef>
+        </p:style>
+        <p:txBody>
+          <a:bodyPr rtlCol="0" anchor="ctr"/>
+          <a:lstStyle/>
+          <a:p>
+            <a:pPr algn="ctr"/>
+            <a:endParaRPr lang="en-US"/>
+          </a:p>
+        </p:txBody>
+      </p:sp>
+      <p:sp useBgFill="1">
+        <p:nvSpPr>
+          <p:cNvPr id="65" name="Rectangle 64">
+            <a:extLst>
+              <a:ext uri="{FF2B5EF4-FFF2-40B4-BE49-F238E27FC236}">
+                <a16:creationId xmlns:a16="http://schemas.microsoft.com/office/drawing/2014/main" id="{5F0B1492-9A00-4F80-8771-0BB2C2C4353C}"/>
+              </a:ext>
+            </a:extLst>
+          </p:cNvPr>
+          <p:cNvSpPr/>
+          <p:nvPr/>
+        </p:nvSpPr>
+        <p:spPr>
+          <a:xfrm>
+            <a:off x="0" y="-2"/>
+            <a:ext cx="12188952" cy="2544415"/>
+          </a:xfrm>
+          <a:prstGeom prst="rect">
+            <a:avLst/>
+          </a:prstGeom>
+          <a:ln>
+            <a:noFill/>
+          </a:ln>
+          <a:effectLst>
+            <a:outerShdw blurRad="190500" dist="127000" dir="5460000" sx="94000" sy="94000" algn="t" rotWithShape="0">
+              <a:srgbClr val="000000">
+                <a:alpha val="30000"/>
+              </a:srgbClr>
+            </a:outerShdw>
+          </a:effectLst>
+        </p:spPr>
+        <p:style>
+          <a:lnRef idx="2">
+            <a:schemeClr val="accent1">
+              <a:shade val="50000"/>
+            </a:schemeClr>
+          </a:lnRef>
+          <a:fillRef idx="1">
+            <a:schemeClr val="accent1"/>
+          </a:fillRef>
+          <a:effectRef idx="0">
+            <a:schemeClr val="accent1"/>
+          </a:effectRef>
+          <a:fontRef idx="minor">
+            <a:schemeClr val="lt1"/>
+          </a:fontRef>
+        </p:style>
+        <p:txBody>
+          <a:bodyPr rtlCol="0" anchor="ctr"/>
+          <a:lstStyle/>
+          <a:p>
+            <a:pPr algn="ctr"/>
+            <a:endParaRPr lang="en-US" dirty="0"/>
+          </a:p>
+        </p:txBody>
+      </p:sp>
+      <p:sp>
+        <p:nvSpPr>
+          <p:cNvPr id="2" name="Title Placeholder 1">
+            <a:extLst>
+              <a:ext uri="{FF2B5EF4-FFF2-40B4-BE49-F238E27FC236}">
+                <a16:creationId xmlns:a16="http://schemas.microsoft.com/office/drawing/2014/main" id="{0F462805-4F8E-44FE-905C-2C3F1A2B3D44}"/>
+              </a:ext>
+            </a:extLst>
+          </p:cNvPr>
+          <p:cNvSpPr>
+            <a:spLocks noGrp="1"/>
+          </p:cNvSpPr>
+          <p:nvPr>
+            <p:ph type="title"/>
+          </p:nvPr>
+        </p:nvSpPr>
+        <p:spPr>
+          <a:xfrm>
+            <a:off x="761801" y="858982"/>
+            <a:ext cx="10380573" cy="1432273"/>
+          </a:xfrm>
+          <a:prstGeom prst="rect">
+            <a:avLst/>
+          </a:prstGeom>
         </p:spPr>
         <p:txBody>
           <a:bodyPr vert="horz" lIns="91440" tIns="45720" rIns="91440" bIns="45720" rtlCol="0" anchor="ctr">
@@ -2812,7 +4278,7 @@
               <a:rPr lang="en-US"/>
               <a:t>Click to edit Master title style</a:t>
             </a:r>
-            <a:endParaRPr lang="en-CA"/>
+            <a:endParaRPr lang="en-US" dirty="0"/>
           </a:p>
         </p:txBody>
       </p:sp>
@@ -2821,7 +4287,7 @@
           <p:cNvPr id="3" name="Text Placeholder 2">
             <a:extLst>
               <a:ext uri="{FF2B5EF4-FFF2-40B4-BE49-F238E27FC236}">
-                <a16:creationId xmlns:a16="http://schemas.microsoft.com/office/drawing/2014/main" id="{79D6AFF4-6AE4-4B6A-8543-76E9DCD3B204}"/>
+                <a16:creationId xmlns:a16="http://schemas.microsoft.com/office/drawing/2014/main" id="{9345021C-0380-49AA-ADA1-A8B473FBF572}"/>
               </a:ext>
             </a:extLst>
           </p:cNvPr>
@@ -2834,8 +4300,8 @@
         </p:nvSpPr>
         <p:spPr>
           <a:xfrm>
-            <a:off x="838200" y="1825625"/>
-            <a:ext cx="10515600" cy="4351338"/>
+            <a:off x="761799" y="2750126"/>
+            <a:ext cx="10381205" cy="3261789"/>
           </a:xfrm>
           <a:prstGeom prst="rect">
             <a:avLst/>
@@ -2880,7 +4346,7 @@
               <a:rPr lang="en-US"/>
               <a:t>Fifth level</a:t>
             </a:r>
-            <a:endParaRPr lang="en-CA"/>
+            <a:endParaRPr lang="en-US" dirty="0"/>
           </a:p>
         </p:txBody>
       </p:sp>
@@ -2889,7 +4355,7 @@
           <p:cNvPr id="4" name="Date Placeholder 3">
             <a:extLst>
               <a:ext uri="{FF2B5EF4-FFF2-40B4-BE49-F238E27FC236}">
-                <a16:creationId xmlns:a16="http://schemas.microsoft.com/office/drawing/2014/main" id="{33A53B45-6E09-4215-BD62-551C7E062CBE}"/>
+                <a16:creationId xmlns:a16="http://schemas.microsoft.com/office/drawing/2014/main" id="{3B7A2409-F298-40BF-BFAC-65A3E71D29E8}"/>
               </a:ext>
             </a:extLst>
           </p:cNvPr>
@@ -2902,8 +4368,8 @@
         </p:nvSpPr>
         <p:spPr>
           <a:xfrm>
-            <a:off x="838200" y="6356350"/>
-            <a:ext cx="2743200" cy="365125"/>
+            <a:off x="332481" y="6240079"/>
+            <a:ext cx="4114800" cy="365125"/>
           </a:xfrm>
           <a:prstGeom prst="rect">
             <a:avLst/>
@@ -2913,21 +4379,19 @@
           <a:bodyPr vert="horz" lIns="91440" tIns="45720" rIns="91440" bIns="45720" rtlCol="0" anchor="ctr"/>
           <a:lstStyle>
             <a:lvl1pPr algn="l">
-              <a:defRPr sz="1200">
+              <a:defRPr sz="900">
                 <a:solidFill>
-                  <a:schemeClr val="tx1">
-                    <a:tint val="75000"/>
-                  </a:schemeClr>
+                  <a:schemeClr val="tx1"/>
                 </a:solidFill>
               </a:defRPr>
             </a:lvl1pPr>
           </a:lstStyle>
           <a:p>
-            <a:fld id="{A74F8680-04F4-4DDD-847A-CF9BD3F2E951}" type="datetimeFigureOut">
-              <a:rPr lang="en-CA" smtClean="0"/>
-              <a:t>2022-01-26</a:t>
+            <a:fld id="{6989806E-8E94-473C-AEE7-BE6F15F85533}" type="datetime1">
+              <a:rPr lang="en-US" smtClean="0"/>
+              <a:t>5/16/2022</a:t>
             </a:fld>
-            <a:endParaRPr lang="en-CA"/>
+            <a:endParaRPr lang="en-US" dirty="0"/>
           </a:p>
         </p:txBody>
       </p:sp>
@@ -2936,7 +4400,7 @@
           <p:cNvPr id="5" name="Footer Placeholder 4">
             <a:extLst>
               <a:ext uri="{FF2B5EF4-FFF2-40B4-BE49-F238E27FC236}">
-                <a16:creationId xmlns:a16="http://schemas.microsoft.com/office/drawing/2014/main" id="{A33BE698-5534-4DE6-8C1E-66DC46282BB3}"/>
+                <a16:creationId xmlns:a16="http://schemas.microsoft.com/office/drawing/2014/main" id="{CB4799D8-4DBF-4BB2-8D2B-65592ADC9004}"/>
               </a:ext>
             </a:extLst>
           </p:cNvPr>
@@ -2949,7 +4413,7 @@
         </p:nvSpPr>
         <p:spPr>
           <a:xfrm>
-            <a:off x="4038600" y="6356350"/>
+            <a:off x="332481" y="236199"/>
             <a:ext cx="4114800" cy="365125"/>
           </a:xfrm>
           <a:prstGeom prst="rect">
@@ -2959,18 +4423,16 @@
         <p:txBody>
           <a:bodyPr vert="horz" lIns="91440" tIns="45720" rIns="91440" bIns="45720" rtlCol="0" anchor="ctr"/>
           <a:lstStyle>
-            <a:lvl1pPr algn="ctr">
-              <a:defRPr sz="1200">
+            <a:lvl1pPr algn="l">
+              <a:defRPr sz="900">
                 <a:solidFill>
-                  <a:schemeClr val="tx1">
-                    <a:tint val="75000"/>
-                  </a:schemeClr>
+                  <a:schemeClr val="tx1"/>
                 </a:solidFill>
               </a:defRPr>
             </a:lvl1pPr>
           </a:lstStyle>
           <a:p>
-            <a:endParaRPr lang="en-CA"/>
+            <a:endParaRPr lang="en-US" dirty="0"/>
           </a:p>
         </p:txBody>
       </p:sp>
@@ -2979,7 +4441,7 @@
           <p:cNvPr id="6" name="Slide Number Placeholder 5">
             <a:extLst>
               <a:ext uri="{FF2B5EF4-FFF2-40B4-BE49-F238E27FC236}">
-                <a16:creationId xmlns:a16="http://schemas.microsoft.com/office/drawing/2014/main" id="{4FDE4BFC-46E0-4B80-9449-A545530F3E1F}"/>
+                <a16:creationId xmlns:a16="http://schemas.microsoft.com/office/drawing/2014/main" id="{F9F99666-11C3-48A1-966C-439EBF9D9A01}"/>
               </a:ext>
             </a:extLst>
           </p:cNvPr>
@@ -2992,8 +4454,8 @@
         </p:nvSpPr>
         <p:spPr>
           <a:xfrm>
-            <a:off x="8610600" y="6356350"/>
-            <a:ext cx="2743200" cy="365125"/>
+            <a:off x="11289782" y="235881"/>
+            <a:ext cx="756746" cy="365760"/>
           </a:xfrm>
           <a:prstGeom prst="rect">
             <a:avLst/>
@@ -3002,51 +4464,140 @@
         <p:txBody>
           <a:bodyPr vert="horz" lIns="91440" tIns="45720" rIns="91440" bIns="45720" rtlCol="0" anchor="ctr"/>
           <a:lstStyle>
-            <a:lvl1pPr algn="r">
-              <a:defRPr sz="1200">
+            <a:lvl1pPr algn="ctr">
+              <a:defRPr lang="en-US" sz="1400" b="1" kern="1200" smtClean="0">
                 <a:solidFill>
-                  <a:schemeClr val="tx1">
-                    <a:tint val="75000"/>
-                  </a:schemeClr>
+                  <a:schemeClr val="tx1"/>
                 </a:solidFill>
+                <a:latin typeface="Bierstadt" panose="020B0504020202020204" pitchFamily="34" charset="0"/>
+                <a:ea typeface="+mn-ea"/>
+                <a:cs typeface="+mn-cs"/>
               </a:defRPr>
             </a:lvl1pPr>
           </a:lstStyle>
           <a:p>
-            <a:fld id="{D911CD25-C0B3-4B04-AB7D-DCF18088FF08}" type="slidenum">
-              <a:rPr lang="en-CA" smtClean="0"/>
+            <a:fld id="{B4A918BC-4D43-4B42-B3C0-E7EBE25E6AF0}" type="slidenum">
+              <a:rPr lang="en-US" smtClean="0"/>
+              <a:pPr/>
               <a:t>‹#›</a:t>
             </a:fld>
-            <a:endParaRPr lang="en-CA"/>
-          </a:p>
-        </p:txBody>
-      </p:sp>
+            <a:endParaRPr lang="en-US" dirty="0"/>
+          </a:p>
+        </p:txBody>
+      </p:sp>
+      <p:cxnSp>
+        <p:nvCxnSpPr>
+          <p:cNvPr id="119" name="Straight Connector 118">
+            <a:extLst>
+              <a:ext uri="{FF2B5EF4-FFF2-40B4-BE49-F238E27FC236}">
+                <a16:creationId xmlns:a16="http://schemas.microsoft.com/office/drawing/2014/main" id="{7FAC7B62-8ACC-41ED-80AB-8D1CDF38B9E4}"/>
+              </a:ext>
+            </a:extLst>
+          </p:cNvPr>
+          <p:cNvCxnSpPr>
+            <a:cxnSpLocks/>
+          </p:cNvCxnSpPr>
+          <p:nvPr/>
+        </p:nvCxnSpPr>
+        <p:spPr>
+          <a:xfrm>
+            <a:off x="11668155" y="5641010"/>
+            <a:ext cx="0" cy="599069"/>
+          </a:xfrm>
+          <a:prstGeom prst="line">
+            <a:avLst/>
+          </a:prstGeom>
+          <a:ln w="38100">
+            <a:solidFill>
+              <a:schemeClr val="tx1"/>
+            </a:solidFill>
+          </a:ln>
+        </p:spPr>
+        <p:style>
+          <a:lnRef idx="1">
+            <a:schemeClr val="accent1"/>
+          </a:lnRef>
+          <a:fillRef idx="0">
+            <a:schemeClr val="accent1"/>
+          </a:fillRef>
+          <a:effectRef idx="0">
+            <a:schemeClr val="accent1"/>
+          </a:effectRef>
+          <a:fontRef idx="minor">
+            <a:schemeClr val="tx1"/>
+          </a:fontRef>
+        </p:style>
+      </p:cxnSp>
+      <p:cxnSp>
+        <p:nvCxnSpPr>
+          <p:cNvPr id="11" name="Straight Connector 10">
+            <a:extLst>
+              <a:ext uri="{FF2B5EF4-FFF2-40B4-BE49-F238E27FC236}">
+                <a16:creationId xmlns:a16="http://schemas.microsoft.com/office/drawing/2014/main" id="{945FF525-9A83-4625-99D9-B267BDE077E7}"/>
+              </a:ext>
+            </a:extLst>
+          </p:cNvPr>
+          <p:cNvCxnSpPr>
+            <a:cxnSpLocks/>
+          </p:cNvCxnSpPr>
+          <p:nvPr/>
+        </p:nvCxnSpPr>
+        <p:spPr>
+          <a:xfrm>
+            <a:off x="11668155" y="5641010"/>
+            <a:ext cx="0" cy="599069"/>
+          </a:xfrm>
+          <a:prstGeom prst="line">
+            <a:avLst/>
+          </a:prstGeom>
+          <a:ln w="38100">
+            <a:solidFill>
+              <a:schemeClr val="tx1"/>
+            </a:solidFill>
+          </a:ln>
+        </p:spPr>
+        <p:style>
+          <a:lnRef idx="1">
+            <a:schemeClr val="accent1"/>
+          </a:lnRef>
+          <a:fillRef idx="0">
+            <a:schemeClr val="accent1"/>
+          </a:fillRef>
+          <a:effectRef idx="0">
+            <a:schemeClr val="accent1"/>
+          </a:effectRef>
+          <a:fontRef idx="minor">
+            <a:schemeClr val="tx1"/>
+          </a:fontRef>
+        </p:style>
+      </p:cxnSp>
     </p:spTree>
     <p:extLst>
       <p:ext uri="{BB962C8B-B14F-4D97-AF65-F5344CB8AC3E}">
-        <p14:creationId xmlns:p14="http://schemas.microsoft.com/office/powerpoint/2010/main" val="3543165837"/>
+        <p14:creationId xmlns:p14="http://schemas.microsoft.com/office/powerpoint/2010/main" val="1692987530"/>
       </p:ext>
     </p:extLst>
   </p:cSld>
   <p:clrMap bg1="lt1" tx1="dk1" bg2="lt2" tx2="dk2" accent1="accent1" accent2="accent2" accent3="accent3" accent4="accent4" accent5="accent5" accent6="accent6" hlink="hlink" folHlink="folHlink"/>
   <p:sldLayoutIdLst>
-    <p:sldLayoutId id="2147483649" r:id="rId1"/>
-    <p:sldLayoutId id="2147483650" r:id="rId2"/>
-    <p:sldLayoutId id="2147483651" r:id="rId3"/>
-    <p:sldLayoutId id="2147483652" r:id="rId4"/>
-    <p:sldLayoutId id="2147483653" r:id="rId5"/>
-    <p:sldLayoutId id="2147483654" r:id="rId6"/>
-    <p:sldLayoutId id="2147483655" r:id="rId7"/>
-    <p:sldLayoutId id="2147483656" r:id="rId8"/>
-    <p:sldLayoutId id="2147483657" r:id="rId9"/>
-    <p:sldLayoutId id="2147483658" r:id="rId10"/>
-    <p:sldLayoutId id="2147483659" r:id="rId11"/>
+    <p:sldLayoutId id="2147483671" r:id="rId1"/>
+    <p:sldLayoutId id="2147483670" r:id="rId2"/>
+    <p:sldLayoutId id="2147483669" r:id="rId3"/>
+    <p:sldLayoutId id="2147483668" r:id="rId4"/>
+    <p:sldLayoutId id="2147483667" r:id="rId5"/>
+    <p:sldLayoutId id="2147483666" r:id="rId6"/>
+    <p:sldLayoutId id="2147483665" r:id="rId7"/>
+    <p:sldLayoutId id="2147483664" r:id="rId8"/>
+    <p:sldLayoutId id="2147483663" r:id="rId9"/>
+    <p:sldLayoutId id="2147483662" r:id="rId10"/>
+    <p:sldLayoutId id="2147483661" r:id="rId11"/>
   </p:sldLayoutIdLst>
+  <p:hf sldNum="0" hdr="0" ftr="0" dt="0"/>
   <p:txStyles>
     <p:titleStyle>
       <a:lvl1pPr algn="l" defTabSz="914400" rtl="0" eaLnBrk="1" latinLnBrk="0" hangingPunct="1">
         <a:lnSpc>
-          <a:spcPct val="90000"/>
+          <a:spcPct val="100000"/>
         </a:lnSpc>
         <a:spcBef>
           <a:spcPct val="0"/>
@@ -3063,16 +4614,16 @@
       </a:lvl1pPr>
     </p:titleStyle>
     <p:bodyStyle>
-      <a:lvl1pPr marL="228600" indent="-228600" algn="l" defTabSz="914400" rtl="0" eaLnBrk="1" latinLnBrk="0" hangingPunct="1">
+      <a:lvl1pPr marL="0" indent="0" algn="l" defTabSz="914400" rtl="0" eaLnBrk="1" latinLnBrk="0" hangingPunct="1">
         <a:lnSpc>
-          <a:spcPct val="90000"/>
+          <a:spcPct val="110000"/>
         </a:lnSpc>
         <a:spcBef>
           <a:spcPts val="1000"/>
         </a:spcBef>
         <a:buFont typeface="Arial" panose="020B0604020202020204" pitchFamily="34" charset="0"/>
-        <a:buChar char="•"/>
-        <a:defRPr sz="2800" kern="1200">
+        <a:buNone/>
+        <a:defRPr sz="2200" kern="1200">
           <a:solidFill>
             <a:schemeClr val="tx1"/>
           </a:solidFill>
@@ -3081,16 +4632,16 @@
           <a:cs typeface="+mn-cs"/>
         </a:defRPr>
       </a:lvl1pPr>
-      <a:lvl2pPr marL="685800" indent="-228600" algn="l" defTabSz="914400" rtl="0" eaLnBrk="1" latinLnBrk="0" hangingPunct="1">
+      <a:lvl2pPr marL="228600" indent="0" algn="l" defTabSz="914400" rtl="0" eaLnBrk="1" latinLnBrk="0" hangingPunct="1">
         <a:lnSpc>
-          <a:spcPct val="90000"/>
+          <a:spcPct val="110000"/>
         </a:lnSpc>
         <a:spcBef>
           <a:spcPts val="500"/>
         </a:spcBef>
         <a:buFont typeface="Arial" panose="020B0604020202020204" pitchFamily="34" charset="0"/>
-        <a:buChar char="•"/>
-        <a:defRPr sz="2400" kern="1200">
+        <a:buNone/>
+        <a:defRPr sz="2000" kern="1200">
           <a:solidFill>
             <a:schemeClr val="tx1"/>
           </a:solidFill>
@@ -3099,16 +4650,16 @@
           <a:cs typeface="+mn-cs"/>
         </a:defRPr>
       </a:lvl2pPr>
-      <a:lvl3pPr marL="1143000" indent="-228600" algn="l" defTabSz="914400" rtl="0" eaLnBrk="1" latinLnBrk="0" hangingPunct="1">
+      <a:lvl3pPr marL="457200" indent="0" algn="l" defTabSz="914400" rtl="0" eaLnBrk="1" latinLnBrk="0" hangingPunct="1">
         <a:lnSpc>
-          <a:spcPct val="90000"/>
+          <a:spcPct val="110000"/>
         </a:lnSpc>
         <a:spcBef>
           <a:spcPts val="500"/>
         </a:spcBef>
         <a:buFont typeface="Arial" panose="020B0604020202020204" pitchFamily="34" charset="0"/>
-        <a:buChar char="•"/>
-        <a:defRPr sz="2000" kern="1200">
+        <a:buNone/>
+        <a:defRPr sz="1800" kern="1200">
           <a:solidFill>
             <a:schemeClr val="tx1"/>
           </a:solidFill>
@@ -3117,16 +4668,16 @@
           <a:cs typeface="+mn-cs"/>
         </a:defRPr>
       </a:lvl3pPr>
-      <a:lvl4pPr marL="1600200" indent="-228600" algn="l" defTabSz="914400" rtl="0" eaLnBrk="1" latinLnBrk="0" hangingPunct="1">
+      <a:lvl4pPr marL="685800" indent="0" algn="l" defTabSz="914400" rtl="0" eaLnBrk="1" latinLnBrk="0" hangingPunct="1">
         <a:lnSpc>
-          <a:spcPct val="90000"/>
+          <a:spcPct val="110000"/>
         </a:lnSpc>
         <a:spcBef>
           <a:spcPts val="500"/>
         </a:spcBef>
         <a:buFont typeface="Arial" panose="020B0604020202020204" pitchFamily="34" charset="0"/>
-        <a:buChar char="•"/>
-        <a:defRPr sz="1800" kern="1200">
+        <a:buNone/>
+        <a:defRPr sz="1600" kern="1200">
           <a:solidFill>
             <a:schemeClr val="tx1"/>
           </a:solidFill>
@@ -3135,16 +4686,16 @@
           <a:cs typeface="+mn-cs"/>
         </a:defRPr>
       </a:lvl4pPr>
-      <a:lvl5pPr marL="2057400" indent="-228600" algn="l" defTabSz="914400" rtl="0" eaLnBrk="1" latinLnBrk="0" hangingPunct="1">
+      <a:lvl5pPr marL="914400" indent="0" algn="l" defTabSz="914400" rtl="0" eaLnBrk="1" latinLnBrk="0" hangingPunct="1">
         <a:lnSpc>
-          <a:spcPct val="90000"/>
+          <a:spcPct val="110000"/>
         </a:lnSpc>
         <a:spcBef>
           <a:spcPts val="500"/>
         </a:spcBef>
         <a:buFont typeface="Arial" panose="020B0604020202020204" pitchFamily="34" charset="0"/>
-        <a:buChar char="•"/>
-        <a:defRPr sz="1800" kern="1200">
+        <a:buNone/>
+        <a:defRPr sz="1600" kern="1200">
           <a:solidFill>
             <a:schemeClr val="tx1"/>
           </a:solidFill>
@@ -3350,6 +4901,350 @@
           <a:chExt cx="0" cy="0"/>
         </a:xfrm>
       </p:grpSpPr>
+      <p:sp useBgFill="1">
+        <p:nvSpPr>
+          <p:cNvPr id="17" name="Rectangle 16">
+            <a:extLst>
+              <a:ext uri="{FF2B5EF4-FFF2-40B4-BE49-F238E27FC236}">
+                <a16:creationId xmlns:a16="http://schemas.microsoft.com/office/drawing/2014/main" id="{39E0238D-E295-49BE-9BFE-E9189D69ED3A}"/>
+              </a:ext>
+              <a:ext uri="{C183D7F6-B498-43B3-948B-1728B52AA6E4}">
+                <adec:decorative xmlns:adec="http://schemas.microsoft.com/office/drawing/2017/decorative" val="1"/>
+              </a:ext>
+            </a:extLst>
+          </p:cNvPr>
+          <p:cNvSpPr>
+            <a:spLocks noGrp="1" noRot="1" noChangeAspect="1" noMove="1" noResize="1" noEditPoints="1" noAdjustHandles="1" noChangeArrowheads="1" noChangeShapeType="1" noTextEdit="1"/>
+          </p:cNvSpPr>
+          <p:nvPr>
+            <p:extLst>
+              <p:ext uri="{386F3935-93C4-4BCD-93E2-E3B085C9AB24}">
+                <p16:designElem xmlns:p16="http://schemas.microsoft.com/office/powerpoint/2015/main" val="1"/>
+              </p:ext>
+            </p:extLst>
+          </p:nvPr>
+        </p:nvSpPr>
+        <p:spPr>
+          <a:xfrm>
+            <a:off x="0" y="0"/>
+            <a:ext cx="12192000" cy="6858000"/>
+          </a:xfrm>
+          <a:prstGeom prst="rect">
+            <a:avLst/>
+          </a:prstGeom>
+          <a:ln>
+            <a:noFill/>
+          </a:ln>
+        </p:spPr>
+        <p:style>
+          <a:lnRef idx="2">
+            <a:schemeClr val="accent1">
+              <a:shade val="50000"/>
+            </a:schemeClr>
+          </a:lnRef>
+          <a:fillRef idx="1">
+            <a:schemeClr val="accent1"/>
+          </a:fillRef>
+          <a:effectRef idx="0">
+            <a:schemeClr val="accent1"/>
+          </a:effectRef>
+          <a:fontRef idx="minor">
+            <a:schemeClr val="lt1"/>
+          </a:fontRef>
+        </p:style>
+        <p:txBody>
+          <a:bodyPr rtlCol="0" anchor="ctr"/>
+          <a:lstStyle/>
+          <a:p>
+            <a:pPr algn="ctr"/>
+            <a:endParaRPr lang="en-US"/>
+          </a:p>
+        </p:txBody>
+      </p:sp>
+      <p:sp>
+        <p:nvSpPr>
+          <p:cNvPr id="19" name="Rectangle 18">
+            <a:extLst>
+              <a:ext uri="{FF2B5EF4-FFF2-40B4-BE49-F238E27FC236}">
+                <a16:creationId xmlns:a16="http://schemas.microsoft.com/office/drawing/2014/main" id="{D85E9A4A-0183-4A3C-B68E-A229278915E2}"/>
+              </a:ext>
+              <a:ext uri="{C183D7F6-B498-43B3-948B-1728B52AA6E4}">
+                <adec:decorative xmlns:adec="http://schemas.microsoft.com/office/drawing/2017/decorative" val="1"/>
+              </a:ext>
+            </a:extLst>
+          </p:cNvPr>
+          <p:cNvSpPr>
+            <a:spLocks noGrp="1" noRot="1" noChangeAspect="1" noMove="1" noResize="1" noEditPoints="1" noAdjustHandles="1" noChangeArrowheads="1" noChangeShapeType="1" noTextEdit="1"/>
+          </p:cNvSpPr>
+          <p:nvPr>
+            <p:extLst>
+              <p:ext uri="{386F3935-93C4-4BCD-93E2-E3B085C9AB24}">
+                <p16:designElem xmlns:p16="http://schemas.microsoft.com/office/powerpoint/2015/main" val="1"/>
+              </p:ext>
+            </p:extLst>
+          </p:nvPr>
+        </p:nvSpPr>
+        <p:spPr>
+          <a:xfrm>
+            <a:off x="0" y="-1"/>
+            <a:ext cx="6095999" cy="6858000"/>
+          </a:xfrm>
+          <a:prstGeom prst="rect">
+            <a:avLst/>
+          </a:prstGeom>
+          <a:solidFill>
+            <a:schemeClr val="bg2">
+              <a:lumMod val="90000"/>
+              <a:alpha val="40000"/>
+            </a:schemeClr>
+          </a:solidFill>
+          <a:ln>
+            <a:noFill/>
+          </a:ln>
+        </p:spPr>
+        <p:style>
+          <a:lnRef idx="2">
+            <a:schemeClr val="accent1">
+              <a:shade val="50000"/>
+            </a:schemeClr>
+          </a:lnRef>
+          <a:fillRef idx="1">
+            <a:schemeClr val="accent1"/>
+          </a:fillRef>
+          <a:effectRef idx="0">
+            <a:schemeClr val="accent1"/>
+          </a:effectRef>
+          <a:fontRef idx="minor">
+            <a:schemeClr val="lt1"/>
+          </a:fontRef>
+        </p:style>
+        <p:txBody>
+          <a:bodyPr rtlCol="0" anchor="ctr"/>
+          <a:lstStyle/>
+          <a:p>
+            <a:pPr algn="ctr"/>
+            <a:endParaRPr lang="en-US" dirty="0"/>
+          </a:p>
+        </p:txBody>
+      </p:sp>
+      <p:sp useBgFill="1">
+        <p:nvSpPr>
+          <p:cNvPr id="21" name="Rectangle 20">
+            <a:extLst>
+              <a:ext uri="{FF2B5EF4-FFF2-40B4-BE49-F238E27FC236}">
+                <a16:creationId xmlns:a16="http://schemas.microsoft.com/office/drawing/2014/main" id="{13A48C6C-3CC4-4EE5-A773-EC1EB7F59CD4}"/>
+              </a:ext>
+              <a:ext uri="{C183D7F6-B498-43B3-948B-1728B52AA6E4}">
+                <adec:decorative xmlns:adec="http://schemas.microsoft.com/office/drawing/2017/decorative" val="1"/>
+              </a:ext>
+            </a:extLst>
+          </p:cNvPr>
+          <p:cNvSpPr>
+            <a:spLocks noGrp="1" noRot="1" noChangeAspect="1" noMove="1" noResize="1" noEditPoints="1" noAdjustHandles="1" noChangeArrowheads="1" noChangeShapeType="1" noTextEdit="1"/>
+          </p:cNvSpPr>
+          <p:nvPr>
+            <p:extLst>
+              <p:ext uri="{386F3935-93C4-4BCD-93E2-E3B085C9AB24}">
+                <p16:designElem xmlns:p16="http://schemas.microsoft.com/office/powerpoint/2015/main" val="1"/>
+              </p:ext>
+            </p:extLst>
+          </p:nvPr>
+        </p:nvSpPr>
+        <p:spPr>
+          <a:xfrm>
+            <a:off x="6096000" y="0"/>
+            <a:ext cx="6096000" cy="6858000"/>
+          </a:xfrm>
+          <a:prstGeom prst="rect">
+            <a:avLst/>
+          </a:prstGeom>
+          <a:ln>
+            <a:noFill/>
+          </a:ln>
+          <a:effectLst>
+            <a:outerShdw blurRad="596900" dist="330200" dir="8820000" sx="87000" sy="87000" algn="t" rotWithShape="0">
+              <a:srgbClr val="000000">
+                <a:alpha val="26667"/>
+              </a:srgbClr>
+            </a:outerShdw>
+          </a:effectLst>
+        </p:spPr>
+        <p:style>
+          <a:lnRef idx="2">
+            <a:schemeClr val="accent1">
+              <a:shade val="50000"/>
+            </a:schemeClr>
+          </a:lnRef>
+          <a:fillRef idx="1">
+            <a:schemeClr val="accent1"/>
+          </a:fillRef>
+          <a:effectRef idx="0">
+            <a:schemeClr val="accent1"/>
+          </a:effectRef>
+          <a:fontRef idx="minor">
+            <a:schemeClr val="lt1"/>
+          </a:fontRef>
+        </p:style>
+        <p:txBody>
+          <a:bodyPr rtlCol="0" anchor="ctr"/>
+          <a:lstStyle/>
+          <a:p>
+            <a:pPr algn="ctr"/>
+            <a:endParaRPr lang="en-US"/>
+          </a:p>
+        </p:txBody>
+      </p:sp>
+      <p:sp>
+        <p:nvSpPr>
+          <p:cNvPr id="2" name="Title 1">
+            <a:extLst>
+              <a:ext uri="{FF2B5EF4-FFF2-40B4-BE49-F238E27FC236}">
+                <a16:creationId xmlns:a16="http://schemas.microsoft.com/office/drawing/2014/main" id="{51BB7658-F3BB-488D-8EDA-6AFB70E58B34}"/>
+              </a:ext>
+            </a:extLst>
+          </p:cNvPr>
+          <p:cNvSpPr>
+            <a:spLocks noGrp="1"/>
+          </p:cNvSpPr>
+          <p:nvPr>
+            <p:ph type="ctrTitle"/>
+          </p:nvPr>
+        </p:nvSpPr>
+        <p:spPr>
+          <a:xfrm>
+            <a:off x="6580233" y="2579129"/>
+            <a:ext cx="4709550" cy="3433149"/>
+          </a:xfrm>
+        </p:spPr>
+        <p:txBody>
+          <a:bodyPr anchor="ctr">
+            <a:normAutofit/>
+          </a:bodyPr>
+          <a:lstStyle/>
+          <a:p>
+            <a:pPr>
+              <a:lnSpc>
+                <a:spcPct val="90000"/>
+              </a:lnSpc>
+            </a:pPr>
+            <a:r>
+              <a:rPr lang="en-US" sz="3700" dirty="0"/>
+              <a:t>Center for Geospace Storms (CGS): Transforming the Understanding and Predictability of Space Weather</a:t>
+            </a:r>
+            <a:endParaRPr lang="en-CA" sz="3700" dirty="0"/>
+          </a:p>
+        </p:txBody>
+      </p:sp>
+      <p:sp useBgFill="1">
+        <p:nvSpPr>
+          <p:cNvPr id="23" name="Rectangle 22">
+            <a:extLst>
+              <a:ext uri="{FF2B5EF4-FFF2-40B4-BE49-F238E27FC236}">
+                <a16:creationId xmlns:a16="http://schemas.microsoft.com/office/drawing/2014/main" id="{F489C2E0-4895-4B72-85EA-7EE9FAFFDC7E}"/>
+              </a:ext>
+              <a:ext uri="{C183D7F6-B498-43B3-948B-1728B52AA6E4}">
+                <adec:decorative xmlns:adec="http://schemas.microsoft.com/office/drawing/2017/decorative" val="1"/>
+              </a:ext>
+            </a:extLst>
+          </p:cNvPr>
+          <p:cNvSpPr>
+            <a:spLocks noGrp="1" noRot="1" noChangeAspect="1" noMove="1" noResize="1" noEditPoints="1" noAdjustHandles="1" noChangeArrowheads="1" noChangeShapeType="1" noTextEdit="1"/>
+          </p:cNvSpPr>
+          <p:nvPr>
+            <p:extLst>
+              <p:ext uri="{386F3935-93C4-4BCD-93E2-E3B085C9AB24}">
+                <p16:designElem xmlns:p16="http://schemas.microsoft.com/office/powerpoint/2015/main" val="1"/>
+              </p:ext>
+            </p:extLst>
+          </p:nvPr>
+        </p:nvSpPr>
+        <p:spPr>
+          <a:xfrm>
+            <a:off x="6095999" y="0"/>
+            <a:ext cx="6096000" cy="1874237"/>
+          </a:xfrm>
+          <a:prstGeom prst="rect">
+            <a:avLst/>
+          </a:prstGeom>
+          <a:ln>
+            <a:noFill/>
+          </a:ln>
+          <a:effectLst>
+            <a:outerShdw blurRad="254000" dist="127000" dir="5460000" sx="90000" sy="90000" algn="t" rotWithShape="0">
+              <a:srgbClr val="000000">
+                <a:alpha val="30000"/>
+              </a:srgbClr>
+            </a:outerShdw>
+          </a:effectLst>
+        </p:spPr>
+        <p:style>
+          <a:lnRef idx="2">
+            <a:schemeClr val="accent1">
+              <a:shade val="50000"/>
+            </a:schemeClr>
+          </a:lnRef>
+          <a:fillRef idx="1">
+            <a:schemeClr val="accent1"/>
+          </a:fillRef>
+          <a:effectRef idx="0">
+            <a:schemeClr val="accent1"/>
+          </a:effectRef>
+          <a:fontRef idx="minor">
+            <a:schemeClr val="lt1"/>
+          </a:fontRef>
+        </p:style>
+        <p:txBody>
+          <a:bodyPr rtlCol="0" anchor="ctr"/>
+          <a:lstStyle/>
+          <a:p>
+            <a:pPr algn="ctr"/>
+            <a:endParaRPr lang="en-US" dirty="0"/>
+          </a:p>
+        </p:txBody>
+      </p:sp>
+      <p:sp>
+        <p:nvSpPr>
+          <p:cNvPr id="3" name="Subtitle 2">
+            <a:extLst>
+              <a:ext uri="{FF2B5EF4-FFF2-40B4-BE49-F238E27FC236}">
+                <a16:creationId xmlns:a16="http://schemas.microsoft.com/office/drawing/2014/main" id="{523AFD09-2723-45B1-A2BE-30C507081E74}"/>
+              </a:ext>
+            </a:extLst>
+          </p:cNvPr>
+          <p:cNvSpPr>
+            <a:spLocks noGrp="1"/>
+          </p:cNvSpPr>
+          <p:nvPr>
+            <p:ph type="subTitle" idx="1"/>
+          </p:nvPr>
+        </p:nvSpPr>
+        <p:spPr>
+          <a:xfrm>
+            <a:off x="6584796" y="293427"/>
+            <a:ext cx="4452371" cy="1392072"/>
+          </a:xfrm>
+        </p:spPr>
+        <p:txBody>
+          <a:bodyPr anchor="b">
+            <a:normAutofit/>
+          </a:bodyPr>
+          <a:lstStyle/>
+          <a:p>
+            <a:r>
+              <a:rPr lang="en-CA" dirty="0"/>
+              <a:t>Slava Merkin, Kareem </a:t>
+            </a:r>
+            <a:r>
+              <a:rPr lang="en-CA" dirty="0" err="1"/>
+              <a:t>Sorathia</a:t>
+            </a:r>
+            <a:r>
+              <a:rPr lang="en-CA" dirty="0"/>
+              <a:t>, Dong Lin, Shanshan Bao, Adam Michael</a:t>
+            </a:r>
+          </a:p>
+        </p:txBody>
+      </p:sp>
       <p:pic>
         <p:nvPicPr>
           <p:cNvPr id="5" name="Picture 4" descr="A planet in space&#10;&#10;Description automatically generated with low confidence">
@@ -3372,34 +5267,34 @@
               </a:ext>
             </a:extLst>
           </a:blip>
-          <a:srcRect l="3" t="34401" r="-4" b="22146"/>
+          <a:srcRect t="2717" b="10376"/>
           <a:stretch/>
         </p:blipFill>
         <p:spPr>
           <a:xfrm>
-            <a:off x="20" y="0"/>
-            <a:ext cx="12191980" cy="6857990"/>
+            <a:off x="20" y="-1"/>
+            <a:ext cx="6095978" cy="6857999"/>
           </a:xfrm>
           <a:prstGeom prst="rect">
             <a:avLst/>
           </a:prstGeom>
         </p:spPr>
       </p:pic>
-      <p:sp>
-        <p:nvSpPr>
-          <p:cNvPr id="10" name="Freeform 5">
-            <a:extLst>
-              <a:ext uri="{FF2B5EF4-FFF2-40B4-BE49-F238E27FC236}">
-                <a16:creationId xmlns:a16="http://schemas.microsoft.com/office/drawing/2014/main" id="{87CC2527-562A-4F69-B487-4371E5B243E7}"/>
+      <p:cxnSp>
+        <p:nvCxnSpPr>
+          <p:cNvPr id="25" name="Straight Connector 24">
+            <a:extLst>
+              <a:ext uri="{FF2B5EF4-FFF2-40B4-BE49-F238E27FC236}">
+                <a16:creationId xmlns:a16="http://schemas.microsoft.com/office/drawing/2014/main" id="{872DAFA4-5D2E-4391-AD38-B26F579F40C5}"/>
               </a:ext>
               <a:ext uri="{C183D7F6-B498-43B3-948B-1728B52AA6E4}">
                 <adec:decorative xmlns:adec="http://schemas.microsoft.com/office/drawing/2017/decorative" val="1"/>
               </a:ext>
             </a:extLst>
           </p:cNvPr>
-          <p:cNvSpPr>
-            <a:spLocks noGrp="1" noRot="1" noChangeAspect="1" noMove="1" noResize="1" noEditPoints="1" noAdjustHandles="1" noChangeArrowheads="1" noChangeShapeType="1" noTextEdit="1"/>
-          </p:cNvSpPr>
+          <p:cNvCxnSpPr>
+            <a:cxnSpLocks noGrp="1" noRot="1" noChangeAspect="1" noMove="1" noResize="1" noEditPoints="1" noAdjustHandles="1" noChangeArrowheads="1" noChangeShapeType="1"/>
+          </p:cNvCxnSpPr>
           <p:nvPr>
             <p:extLst>
               <p:ext uri="{386F3935-93C4-4BCD-93E2-E3B085C9AB24}">
@@ -3407,235 +5302,19 @@
               </p:ext>
             </p:extLst>
           </p:nvPr>
-        </p:nvSpPr>
-        <p:spPr bwMode="grayWhite">
-          <a:xfrm>
-            <a:off x="7488621" y="2277613"/>
-            <a:ext cx="4703379" cy="4580387"/>
-          </a:xfrm>
-          <a:custGeom>
-            <a:avLst/>
-            <a:gdLst>
-              <a:gd name="T0" fmla="*/ 1333 w 1333"/>
-              <a:gd name="T1" fmla="*/ 1031 h 1298"/>
-              <a:gd name="T2" fmla="*/ 1333 w 1333"/>
-              <a:gd name="T3" fmla="*/ 380 h 1298"/>
-              <a:gd name="T4" fmla="*/ 706 w 1333"/>
-              <a:gd name="T5" fmla="*/ 0 h 1298"/>
-              <a:gd name="T6" fmla="*/ 0 w 1333"/>
-              <a:gd name="T7" fmla="*/ 706 h 1298"/>
-              <a:gd name="T8" fmla="*/ 323 w 1333"/>
-              <a:gd name="T9" fmla="*/ 1298 h 1298"/>
-              <a:gd name="T10" fmla="*/ 1090 w 1333"/>
-              <a:gd name="T11" fmla="*/ 1298 h 1298"/>
-              <a:gd name="T12" fmla="*/ 1333 w 1333"/>
-              <a:gd name="T13" fmla="*/ 1031 h 1298"/>
-            </a:gdLst>
-            <a:ahLst/>
-            <a:cxnLst>
-              <a:cxn ang="0">
-                <a:pos x="T0" y="T1"/>
-              </a:cxn>
-              <a:cxn ang="0">
-                <a:pos x="T2" y="T3"/>
-              </a:cxn>
-              <a:cxn ang="0">
-                <a:pos x="T4" y="T5"/>
-              </a:cxn>
-              <a:cxn ang="0">
-                <a:pos x="T6" y="T7"/>
-              </a:cxn>
-              <a:cxn ang="0">
-                <a:pos x="T8" y="T9"/>
-              </a:cxn>
-              <a:cxn ang="0">
-                <a:pos x="T10" y="T11"/>
-              </a:cxn>
-              <a:cxn ang="0">
-                <a:pos x="T12" y="T13"/>
-              </a:cxn>
-            </a:cxnLst>
-            <a:rect l="0" t="0" r="r" b="b"/>
-            <a:pathLst>
-              <a:path w="1333" h="1298">
-                <a:moveTo>
-                  <a:pt x="1333" y="1031"/>
-                </a:moveTo>
-                <a:cubicBezTo>
-                  <a:pt x="1333" y="380"/>
-                  <a:pt x="1333" y="380"/>
-                  <a:pt x="1333" y="380"/>
-                </a:cubicBezTo>
-                <a:cubicBezTo>
-                  <a:pt x="1215" y="154"/>
-                  <a:pt x="979" y="0"/>
-                  <a:pt x="706" y="0"/>
-                </a:cubicBezTo>
-                <a:cubicBezTo>
-                  <a:pt x="317" y="0"/>
-                  <a:pt x="0" y="316"/>
-                  <a:pt x="0" y="706"/>
-                </a:cubicBezTo>
-                <a:cubicBezTo>
-                  <a:pt x="0" y="954"/>
-                  <a:pt x="129" y="1172"/>
-                  <a:pt x="323" y="1298"/>
-                </a:cubicBezTo>
-                <a:cubicBezTo>
-                  <a:pt x="1090" y="1298"/>
-                  <a:pt x="1090" y="1298"/>
-                  <a:pt x="1090" y="1298"/>
-                </a:cubicBezTo>
-                <a:cubicBezTo>
-                  <a:pt x="1193" y="1232"/>
-                  <a:pt x="1276" y="1140"/>
-                  <a:pt x="1333" y="1031"/>
-                </a:cubicBezTo>
-                <a:close/>
-              </a:path>
-            </a:pathLst>
-          </a:custGeom>
-          <a:solidFill>
-            <a:schemeClr val="bg1">
-              <a:alpha val="70000"/>
-            </a:schemeClr>
-          </a:solidFill>
-          <a:ln w="50800" cap="sq" cmpd="dbl">
-            <a:noFill/>
-            <a:miter lim="800000"/>
-          </a:ln>
-          <a:effectLst/>
-        </p:spPr>
-        <p:txBody>
-          <a:bodyPr vert="horz" lIns="91440" tIns="45720" rIns="91440" bIns="45720" rtlCol="0" anchor="t">
-            <a:normAutofit/>
-          </a:bodyPr>
-          <a:lstStyle/>
-          <a:p>
-            <a:pPr algn="ctr">
-              <a:spcAft>
-                <a:spcPts val="1000"/>
-              </a:spcAft>
-              <a:buClr>
-                <a:schemeClr val="tx1"/>
-              </a:buClr>
-              <a:buSzPct val="100000"/>
-              <a:buFont typeface="Arial"/>
-              <a:buNone/>
-            </a:pPr>
-            <a:endParaRPr lang="en-US" sz="1600" cap="all"/>
-          </a:p>
-        </p:txBody>
-      </p:sp>
-      <p:sp>
-        <p:nvSpPr>
-          <p:cNvPr id="2" name="Title 1">
-            <a:extLst>
-              <a:ext uri="{FF2B5EF4-FFF2-40B4-BE49-F238E27FC236}">
-                <a16:creationId xmlns:a16="http://schemas.microsoft.com/office/drawing/2014/main" id="{51BB7658-F3BB-488D-8EDA-6AFB70E58B34}"/>
-              </a:ext>
-            </a:extLst>
-          </p:cNvPr>
-          <p:cNvSpPr>
-            <a:spLocks noGrp="1"/>
-          </p:cNvSpPr>
-          <p:nvPr>
-            <p:ph type="ctrTitle"/>
-          </p:nvPr>
-        </p:nvSpPr>
-        <p:spPr>
-          <a:xfrm>
-            <a:off x="8022021" y="3231931"/>
-            <a:ext cx="3852041" cy="1834056"/>
-          </a:xfrm>
-        </p:spPr>
-        <p:txBody>
-          <a:bodyPr>
-            <a:normAutofit fontScale="90000"/>
-          </a:bodyPr>
-          <a:lstStyle/>
-          <a:p>
-            <a:r>
-              <a:rPr lang="en-CA" sz="5400" dirty="0"/>
-              <a:t>George Clark and Bin Zhang</a:t>
-            </a:r>
-          </a:p>
-        </p:txBody>
-      </p:sp>
-      <p:sp>
-        <p:nvSpPr>
-          <p:cNvPr id="3" name="Subtitle 2">
-            <a:extLst>
-              <a:ext uri="{FF2B5EF4-FFF2-40B4-BE49-F238E27FC236}">
-                <a16:creationId xmlns:a16="http://schemas.microsoft.com/office/drawing/2014/main" id="{523AFD09-2723-45B1-A2BE-30C507081E74}"/>
-              </a:ext>
-            </a:extLst>
-          </p:cNvPr>
-          <p:cNvSpPr>
-            <a:spLocks noGrp="1"/>
-          </p:cNvSpPr>
-          <p:nvPr>
-            <p:ph type="subTitle" idx="1"/>
-          </p:nvPr>
-        </p:nvSpPr>
-        <p:spPr>
-          <a:xfrm>
-            <a:off x="7782910" y="5242675"/>
-            <a:ext cx="4330262" cy="1147492"/>
-          </a:xfrm>
-        </p:spPr>
-        <p:txBody>
-          <a:bodyPr>
-            <a:normAutofit/>
-          </a:bodyPr>
-          <a:lstStyle/>
-          <a:p>
-            <a:r>
-              <a:rPr lang="en-CA" sz="3200" dirty="0"/>
-              <a:t>Particle Radiation in the Jovian Magnetosphere</a:t>
-            </a:r>
-          </a:p>
-        </p:txBody>
-      </p:sp>
-      <p:cxnSp>
-        <p:nvCxnSpPr>
-          <p:cNvPr id="12" name="Straight Connector 11">
-            <a:extLst>
-              <a:ext uri="{FF2B5EF4-FFF2-40B4-BE49-F238E27FC236}">
-                <a16:creationId xmlns:a16="http://schemas.microsoft.com/office/drawing/2014/main" id="{BCDAEC91-5BCE-4B55-9CC0-43EF94CB734B}"/>
-              </a:ext>
-              <a:ext uri="{C183D7F6-B498-43B3-948B-1728B52AA6E4}">
-                <adec:decorative xmlns:adec="http://schemas.microsoft.com/office/drawing/2017/decorative" val="1"/>
-              </a:ext>
-            </a:extLst>
-          </p:cNvPr>
-          <p:cNvCxnSpPr>
-            <a:cxnSpLocks noGrp="1" noRot="1" noChangeAspect="1" noMove="1" noResize="1" noEditPoints="1" noAdjustHandles="1" noChangeArrowheads="1" noChangeShapeType="1"/>
-          </p:cNvCxnSpPr>
-          <p:nvPr>
-            <p:extLst>
-              <p:ext uri="{386F3935-93C4-4BCD-93E2-E3B085C9AB24}">
-                <p16:designElem xmlns:p16="http://schemas.microsoft.com/office/powerpoint/2015/main" val="1"/>
-              </p:ext>
-            </p:extLst>
-          </p:nvPr>
         </p:nvCxnSpPr>
         <p:spPr>
           <a:xfrm>
-            <a:off x="9480331" y="5123793"/>
-            <a:ext cx="935420" cy="0"/>
+            <a:off x="11668155" y="985882"/>
+            <a:ext cx="0" cy="599069"/>
           </a:xfrm>
           <a:prstGeom prst="line">
             <a:avLst/>
           </a:prstGeom>
-          <a:ln w="25400" cap="sq">
+          <a:ln w="38100">
             <a:solidFill>
-              <a:schemeClr val="tx1">
-                <a:lumMod val="85000"/>
-                <a:lumOff val="15000"/>
-              </a:schemeClr>
+              <a:schemeClr val="tx1"/>
             </a:solidFill>
-            <a:bevel/>
           </a:ln>
         </p:spPr>
         <p:style>
@@ -3663,154 +5342,199 @@
   <p:clrMapOvr>
     <a:masterClrMapping/>
   </p:clrMapOvr>
+  <p:timing>
+    <p:tnLst>
+      <p:par>
+        <p:cTn id="1" dur="indefinite" restart="never" nodeType="tmRoot">
+          <p:childTnLst>
+            <p:seq concurrent="1" nextAc="seek">
+              <p:cTn id="2" dur="indefinite" nodeType="mainSeq">
+                <p:childTnLst>
+                  <p:par>
+                    <p:cTn id="3" fill="hold">
+                      <p:stCondLst>
+                        <p:cond delay="indefinite"/>
+                        <p:cond evt="onBegin" delay="0">
+                          <p:tn val="2"/>
+                        </p:cond>
+                      </p:stCondLst>
+                      <p:childTnLst>
+                        <p:par>
+                          <p:cTn id="4" fill="hold">
+                            <p:stCondLst>
+                              <p:cond delay="0"/>
+                            </p:stCondLst>
+                            <p:childTnLst>
+                              <p:par>
+                                <p:cTn id="5" presetID="10" presetClass="entr" presetSubtype="0" fill="hold" grpId="0" nodeType="withEffect">
+                                  <p:stCondLst>
+                                    <p:cond delay="2000"/>
+                                  </p:stCondLst>
+                                  <p:iterate type="lt">
+                                    <p:tmPct val="10000"/>
+                                  </p:iterate>
+                                  <p:childTnLst>
+                                    <p:set>
+                                      <p:cBhvr>
+                                        <p:cTn id="6" dur="1" fill="hold">
+                                          <p:stCondLst>
+                                            <p:cond delay="0"/>
+                                          </p:stCondLst>
+                                        </p:cTn>
+                                        <p:tgtEl>
+                                          <p:spTgt spid="3">
+                                            <p:txEl>
+                                              <p:pRg st="0" end="0"/>
+                                            </p:txEl>
+                                          </p:spTgt>
+                                        </p:tgtEl>
+                                        <p:attrNameLst>
+                                          <p:attrName>style.visibility</p:attrName>
+                                        </p:attrNameLst>
+                                      </p:cBhvr>
+                                      <p:to>
+                                        <p:strVal val="visible"/>
+                                      </p:to>
+                                    </p:set>
+                                    <p:animEffect transition="in" filter="fade">
+                                      <p:cBhvr>
+                                        <p:cTn id="7" dur="400"/>
+                                        <p:tgtEl>
+                                          <p:spTgt spid="3">
+                                            <p:txEl>
+                                              <p:pRg st="0" end="0"/>
+                                            </p:txEl>
+                                          </p:spTgt>
+                                        </p:tgtEl>
+                                      </p:cBhvr>
+                                    </p:animEffect>
+                                  </p:childTnLst>
+                                </p:cTn>
+                              </p:par>
+                              <p:par>
+                                <p:cTn id="8" presetID="10" presetClass="entr" presetSubtype="0" fill="hold" grpId="0" nodeType="withEffect">
+                                  <p:stCondLst>
+                                    <p:cond delay="1000"/>
+                                  </p:stCondLst>
+                                  <p:iterate type="lt">
+                                    <p:tmPct val="10000"/>
+                                  </p:iterate>
+                                  <p:childTnLst>
+                                    <p:set>
+                                      <p:cBhvr>
+                                        <p:cTn id="9" dur="1" fill="hold">
+                                          <p:stCondLst>
+                                            <p:cond delay="0"/>
+                                          </p:stCondLst>
+                                        </p:cTn>
+                                        <p:tgtEl>
+                                          <p:spTgt spid="2"/>
+                                        </p:tgtEl>
+                                        <p:attrNameLst>
+                                          <p:attrName>style.visibility</p:attrName>
+                                        </p:attrNameLst>
+                                      </p:cBhvr>
+                                      <p:to>
+                                        <p:strVal val="visible"/>
+                                      </p:to>
+                                    </p:set>
+                                    <p:animEffect transition="in" filter="fade">
+                                      <p:cBhvr>
+                                        <p:cTn id="10" dur="400"/>
+                                        <p:tgtEl>
+                                          <p:spTgt spid="2"/>
+                                        </p:tgtEl>
+                                      </p:cBhvr>
+                                    </p:animEffect>
+                                  </p:childTnLst>
+                                </p:cTn>
+                              </p:par>
+                            </p:childTnLst>
+                          </p:cTn>
+                        </p:par>
+                      </p:childTnLst>
+                    </p:cTn>
+                  </p:par>
+                </p:childTnLst>
+              </p:cTn>
+              <p:prevCondLst>
+                <p:cond evt="onPrev" delay="0">
+                  <p:tgtEl>
+                    <p:sldTgt/>
+                  </p:tgtEl>
+                </p:cond>
+              </p:prevCondLst>
+              <p:nextCondLst>
+                <p:cond evt="onNext" delay="0">
+                  <p:tgtEl>
+                    <p:sldTgt/>
+                  </p:tgtEl>
+                </p:cond>
+              </p:nextCondLst>
+            </p:seq>
+          </p:childTnLst>
+        </p:cTn>
+      </p:par>
+    </p:tnLst>
+    <p:bldLst>
+      <p:bldP spid="2" grpId="0"/>
+      <p:bldP spid="3" grpId="0" build="p"/>
+    </p:bldLst>
+  </p:timing>
 </p:sld>
 </file>
 
 <file path=ppt/theme/theme1.xml><?xml version="1.0" encoding="utf-8"?>
-<a:theme xmlns:a="http://schemas.openxmlformats.org/drawingml/2006/main" name="Office Theme">
+<a:theme xmlns:a="http://schemas.openxmlformats.org/drawingml/2006/main" name="BevelVTI">
   <a:themeElements>
-    <a:clrScheme name="Office">
+    <a:clrScheme name="Custom 148">
       <a:dk1>
-        <a:sysClr val="windowText" lastClr="000000"/>
+        <a:srgbClr val="262626"/>
       </a:dk1>
       <a:lt1>
         <a:sysClr val="window" lastClr="FFFFFF"/>
       </a:lt1>
       <a:dk2>
-        <a:srgbClr val="44546A"/>
+        <a:srgbClr val="2F333D"/>
       </a:dk2>
       <a:lt2>
-        <a:srgbClr val="E7E6E6"/>
+        <a:srgbClr val="ECF0F0"/>
       </a:lt2>
       <a:accent1>
-        <a:srgbClr val="4472C4"/>
+        <a:srgbClr val="00BAC8"/>
       </a:accent1>
       <a:accent2>
-        <a:srgbClr val="ED7D31"/>
+        <a:srgbClr val="794DFF"/>
       </a:accent2>
       <a:accent3>
-        <a:srgbClr val="A5A5A5"/>
+        <a:srgbClr val="00D17D"/>
       </a:accent3>
       <a:accent4>
-        <a:srgbClr val="FFC000"/>
+        <a:srgbClr val="E69500"/>
       </a:accent4>
       <a:accent5>
-        <a:srgbClr val="5B9BD5"/>
+        <a:srgbClr val="FE5D21"/>
       </a:accent5>
       <a:accent6>
-        <a:srgbClr val="70AD47"/>
+        <a:srgbClr val="404040"/>
       </a:accent6>
       <a:hlink>
-        <a:srgbClr val="0563C1"/>
+        <a:srgbClr val="3E8FF1"/>
       </a:hlink>
       <a:folHlink>
-        <a:srgbClr val="954F72"/>
+        <a:srgbClr val="939393"/>
       </a:folHlink>
     </a:clrScheme>
-    <a:fontScheme name="Office">
+    <a:fontScheme name="Custom 53">
       <a:majorFont>
-        <a:latin typeface="Calibri Light" panose="020F0302020204030204"/>
+        <a:latin typeface="Bierstadt"/>
         <a:ea typeface=""/>
         <a:cs typeface=""/>
-        <a:font script="Jpan" typeface="游ゴシック Light"/>
-        <a:font script="Hang" typeface="맑은 고딕"/>
-        <a:font script="Hans" typeface="等线 Light"/>
-        <a:font script="Hant" typeface="新細明體"/>
-        <a:font script="Arab" typeface="Times New Roman"/>
-        <a:font script="Hebr" typeface="Times New Roman"/>
-        <a:font script="Thai" typeface="Angsana New"/>
-        <a:font script="Ethi" typeface="Nyala"/>
-        <a:font script="Beng" typeface="Vrinda"/>
-        <a:font script="Gujr" typeface="Shruti"/>
-        <a:font script="Khmr" typeface="MoolBoran"/>
-        <a:font script="Knda" typeface="Tunga"/>
-        <a:font script="Guru" typeface="Raavi"/>
-        <a:font script="Cans" typeface="Euphemia"/>
-        <a:font script="Cher" typeface="Plantagenet Cherokee"/>
-        <a:font script="Yiii" typeface="Microsoft Yi Baiti"/>
-        <a:font script="Tibt" typeface="Microsoft Himalaya"/>
-        <a:font script="Thaa" typeface="MV Boli"/>
-        <a:font script="Deva" typeface="Mangal"/>
-        <a:font script="Telu" typeface="Gautami"/>
-        <a:font script="Taml" typeface="Latha"/>
-        <a:font script="Syrc" typeface="Estrangelo Edessa"/>
-        <a:font script="Orya" typeface="Kalinga"/>
-        <a:font script="Mlym" typeface="Kartika"/>
-        <a:font script="Laoo" typeface="DokChampa"/>
-        <a:font script="Sinh" typeface="Iskoola Pota"/>
-        <a:font script="Mong" typeface="Mongolian Baiti"/>
-        <a:font script="Viet" typeface="Times New Roman"/>
-        <a:font script="Uigh" typeface="Microsoft Uighur"/>
-        <a:font script="Geor" typeface="Sylfaen"/>
-        <a:font script="Armn" typeface="Arial"/>
-        <a:font script="Bugi" typeface="Leelawadee UI"/>
-        <a:font script="Bopo" typeface="Microsoft JhengHei"/>
-        <a:font script="Java" typeface="Javanese Text"/>
-        <a:font script="Lisu" typeface="Segoe UI"/>
-        <a:font script="Mymr" typeface="Myanmar Text"/>
-        <a:font script="Nkoo" typeface="Ebrima"/>
-        <a:font script="Olck" typeface="Nirmala UI"/>
-        <a:font script="Osma" typeface="Ebrima"/>
-        <a:font script="Phag" typeface="Phagspa"/>
-        <a:font script="Syrn" typeface="Estrangelo Edessa"/>
-        <a:font script="Syrj" typeface="Estrangelo Edessa"/>
-        <a:font script="Syre" typeface="Estrangelo Edessa"/>
-        <a:font script="Sora" typeface="Nirmala UI"/>
-        <a:font script="Tale" typeface="Microsoft Tai Le"/>
-        <a:font script="Talu" typeface="Microsoft New Tai Lue"/>
-        <a:font script="Tfng" typeface="Ebrima"/>
       </a:majorFont>
       <a:minorFont>
-        <a:latin typeface="Calibri" panose="020F0502020204030204"/>
+        <a:latin typeface="Bierstadt"/>
         <a:ea typeface=""/>
         <a:cs typeface=""/>
-        <a:font script="Jpan" typeface="游ゴシック"/>
-        <a:font script="Hang" typeface="맑은 고딕"/>
-        <a:font script="Hans" typeface="等线"/>
-        <a:font script="Hant" typeface="新細明體"/>
-        <a:font script="Arab" typeface="Arial"/>
-        <a:font script="Hebr" typeface="Arial"/>
-        <a:font script="Thai" typeface="Cordia New"/>
-        <a:font script="Ethi" typeface="Nyala"/>
-        <a:font script="Beng" typeface="Vrinda"/>
-        <a:font script="Gujr" typeface="Shruti"/>
-        <a:font script="Khmr" typeface="DaunPenh"/>
-        <a:font script="Knda" typeface="Tunga"/>
-        <a:font script="Guru" typeface="Raavi"/>
-        <a:font script="Cans" typeface="Euphemia"/>
-        <a:font script="Cher" typeface="Plantagenet Cherokee"/>
-        <a:font script="Yiii" typeface="Microsoft Yi Baiti"/>
-        <a:font script="Tibt" typeface="Microsoft Himalaya"/>
-        <a:font script="Thaa" typeface="MV Boli"/>
-        <a:font script="Deva" typeface="Mangal"/>
-        <a:font script="Telu" typeface="Gautami"/>
-        <a:font script="Taml" typeface="Latha"/>
-        <a:font script="Syrc" typeface="Estrangelo Edessa"/>
-        <a:font script="Orya" typeface="Kalinga"/>
-        <a:font script="Mlym" typeface="Kartika"/>
-        <a:font script="Laoo" typeface="DokChampa"/>
-        <a:font script="Sinh" typeface="Iskoola Pota"/>
-        <a:font script="Mong" typeface="Mongolian Baiti"/>
-        <a:font script="Viet" typeface="Arial"/>
-        <a:font script="Uigh" typeface="Microsoft Uighur"/>
-        <a:font script="Geor" typeface="Sylfaen"/>
-        <a:font script="Armn" typeface="Arial"/>
-        <a:font script="Bugi" typeface="Leelawadee UI"/>
-        <a:font script="Bopo" typeface="Microsoft JhengHei"/>
-        <a:font script="Java" typeface="Javanese Text"/>
-        <a:font script="Lisu" typeface="Segoe UI"/>
-        <a:font script="Mymr" typeface="Myanmar Text"/>
-        <a:font script="Nkoo" typeface="Ebrima"/>
-        <a:font script="Olck" typeface="Nirmala UI"/>
-        <a:font script="Osma" typeface="Ebrima"/>
-        <a:font script="Phag" typeface="Phagspa"/>
-        <a:font script="Syrn" typeface="Estrangelo Edessa"/>
-        <a:font script="Syrj" typeface="Estrangelo Edessa"/>
-        <a:font script="Syre" typeface="Estrangelo Edessa"/>
-        <a:font script="Sora" typeface="Nirmala UI"/>
-        <a:font script="Tale" typeface="Microsoft Tai Le"/>
-        <a:font script="Talu" typeface="Microsoft New Tai Lue"/>
-        <a:font script="Tfng" typeface="Ebrima"/>
       </a:minorFont>
     </a:fontScheme>
     <a:fmtScheme name="Office">
@@ -3955,7 +5679,7 @@
   <a:extraClrSchemeLst/>
   <a:extLst>
     <a:ext uri="{05A4C25C-085E-4340-85A3-A5531E510DB2}">
-      <thm15:themeFamily xmlns:thm15="http://schemas.microsoft.com/office/thememl/2012/main" name="Office Theme" id="{62F939B6-93AF-4DB8-9C6B-D6C7DFDC589F}" vid="{4A3C46E8-61CC-4603-A589-7422A47A8E4A}"/>
+      <thm15:themeFamily xmlns:thm15="http://schemas.microsoft.com/office/thememl/2012/main" name="BevelVTI" id="{C9E5F598-602B-46C1-AA16-073CEB959654}" vid="{2AE1FD39-65AD-4D34-93E9-C7019D0ECBAC}"/>
     </a:ext>
   </a:extLst>
 </a:theme>

--- a/RBSP.pptx
+++ b/RBSP.pptx
@@ -369,7 +369,7 @@
           <a:p>
             <a:fld id="{3341EE12-F28E-4B03-A404-A8FCAE0F6316}" type="datetime1">
               <a:rPr lang="en-US" smtClean="0"/>
-              <a:t>5/16/2022</a:t>
+              <a:t>10/25/2022</a:t>
             </a:fld>
             <a:endParaRPr lang="en-US" dirty="0"/>
           </a:p>
@@ -654,7 +654,7 @@
           <a:p>
             <a:fld id="{B68B8189-0D9C-48A6-9FA3-862227B094CE}" type="datetime1">
               <a:rPr lang="en-US" smtClean="0"/>
-              <a:t>5/16/2022</a:t>
+              <a:t>10/25/2022</a:t>
             </a:fld>
             <a:endParaRPr lang="en-US"/>
           </a:p>
@@ -1018,7 +1018,7 @@
           <a:p>
             <a:fld id="{26ADDCAE-6443-42C3-9C19-F95985500186}" type="datetime1">
               <a:rPr lang="en-US" smtClean="0"/>
-              <a:t>5/16/2022</a:t>
+              <a:t>10/25/2022</a:t>
             </a:fld>
             <a:endParaRPr lang="en-US" dirty="0"/>
           </a:p>
@@ -1280,7 +1280,7 @@
           <a:p>
             <a:fld id="{1962799E-EB8E-4038-8063-81BB57C732D4}" type="datetime1">
               <a:rPr lang="en-US" smtClean="0"/>
-              <a:t>5/16/2022</a:t>
+              <a:t>10/25/2022</a:t>
             </a:fld>
             <a:endParaRPr lang="en-US"/>
           </a:p>
@@ -1710,7 +1710,7 @@
           <a:p>
             <a:fld id="{217A73C3-B243-44D3-809D-EF8FDFBD85D4}" type="datetime1">
               <a:rPr lang="en-US" smtClean="0"/>
-              <a:t>5/16/2022</a:t>
+              <a:t>10/25/2022</a:t>
             </a:fld>
             <a:endParaRPr lang="en-US" dirty="0"/>
           </a:p>
@@ -2041,7 +2041,7 @@
           <a:p>
             <a:fld id="{C9B6D3E3-28E2-4380-A113-67698215C5F8}" type="datetime1">
               <a:rPr lang="en-US" smtClean="0"/>
-              <a:t>5/16/2022</a:t>
+              <a:t>10/25/2022</a:t>
             </a:fld>
             <a:endParaRPr lang="en-US" dirty="0"/>
           </a:p>
@@ -2474,7 +2474,7 @@
           <a:p>
             <a:fld id="{A9EFCB61-04AD-47C9-BF79-2BD8B9CEC07A}" type="datetime1">
               <a:rPr lang="en-US" smtClean="0"/>
-              <a:t>5/16/2022</a:t>
+              <a:t>10/25/2022</a:t>
             </a:fld>
             <a:endParaRPr lang="en-US" dirty="0"/>
           </a:p>
@@ -2626,7 +2626,7 @@
           <a:p>
             <a:fld id="{A4535E0C-D585-492F-8146-7493F4086301}" type="datetime1">
               <a:rPr lang="en-US" smtClean="0"/>
-              <a:t>5/16/2022</a:t>
+              <a:t>10/25/2022</a:t>
             </a:fld>
             <a:endParaRPr lang="en-US"/>
           </a:p>
@@ -2789,7 +2789,7 @@
           <a:p>
             <a:fld id="{8CE48390-48B5-49AB-B019-A7C8FB8C31F6}" type="datetime1">
               <a:rPr lang="en-US" smtClean="0"/>
-              <a:t>5/16/2022</a:t>
+              <a:t>10/25/2022</a:t>
             </a:fld>
             <a:endParaRPr lang="en-US"/>
           </a:p>
@@ -3318,7 +3318,7 @@
           <a:p>
             <a:fld id="{962E767E-8A14-4E70-91B9-2101CBC4D7BD}" type="datetime1">
               <a:rPr lang="en-US" smtClean="0"/>
-              <a:t>5/16/2022</a:t>
+              <a:t>10/25/2022</a:t>
             </a:fld>
             <a:endParaRPr lang="en-US" dirty="0"/>
           </a:p>
@@ -3839,7 +3839,7 @@
           <a:p>
             <a:fld id="{01AF0C4B-5A4A-45CA-ABEC-10F107160D33}" type="datetime1">
               <a:rPr lang="en-US" smtClean="0"/>
-              <a:t>5/16/2022</a:t>
+              <a:t>10/25/2022</a:t>
             </a:fld>
             <a:endParaRPr lang="en-US" dirty="0"/>
           </a:p>
@@ -4389,7 +4389,7 @@
           <a:p>
             <a:fld id="{6989806E-8E94-473C-AEE7-BE6F15F85533}" type="datetime1">
               <a:rPr lang="en-US" smtClean="0"/>
-              <a:t>5/16/2022</a:t>
+              <a:t>10/25/2022</a:t>
             </a:fld>
             <a:endParaRPr lang="en-US" dirty="0"/>
           </a:p>
@@ -5112,13 +5112,13 @@
         </p:nvSpPr>
         <p:spPr>
           <a:xfrm>
-            <a:off x="6580233" y="2579129"/>
-            <a:ext cx="4709550" cy="3433149"/>
+            <a:off x="6580232" y="2097741"/>
+            <a:ext cx="5333861" cy="3914537"/>
           </a:xfrm>
         </p:spPr>
         <p:txBody>
           <a:bodyPr anchor="ctr">
-            <a:normAutofit/>
+            <a:noAutofit/>
           </a:bodyPr>
           <a:lstStyle/>
           <a:p>
@@ -5128,10 +5128,42 @@
               </a:lnSpc>
             </a:pPr>
             <a:r>
-              <a:rPr lang="en-US" sz="3700" dirty="0"/>
-              <a:t>Center for Geospace Storms (CGS): Transforming the Understanding and Predictability of Space Weather</a:t>
-            </a:r>
-            <a:endParaRPr lang="en-CA" sz="3700" dirty="0"/>
+              <a:rPr lang="en-US" sz="3200" dirty="0"/>
+              <a:t>Matina Gkioulidou:</a:t>
+            </a:r>
+            <a:br>
+              <a:rPr lang="en-US" sz="3200" dirty="0"/>
+            </a:br>
+            <a:r>
+              <a:rPr lang="en-US" sz="3200" dirty="0"/>
+              <a:t>Observing the Global Geospace in Mesoscale Resolution</a:t>
+            </a:r>
+            <a:br>
+              <a:rPr lang="en-US" sz="3200" dirty="0"/>
+            </a:br>
+            <a:br>
+              <a:rPr lang="en-US" sz="3200" dirty="0"/>
+            </a:br>
+            <a:r>
+              <a:rPr lang="en-US" sz="3200" dirty="0"/>
+              <a:t>Anthony </a:t>
+            </a:r>
+            <a:r>
+              <a:rPr lang="en-US" sz="3200" dirty="0" err="1"/>
+              <a:t>Sciola</a:t>
+            </a:r>
+            <a:r>
+              <a:rPr lang="en-US" sz="3200" dirty="0"/>
+              <a:t>:</a:t>
+            </a:r>
+            <a:br>
+              <a:rPr lang="en-US" sz="3200" dirty="0"/>
+            </a:br>
+            <a:r>
+              <a:rPr lang="en-US" sz="3200" dirty="0"/>
+              <a:t>Build-up of the Storm-Time Ring Current via Mesoscale Plasma Sheet Flows</a:t>
+            </a:r>
+            <a:endParaRPr lang="en-CA" sz="2400" dirty="0"/>
           </a:p>
         </p:txBody>
       </p:sp>
@@ -5220,28 +5252,21 @@
         </p:nvSpPr>
         <p:spPr>
           <a:xfrm>
-            <a:off x="6584796" y="293427"/>
-            <a:ext cx="4452371" cy="1392072"/>
+            <a:off x="6584796" y="143435"/>
+            <a:ext cx="4934850" cy="1542064"/>
           </a:xfrm>
         </p:spPr>
         <p:txBody>
           <a:bodyPr anchor="b">
-            <a:normAutofit/>
+            <a:noAutofit/>
           </a:bodyPr>
           <a:lstStyle/>
           <a:p>
             <a:r>
-              <a:rPr lang="en-CA" dirty="0"/>
-              <a:t>Slava Merkin, Kareem </a:t>
-            </a:r>
-            <a:r>
-              <a:rPr lang="en-CA" dirty="0" err="1"/>
-              <a:t>Sorathia</a:t>
-            </a:r>
-            <a:r>
-              <a:rPr lang="en-CA" dirty="0"/>
-              <a:t>, Dong Lin, Shanshan Bao, Adam Michael</a:t>
-            </a:r>
+              <a:rPr lang="en-US" sz="3200" b="1" dirty="0"/>
+              <a:t>Spacecraft Exploration and Physics Modeling of the Earth’s Ring Current</a:t>
+            </a:r>
+            <a:endParaRPr lang="en-CA" sz="3200" b="1" dirty="0"/>
           </a:p>
         </p:txBody>
       </p:sp>

--- a/RBSP.pptx
+++ b/RBSP.pptx
@@ -369,7 +369,7 @@
           <a:p>
             <a:fld id="{3341EE12-F28E-4B03-A404-A8FCAE0F6316}" type="datetime1">
               <a:rPr lang="en-US" smtClean="0"/>
-              <a:t>10/25/2022</a:t>
+              <a:t>1/18/2023</a:t>
             </a:fld>
             <a:endParaRPr lang="en-US" dirty="0"/>
           </a:p>
@@ -654,7 +654,7 @@
           <a:p>
             <a:fld id="{B68B8189-0D9C-48A6-9FA3-862227B094CE}" type="datetime1">
               <a:rPr lang="en-US" smtClean="0"/>
-              <a:t>10/25/2022</a:t>
+              <a:t>1/18/2023</a:t>
             </a:fld>
             <a:endParaRPr lang="en-US"/>
           </a:p>
@@ -1018,7 +1018,7 @@
           <a:p>
             <a:fld id="{26ADDCAE-6443-42C3-9C19-F95985500186}" type="datetime1">
               <a:rPr lang="en-US" smtClean="0"/>
-              <a:t>10/25/2022</a:t>
+              <a:t>1/18/2023</a:t>
             </a:fld>
             <a:endParaRPr lang="en-US" dirty="0"/>
           </a:p>
@@ -1280,7 +1280,7 @@
           <a:p>
             <a:fld id="{1962799E-EB8E-4038-8063-81BB57C732D4}" type="datetime1">
               <a:rPr lang="en-US" smtClean="0"/>
-              <a:t>10/25/2022</a:t>
+              <a:t>1/18/2023</a:t>
             </a:fld>
             <a:endParaRPr lang="en-US"/>
           </a:p>
@@ -1710,7 +1710,7 @@
           <a:p>
             <a:fld id="{217A73C3-B243-44D3-809D-EF8FDFBD85D4}" type="datetime1">
               <a:rPr lang="en-US" smtClean="0"/>
-              <a:t>10/25/2022</a:t>
+              <a:t>1/18/2023</a:t>
             </a:fld>
             <a:endParaRPr lang="en-US" dirty="0"/>
           </a:p>
@@ -2041,7 +2041,7 @@
           <a:p>
             <a:fld id="{C9B6D3E3-28E2-4380-A113-67698215C5F8}" type="datetime1">
               <a:rPr lang="en-US" smtClean="0"/>
-              <a:t>10/25/2022</a:t>
+              <a:t>1/18/2023</a:t>
             </a:fld>
             <a:endParaRPr lang="en-US" dirty="0"/>
           </a:p>
@@ -2474,7 +2474,7 @@
           <a:p>
             <a:fld id="{A9EFCB61-04AD-47C9-BF79-2BD8B9CEC07A}" type="datetime1">
               <a:rPr lang="en-US" smtClean="0"/>
-              <a:t>10/25/2022</a:t>
+              <a:t>1/18/2023</a:t>
             </a:fld>
             <a:endParaRPr lang="en-US" dirty="0"/>
           </a:p>
@@ -2626,7 +2626,7 @@
           <a:p>
             <a:fld id="{A4535E0C-D585-492F-8146-7493F4086301}" type="datetime1">
               <a:rPr lang="en-US" smtClean="0"/>
-              <a:t>10/25/2022</a:t>
+              <a:t>1/18/2023</a:t>
             </a:fld>
             <a:endParaRPr lang="en-US"/>
           </a:p>
@@ -2789,7 +2789,7 @@
           <a:p>
             <a:fld id="{8CE48390-48B5-49AB-B019-A7C8FB8C31F6}" type="datetime1">
               <a:rPr lang="en-US" smtClean="0"/>
-              <a:t>10/25/2022</a:t>
+              <a:t>1/18/2023</a:t>
             </a:fld>
             <a:endParaRPr lang="en-US"/>
           </a:p>
@@ -3318,7 +3318,7 @@
           <a:p>
             <a:fld id="{962E767E-8A14-4E70-91B9-2101CBC4D7BD}" type="datetime1">
               <a:rPr lang="en-US" smtClean="0"/>
-              <a:t>10/25/2022</a:t>
+              <a:t>1/18/2023</a:t>
             </a:fld>
             <a:endParaRPr lang="en-US" dirty="0"/>
           </a:p>
@@ -3839,7 +3839,7 @@
           <a:p>
             <a:fld id="{01AF0C4B-5A4A-45CA-ABEC-10F107160D33}" type="datetime1">
               <a:rPr lang="en-US" smtClean="0"/>
-              <a:t>10/25/2022</a:t>
+              <a:t>1/18/2023</a:t>
             </a:fld>
             <a:endParaRPr lang="en-US" dirty="0"/>
           </a:p>
@@ -4389,7 +4389,7 @@
           <a:p>
             <a:fld id="{6989806E-8E94-473C-AEE7-BE6F15F85533}" type="datetime1">
               <a:rPr lang="en-US" smtClean="0"/>
-              <a:t>10/25/2022</a:t>
+              <a:t>1/18/2023</a:t>
             </a:fld>
             <a:endParaRPr lang="en-US" dirty="0"/>
           </a:p>
@@ -5113,7 +5113,7 @@
         <p:spPr>
           <a:xfrm>
             <a:off x="6580232" y="2097741"/>
-            <a:ext cx="5333861" cy="3914537"/>
+            <a:ext cx="5333861" cy="4465429"/>
           </a:xfrm>
         </p:spPr>
         <p:txBody>
@@ -5128,15 +5128,15 @@
               </a:lnSpc>
             </a:pPr>
             <a:r>
-              <a:rPr lang="en-US" sz="3200" dirty="0"/>
-              <a:t>Matina Gkioulidou:</a:t>
+              <a:rPr lang="en-US" sz="3200" b="1" dirty="0"/>
+              <a:t>Ian Richardson:</a:t>
             </a:r>
             <a:br>
               <a:rPr lang="en-US" sz="3200" dirty="0"/>
             </a:br>
             <a:r>
               <a:rPr lang="en-US" sz="3200" dirty="0"/>
-              <a:t>Observing the Global Geospace in Mesoscale Resolution</a:t>
+              <a:t>A Heliospheric View of Solar Energetic Particle Events </a:t>
             </a:r>
             <a:br>
               <a:rPr lang="en-US" sz="3200" dirty="0"/>
@@ -5145,15 +5145,15 @@
               <a:rPr lang="en-US" sz="3200" dirty="0"/>
             </a:br>
             <a:r>
-              <a:rPr lang="en-US" sz="3200" dirty="0"/>
-              <a:t>Anthony </a:t>
-            </a:r>
-            <a:r>
-              <a:rPr lang="en-US" sz="3200" dirty="0" err="1"/>
-              <a:t>Sciola</a:t>
-            </a:r>
-            <a:r>
-              <a:rPr lang="en-US" sz="3200" dirty="0"/>
+              <a:rPr lang="en-US" sz="3200" b="1" dirty="0"/>
+              <a:t>Rachael </a:t>
+            </a:r>
+            <a:r>
+              <a:rPr lang="en-US" sz="3200" b="1" dirty="0" err="1"/>
+              <a:t>Filwett</a:t>
+            </a:r>
+            <a:r>
+              <a:rPr lang="en-US" sz="3200" b="1" dirty="0"/>
               <a:t>:</a:t>
             </a:r>
             <a:br>
@@ -5161,7 +5161,7 @@
             </a:br>
             <a:r>
               <a:rPr lang="en-US" sz="3200" dirty="0"/>
-              <a:t>Build-up of the Storm-Time Ring Current via Mesoscale Plasma Sheet Flows</a:t>
+              <a:t>Solar Energetic Particle Access to the Magnetosphere, a Comparison of 4 SEP Events Measured with RBSP</a:t>
             </a:r>
             <a:endParaRPr lang="en-CA" sz="2400" dirty="0"/>
           </a:p>
@@ -5264,7 +5264,7 @@
           <a:p>
             <a:r>
               <a:rPr lang="en-US" sz="3200" b="1" dirty="0"/>
-              <a:t>Spacecraft Exploration and Physics Modeling of the Earth’s Ring Current</a:t>
+              <a:t>Solar Energetic Particles in Heliosphere and Geospace</a:t>
             </a:r>
             <a:endParaRPr lang="en-CA" sz="3200" b="1" dirty="0"/>
           </a:p>

--- a/RBSP.pptx
+++ b/RBSP.pptx
@@ -369,7 +369,7 @@
           <a:p>
             <a:fld id="{3341EE12-F28E-4B03-A404-A8FCAE0F6316}" type="datetime1">
               <a:rPr lang="en-US" smtClean="0"/>
-              <a:t>1/18/2023</a:t>
+              <a:t>4/18/2023</a:t>
             </a:fld>
             <a:endParaRPr lang="en-US" dirty="0"/>
           </a:p>
@@ -654,7 +654,7 @@
           <a:p>
             <a:fld id="{B68B8189-0D9C-48A6-9FA3-862227B094CE}" type="datetime1">
               <a:rPr lang="en-US" smtClean="0"/>
-              <a:t>1/18/2023</a:t>
+              <a:t>4/18/2023</a:t>
             </a:fld>
             <a:endParaRPr lang="en-US"/>
           </a:p>
@@ -1018,7 +1018,7 @@
           <a:p>
             <a:fld id="{26ADDCAE-6443-42C3-9C19-F95985500186}" type="datetime1">
               <a:rPr lang="en-US" smtClean="0"/>
-              <a:t>1/18/2023</a:t>
+              <a:t>4/18/2023</a:t>
             </a:fld>
             <a:endParaRPr lang="en-US" dirty="0"/>
           </a:p>
@@ -1280,7 +1280,7 @@
           <a:p>
             <a:fld id="{1962799E-EB8E-4038-8063-81BB57C732D4}" type="datetime1">
               <a:rPr lang="en-US" smtClean="0"/>
-              <a:t>1/18/2023</a:t>
+              <a:t>4/18/2023</a:t>
             </a:fld>
             <a:endParaRPr lang="en-US"/>
           </a:p>
@@ -1710,7 +1710,7 @@
           <a:p>
             <a:fld id="{217A73C3-B243-44D3-809D-EF8FDFBD85D4}" type="datetime1">
               <a:rPr lang="en-US" smtClean="0"/>
-              <a:t>1/18/2023</a:t>
+              <a:t>4/18/2023</a:t>
             </a:fld>
             <a:endParaRPr lang="en-US" dirty="0"/>
           </a:p>
@@ -2041,7 +2041,7 @@
           <a:p>
             <a:fld id="{C9B6D3E3-28E2-4380-A113-67698215C5F8}" type="datetime1">
               <a:rPr lang="en-US" smtClean="0"/>
-              <a:t>1/18/2023</a:t>
+              <a:t>4/18/2023</a:t>
             </a:fld>
             <a:endParaRPr lang="en-US" dirty="0"/>
           </a:p>
@@ -2474,7 +2474,7 @@
           <a:p>
             <a:fld id="{A9EFCB61-04AD-47C9-BF79-2BD8B9CEC07A}" type="datetime1">
               <a:rPr lang="en-US" smtClean="0"/>
-              <a:t>1/18/2023</a:t>
+              <a:t>4/18/2023</a:t>
             </a:fld>
             <a:endParaRPr lang="en-US" dirty="0"/>
           </a:p>
@@ -2626,7 +2626,7 @@
           <a:p>
             <a:fld id="{A4535E0C-D585-492F-8146-7493F4086301}" type="datetime1">
               <a:rPr lang="en-US" smtClean="0"/>
-              <a:t>1/18/2023</a:t>
+              <a:t>4/18/2023</a:t>
             </a:fld>
             <a:endParaRPr lang="en-US"/>
           </a:p>
@@ -2789,7 +2789,7 @@
           <a:p>
             <a:fld id="{8CE48390-48B5-49AB-B019-A7C8FB8C31F6}" type="datetime1">
               <a:rPr lang="en-US" smtClean="0"/>
-              <a:t>1/18/2023</a:t>
+              <a:t>4/18/2023</a:t>
             </a:fld>
             <a:endParaRPr lang="en-US"/>
           </a:p>
@@ -3318,7 +3318,7 @@
           <a:p>
             <a:fld id="{962E767E-8A14-4E70-91B9-2101CBC4D7BD}" type="datetime1">
               <a:rPr lang="en-US" smtClean="0"/>
-              <a:t>1/18/2023</a:t>
+              <a:t>4/18/2023</a:t>
             </a:fld>
             <a:endParaRPr lang="en-US" dirty="0"/>
           </a:p>
@@ -3839,7 +3839,7 @@
           <a:p>
             <a:fld id="{01AF0C4B-5A4A-45CA-ABEC-10F107160D33}" type="datetime1">
               <a:rPr lang="en-US" smtClean="0"/>
-              <a:t>1/18/2023</a:t>
+              <a:t>4/18/2023</a:t>
             </a:fld>
             <a:endParaRPr lang="en-US" dirty="0"/>
           </a:p>
@@ -4389,7 +4389,7 @@
           <a:p>
             <a:fld id="{6989806E-8E94-473C-AEE7-BE6F15F85533}" type="datetime1">
               <a:rPr lang="en-US" smtClean="0"/>
-              <a:t>1/18/2023</a:t>
+              <a:t>4/18/2023</a:t>
             </a:fld>
             <a:endParaRPr lang="en-US" dirty="0"/>
           </a:p>
@@ -5129,14 +5129,26 @@
             </a:pPr>
             <a:r>
               <a:rPr lang="en-US" sz="3200" b="1" dirty="0"/>
-              <a:t>Ian Richardson:</a:t>
+              <a:t>Jacob </a:t>
+            </a:r>
+            <a:r>
+              <a:rPr lang="en-US" sz="3200" b="1" dirty="0" err="1"/>
+              <a:t>Bortnik</a:t>
+            </a:r>
+            <a:r>
+              <a:rPr lang="en-US" sz="3200" b="1" dirty="0"/>
+              <a:t> :</a:t>
             </a:r>
             <a:br>
               <a:rPr lang="en-US" sz="3200" dirty="0"/>
             </a:br>
             <a:r>
               <a:rPr lang="en-US" sz="3200" dirty="0"/>
-              <a:t>A Heliospheric View of Solar Energetic Particle Events </a:t>
+              <a:t>Inner Magnetospheric Environment Reconstruction and </a:t>
+            </a:r>
+            <a:r>
+              <a:rPr lang="en-US" sz="3200" dirty="0" err="1"/>
+              <a:t>Explainability</a:t>
             </a:r>
             <a:br>
               <a:rPr lang="en-US" sz="3200" dirty="0"/>
@@ -5146,22 +5158,22 @@
             </a:br>
             <a:r>
               <a:rPr lang="en-US" sz="3200" b="1" dirty="0"/>
-              <a:t>Rachael </a:t>
+              <a:t>Enrico </a:t>
             </a:r>
             <a:r>
               <a:rPr lang="en-US" sz="3200" b="1" dirty="0" err="1"/>
-              <a:t>Filwett</a:t>
+              <a:t>Camporeale</a:t>
             </a:r>
             <a:r>
               <a:rPr lang="en-US" sz="3200" b="1" dirty="0"/>
-              <a:t>:</a:t>
+              <a:t> :</a:t>
             </a:r>
             <a:br>
               <a:rPr lang="en-US" sz="3200" dirty="0"/>
             </a:br>
             <a:r>
               <a:rPr lang="en-US" sz="3200" dirty="0"/>
-              <a:t>Solar Energetic Particle Access to the Magnetosphere, a Comparison of 4 SEP Events Measured with RBSP</a:t>
+              <a:t>Data-Driven Discovery of the Fokker-Planck Equation for the Earth's Radiation Belts Using Machine Learning</a:t>
             </a:r>
             <a:endParaRPr lang="en-CA" sz="2400" dirty="0"/>
           </a:p>
@@ -5264,7 +5276,7 @@
           <a:p>
             <a:r>
               <a:rPr lang="en-US" sz="3200" b="1" dirty="0"/>
-              <a:t>Solar Energetic Particles in Heliosphere and Geospace</a:t>
+              <a:t>Machine Learning in Space Physics</a:t>
             </a:r>
             <a:endParaRPr lang="en-CA" sz="3200" b="1" dirty="0"/>
           </a:p>

--- a/RBSP.pptx
+++ b/RBSP.pptx
@@ -369,7 +369,7 @@
           <a:p>
             <a:fld id="{3341EE12-F28E-4B03-A404-A8FCAE0F6316}" type="datetime1">
               <a:rPr lang="en-US" smtClean="0"/>
-              <a:t>4/18/2023</a:t>
+              <a:t>5/22/2023</a:t>
             </a:fld>
             <a:endParaRPr lang="en-US" dirty="0"/>
           </a:p>
@@ -654,7 +654,7 @@
           <a:p>
             <a:fld id="{B68B8189-0D9C-48A6-9FA3-862227B094CE}" type="datetime1">
               <a:rPr lang="en-US" smtClean="0"/>
-              <a:t>4/18/2023</a:t>
+              <a:t>5/22/2023</a:t>
             </a:fld>
             <a:endParaRPr lang="en-US"/>
           </a:p>
@@ -1018,7 +1018,7 @@
           <a:p>
             <a:fld id="{26ADDCAE-6443-42C3-9C19-F95985500186}" type="datetime1">
               <a:rPr lang="en-US" smtClean="0"/>
-              <a:t>4/18/2023</a:t>
+              <a:t>5/22/2023</a:t>
             </a:fld>
             <a:endParaRPr lang="en-US" dirty="0"/>
           </a:p>
@@ -1280,7 +1280,7 @@
           <a:p>
             <a:fld id="{1962799E-EB8E-4038-8063-81BB57C732D4}" type="datetime1">
               <a:rPr lang="en-US" smtClean="0"/>
-              <a:t>4/18/2023</a:t>
+              <a:t>5/22/2023</a:t>
             </a:fld>
             <a:endParaRPr lang="en-US"/>
           </a:p>
@@ -1710,7 +1710,7 @@
           <a:p>
             <a:fld id="{217A73C3-B243-44D3-809D-EF8FDFBD85D4}" type="datetime1">
               <a:rPr lang="en-US" smtClean="0"/>
-              <a:t>4/18/2023</a:t>
+              <a:t>5/22/2023</a:t>
             </a:fld>
             <a:endParaRPr lang="en-US" dirty="0"/>
           </a:p>
@@ -2041,7 +2041,7 @@
           <a:p>
             <a:fld id="{C9B6D3E3-28E2-4380-A113-67698215C5F8}" type="datetime1">
               <a:rPr lang="en-US" smtClean="0"/>
-              <a:t>4/18/2023</a:t>
+              <a:t>5/22/2023</a:t>
             </a:fld>
             <a:endParaRPr lang="en-US" dirty="0"/>
           </a:p>
@@ -2474,7 +2474,7 @@
           <a:p>
             <a:fld id="{A9EFCB61-04AD-47C9-BF79-2BD8B9CEC07A}" type="datetime1">
               <a:rPr lang="en-US" smtClean="0"/>
-              <a:t>4/18/2023</a:t>
+              <a:t>5/22/2023</a:t>
             </a:fld>
             <a:endParaRPr lang="en-US" dirty="0"/>
           </a:p>
@@ -2626,7 +2626,7 @@
           <a:p>
             <a:fld id="{A4535E0C-D585-492F-8146-7493F4086301}" type="datetime1">
               <a:rPr lang="en-US" smtClean="0"/>
-              <a:t>4/18/2023</a:t>
+              <a:t>5/22/2023</a:t>
             </a:fld>
             <a:endParaRPr lang="en-US"/>
           </a:p>
@@ -2789,7 +2789,7 @@
           <a:p>
             <a:fld id="{8CE48390-48B5-49AB-B019-A7C8FB8C31F6}" type="datetime1">
               <a:rPr lang="en-US" smtClean="0"/>
-              <a:t>4/18/2023</a:t>
+              <a:t>5/22/2023</a:t>
             </a:fld>
             <a:endParaRPr lang="en-US"/>
           </a:p>
@@ -3318,7 +3318,7 @@
           <a:p>
             <a:fld id="{962E767E-8A14-4E70-91B9-2101CBC4D7BD}" type="datetime1">
               <a:rPr lang="en-US" smtClean="0"/>
-              <a:t>4/18/2023</a:t>
+              <a:t>5/22/2023</a:t>
             </a:fld>
             <a:endParaRPr lang="en-US" dirty="0"/>
           </a:p>
@@ -3839,7 +3839,7 @@
           <a:p>
             <a:fld id="{01AF0C4B-5A4A-45CA-ABEC-10F107160D33}" type="datetime1">
               <a:rPr lang="en-US" smtClean="0"/>
-              <a:t>4/18/2023</a:t>
+              <a:t>5/22/2023</a:t>
             </a:fld>
             <a:endParaRPr lang="en-US" dirty="0"/>
           </a:p>
@@ -4389,7 +4389,7 @@
           <a:p>
             <a:fld id="{6989806E-8E94-473C-AEE7-BE6F15F85533}" type="datetime1">
               <a:rPr lang="en-US" smtClean="0"/>
-              <a:t>4/18/2023</a:t>
+              <a:t>5/22/2023</a:t>
             </a:fld>
             <a:endParaRPr lang="en-US" dirty="0"/>
           </a:p>
@@ -5129,26 +5129,22 @@
             </a:pPr>
             <a:r>
               <a:rPr lang="en-US" sz="3200" b="1" dirty="0"/>
-              <a:t>Jacob </a:t>
+              <a:t>Justin </a:t>
             </a:r>
             <a:r>
               <a:rPr lang="en-US" sz="3200" b="1" dirty="0" err="1"/>
-              <a:t>Bortnik</a:t>
+              <a:t>Likar</a:t>
             </a:r>
             <a:r>
               <a:rPr lang="en-US" sz="3200" b="1" dirty="0"/>
-              <a:t> :</a:t>
+              <a:t>:</a:t>
             </a:r>
             <a:br>
               <a:rPr lang="en-US" sz="3200" dirty="0"/>
             </a:br>
             <a:r>
               <a:rPr lang="en-US" sz="3200" dirty="0"/>
-              <a:t>Inner Magnetospheric Environment Reconstruction and </a:t>
-            </a:r>
-            <a:r>
-              <a:rPr lang="en-US" sz="3200" dirty="0" err="1"/>
-              <a:t>Explainability</a:t>
+              <a:t>Natural Space Environment (NSE) Effects on Space Flight System Design and Operations</a:t>
             </a:r>
             <a:br>
               <a:rPr lang="en-US" sz="3200" dirty="0"/>
@@ -5158,22 +5154,22 @@
             </a:br>
             <a:r>
               <a:rPr lang="en-US" sz="3200" b="1" dirty="0"/>
-              <a:t>Enrico </a:t>
-            </a:r>
-            <a:r>
-              <a:rPr lang="en-US" sz="3200" b="1" dirty="0" err="1"/>
-              <a:t>Camporeale</a:t>
-            </a:r>
-            <a:r>
-              <a:rPr lang="en-US" sz="3200" b="1" dirty="0"/>
-              <a:t> :</a:t>
+              <a:t>Yannis Daglis:</a:t>
             </a:r>
             <a:br>
               <a:rPr lang="en-US" sz="3200" dirty="0"/>
             </a:br>
             <a:r>
               <a:rPr lang="en-US" sz="3200" dirty="0"/>
-              <a:t>Data-Driven Discovery of the Fokker-Planck Equation for the Earth's Radiation Belts Using Machine Learning</a:t>
+              <a:t>Predicting Outer Van Allen Belt Dynamics with the Prototype </a:t>
+            </a:r>
+            <a:r>
+              <a:rPr lang="en-US" sz="3200" dirty="0" err="1"/>
+              <a:t>SafeSpace</a:t>
+            </a:r>
+            <a:r>
+              <a:rPr lang="en-US" sz="3200" dirty="0"/>
+              <a:t> Service</a:t>
             </a:r>
             <a:endParaRPr lang="en-CA" sz="2400" dirty="0"/>
           </a:p>
@@ -5276,7 +5272,7 @@
           <a:p>
             <a:r>
               <a:rPr lang="en-US" sz="3200" b="1" dirty="0"/>
-              <a:t>Machine Learning in Space Physics</a:t>
+              <a:t>Space Weather Impacts of Near-Earth Particle Radiation</a:t>
             </a:r>
             <a:endParaRPr lang="en-CA" sz="3200" b="1" dirty="0"/>
           </a:p>
